--- a/1D full wave simulation in magnetic plasma.pptx
+++ b/1D full wave simulation in magnetic plasma.pptx
@@ -5,7 +5,7 @@
     <p:sldMasterId id="2147483648" r:id="rId1"/>
   </p:sldMasterIdLst>
   <p:notesMasterIdLst>
-    <p:notesMasterId r:id="rId16"/>
+    <p:notesMasterId r:id="rId19"/>
   </p:notesMasterIdLst>
   <p:sldIdLst>
     <p:sldId id="256" r:id="rId2"/>
@@ -22,6 +22,9 @@
     <p:sldId id="266" r:id="rId13"/>
     <p:sldId id="265" r:id="rId14"/>
     <p:sldId id="264" r:id="rId15"/>
+    <p:sldId id="272" r:id="rId16"/>
+    <p:sldId id="270" r:id="rId17"/>
+    <p:sldId id="271" r:id="rId18"/>
   </p:sldIdLst>
   <p:sldSz cx="12192000" cy="6858000"/>
   <p:notesSz cx="6858000" cy="9144000"/>
@@ -120,6 +123,11 @@
       </a:defRPr>
     </a:lvl9pPr>
   </p:defaultTextStyle>
+  <p:extLst>
+    <p:ext uri="{EFAFB233-063F-42B5-8137-9DF3F51BA10A}">
+      <p15:sldGuideLst xmlns:p15="http://schemas.microsoft.com/office/powerpoint/2012/main"/>
+    </p:ext>
+  </p:extLst>
 </p:presentation>
 </file>
 
@@ -205,7 +213,7 @@
           <a:p>
             <a:fld id="{C5DE7E22-804B-4E26-B4A3-C691BFFD7AE1}" type="datetimeFigureOut">
               <a:rPr lang="en-US" smtClean="0"/>
-              <a:t>9/2/2024</a:t>
+              <a:t>9/8/2024</a:t>
             </a:fld>
             <a:endParaRPr lang="en-US"/>
           </a:p>
@@ -729,7 +737,7 @@
           <a:p>
             <a:fld id="{C671B4A3-1C98-445D-9979-D615F6EB5AA5}" type="datetimeFigureOut">
               <a:rPr lang="en-US" smtClean="0"/>
-              <a:t>9/2/2024</a:t>
+              <a:t>9/8/2024</a:t>
             </a:fld>
             <a:endParaRPr lang="en-US"/>
           </a:p>
@@ -927,7 +935,7 @@
           <a:p>
             <a:fld id="{C671B4A3-1C98-445D-9979-D615F6EB5AA5}" type="datetimeFigureOut">
               <a:rPr lang="en-US" smtClean="0"/>
-              <a:t>9/2/2024</a:t>
+              <a:t>9/8/2024</a:t>
             </a:fld>
             <a:endParaRPr lang="en-US"/>
           </a:p>
@@ -1135,7 +1143,7 @@
           <a:p>
             <a:fld id="{C671B4A3-1C98-445D-9979-D615F6EB5AA5}" type="datetimeFigureOut">
               <a:rPr lang="en-US" smtClean="0"/>
-              <a:t>9/2/2024</a:t>
+              <a:t>9/8/2024</a:t>
             </a:fld>
             <a:endParaRPr lang="en-US"/>
           </a:p>
@@ -1333,7 +1341,7 @@
           <a:p>
             <a:fld id="{C671B4A3-1C98-445D-9979-D615F6EB5AA5}" type="datetimeFigureOut">
               <a:rPr lang="en-US" smtClean="0"/>
-              <a:t>9/2/2024</a:t>
+              <a:t>9/8/2024</a:t>
             </a:fld>
             <a:endParaRPr lang="en-US"/>
           </a:p>
@@ -1608,7 +1616,7 @@
           <a:p>
             <a:fld id="{C671B4A3-1C98-445D-9979-D615F6EB5AA5}" type="datetimeFigureOut">
               <a:rPr lang="en-US" smtClean="0"/>
-              <a:t>9/2/2024</a:t>
+              <a:t>9/8/2024</a:t>
             </a:fld>
             <a:endParaRPr lang="en-US"/>
           </a:p>
@@ -1873,7 +1881,7 @@
           <a:p>
             <a:fld id="{C671B4A3-1C98-445D-9979-D615F6EB5AA5}" type="datetimeFigureOut">
               <a:rPr lang="en-US" smtClean="0"/>
-              <a:t>9/2/2024</a:t>
+              <a:t>9/8/2024</a:t>
             </a:fld>
             <a:endParaRPr lang="en-US"/>
           </a:p>
@@ -2285,7 +2293,7 @@
           <a:p>
             <a:fld id="{C671B4A3-1C98-445D-9979-D615F6EB5AA5}" type="datetimeFigureOut">
               <a:rPr lang="en-US" smtClean="0"/>
-              <a:t>9/2/2024</a:t>
+              <a:t>9/8/2024</a:t>
             </a:fld>
             <a:endParaRPr lang="en-US"/>
           </a:p>
@@ -2426,7 +2434,7 @@
           <a:p>
             <a:fld id="{C671B4A3-1C98-445D-9979-D615F6EB5AA5}" type="datetimeFigureOut">
               <a:rPr lang="en-US" smtClean="0"/>
-              <a:t>9/2/2024</a:t>
+              <a:t>9/8/2024</a:t>
             </a:fld>
             <a:endParaRPr lang="en-US"/>
           </a:p>
@@ -2539,7 +2547,7 @@
           <a:p>
             <a:fld id="{C671B4A3-1C98-445D-9979-D615F6EB5AA5}" type="datetimeFigureOut">
               <a:rPr lang="en-US" smtClean="0"/>
-              <a:t>9/2/2024</a:t>
+              <a:t>9/8/2024</a:t>
             </a:fld>
             <a:endParaRPr lang="en-US"/>
           </a:p>
@@ -2850,7 +2858,7 @@
           <a:p>
             <a:fld id="{C671B4A3-1C98-445D-9979-D615F6EB5AA5}" type="datetimeFigureOut">
               <a:rPr lang="en-US" smtClean="0"/>
-              <a:t>9/2/2024</a:t>
+              <a:t>9/8/2024</a:t>
             </a:fld>
             <a:endParaRPr lang="en-US"/>
           </a:p>
@@ -3138,7 +3146,7 @@
           <a:p>
             <a:fld id="{C671B4A3-1C98-445D-9979-D615F6EB5AA5}" type="datetimeFigureOut">
               <a:rPr lang="en-US" smtClean="0"/>
-              <a:t>9/2/2024</a:t>
+              <a:t>9/8/2024</a:t>
             </a:fld>
             <a:endParaRPr lang="en-US"/>
           </a:p>
@@ -3379,7 +3387,7 @@
           <a:p>
             <a:fld id="{C671B4A3-1C98-445D-9979-D615F6EB5AA5}" type="datetimeFigureOut">
               <a:rPr lang="en-US" smtClean="0"/>
-              <a:t>9/2/2024</a:t>
+              <a:t>9/8/2024</a:t>
             </a:fld>
             <a:endParaRPr lang="en-US"/>
           </a:p>
@@ -4985,6 +4993,2525 @@
 </p:sld>
 </file>
 
+<file path=ppt/slides/slide15.xml><?xml version="1.0" encoding="utf-8"?>
+<p:sld xmlns:a="http://schemas.openxmlformats.org/drawingml/2006/main" xmlns:r="http://schemas.openxmlformats.org/officeDocument/2006/relationships" xmlns:p="http://schemas.openxmlformats.org/presentationml/2006/main">
+  <p:cSld>
+    <p:spTree>
+      <p:nvGrpSpPr>
+        <p:cNvPr id="1" name=""/>
+        <p:cNvGrpSpPr/>
+        <p:nvPr/>
+      </p:nvGrpSpPr>
+      <p:grpSpPr>
+        <a:xfrm>
+          <a:off x="0" y="0"/>
+          <a:ext cx="0" cy="0"/>
+          <a:chOff x="0" y="0"/>
+          <a:chExt cx="0" cy="0"/>
+        </a:xfrm>
+      </p:grpSpPr>
+      <p:sp>
+        <p:nvSpPr>
+          <p:cNvPr id="2" name="TextBox 1">
+            <a:extLst>
+              <a:ext uri="{FF2B5EF4-FFF2-40B4-BE49-F238E27FC236}">
+                <a16:creationId xmlns:a16="http://schemas.microsoft.com/office/drawing/2014/main" id="{F32DADE1-B047-3823-54F1-6AAFB646CF6A}"/>
+              </a:ext>
+            </a:extLst>
+          </p:cNvPr>
+          <p:cNvSpPr txBox="1"/>
+          <p:nvPr/>
+        </p:nvSpPr>
+        <p:spPr>
+          <a:xfrm>
+            <a:off x="716437" y="2300140"/>
+            <a:ext cx="5379563" cy="369332"/>
+          </a:xfrm>
+          <a:prstGeom prst="rect">
+            <a:avLst/>
+          </a:prstGeom>
+          <a:noFill/>
+        </p:spPr>
+        <p:txBody>
+          <a:bodyPr wrap="square" rtlCol="0">
+            <a:spAutoFit/>
+          </a:bodyPr>
+          <a:lstStyle/>
+          <a:p>
+            <a:r>
+              <a:rPr lang="en-US" dirty="0"/>
+              <a:t>CODE BENCHMARK</a:t>
+            </a:r>
+          </a:p>
+        </p:txBody>
+      </p:sp>
+    </p:spTree>
+    <p:extLst>
+      <p:ext uri="{BB962C8B-B14F-4D97-AF65-F5344CB8AC3E}">
+        <p14:creationId xmlns:p14="http://schemas.microsoft.com/office/powerpoint/2010/main" val="714104335"/>
+      </p:ext>
+    </p:extLst>
+  </p:cSld>
+  <p:clrMapOvr>
+    <a:masterClrMapping/>
+  </p:clrMapOvr>
+</p:sld>
+</file>
+
+<file path=ppt/slides/slide16.xml><?xml version="1.0" encoding="utf-8"?>
+<p:sld xmlns:a="http://schemas.openxmlformats.org/drawingml/2006/main" xmlns:r="http://schemas.openxmlformats.org/officeDocument/2006/relationships" xmlns:p="http://schemas.openxmlformats.org/presentationml/2006/main">
+  <p:cSld>
+    <p:spTree>
+      <p:nvGrpSpPr>
+        <p:cNvPr id="1" name=""/>
+        <p:cNvGrpSpPr/>
+        <p:nvPr/>
+      </p:nvGrpSpPr>
+      <p:grpSpPr>
+        <a:xfrm>
+          <a:off x="0" y="0"/>
+          <a:ext cx="0" cy="0"/>
+          <a:chOff x="0" y="0"/>
+          <a:chExt cx="0" cy="0"/>
+        </a:xfrm>
+      </p:grpSpPr>
+      <p:pic>
+        <p:nvPicPr>
+          <p:cNvPr id="5" name="Picture 4">
+            <a:extLst>
+              <a:ext uri="{FF2B5EF4-FFF2-40B4-BE49-F238E27FC236}">
+                <a16:creationId xmlns:a16="http://schemas.microsoft.com/office/drawing/2014/main" id="{CED80A18-1468-32BF-9DD9-AEB7A4A61B45}"/>
+              </a:ext>
+            </a:extLst>
+          </p:cNvPr>
+          <p:cNvPicPr>
+            <a:picLocks noChangeAspect="1"/>
+          </p:cNvPicPr>
+          <p:nvPr/>
+        </p:nvPicPr>
+        <p:blipFill>
+          <a:blip r:embed="rId2"/>
+          <a:stretch>
+            <a:fillRect/>
+          </a:stretch>
+        </p:blipFill>
+        <p:spPr>
+          <a:xfrm>
+            <a:off x="485188" y="1289852"/>
+            <a:ext cx="5334000" cy="4000500"/>
+          </a:xfrm>
+          <a:prstGeom prst="rect">
+            <a:avLst/>
+          </a:prstGeom>
+        </p:spPr>
+      </p:pic>
+      <mc:AlternateContent xmlns:mc="http://schemas.openxmlformats.org/markup-compatibility/2006">
+        <mc:Choice xmlns:a14="http://schemas.microsoft.com/office/drawing/2010/main" Requires="a14">
+          <p:sp>
+            <p:nvSpPr>
+              <p:cNvPr id="6" name="TextBox 5">
+                <a:extLst>
+                  <a:ext uri="{FF2B5EF4-FFF2-40B4-BE49-F238E27FC236}">
+                    <a16:creationId xmlns:a16="http://schemas.microsoft.com/office/drawing/2014/main" id="{C48CF2CE-BAFB-E805-EBC2-912EA8A7ABB5}"/>
+                  </a:ext>
+                </a:extLst>
+              </p:cNvPr>
+              <p:cNvSpPr txBox="1"/>
+              <p:nvPr/>
+            </p:nvSpPr>
+            <p:spPr>
+              <a:xfrm>
+                <a:off x="1814552" y="5423933"/>
+                <a:ext cx="3260912" cy="646331"/>
+              </a:xfrm>
+              <a:prstGeom prst="rect">
+                <a:avLst/>
+              </a:prstGeom>
+              <a:noFill/>
+            </p:spPr>
+            <p:txBody>
+              <a:bodyPr wrap="square" rtlCol="0">
+                <a:spAutoFit/>
+              </a:bodyPr>
+              <a:lstStyle/>
+              <a:p>
+                <a:r>
+                  <a:rPr lang="en-US" dirty="0"/>
+                  <a:t>O mode ,</a:t>
+                </a:r>
+                <a14:m>
+                  <m:oMath xmlns:m="http://schemas.openxmlformats.org/officeDocument/2006/math">
+                    <m:sSub>
+                      <m:sSubPr>
+                        <m:ctrlPr>
+                          <a:rPr lang="en-US" b="0" i="1" smtClean="0">
+                            <a:latin typeface="Cambria Math" panose="02040503050406030204" pitchFamily="18" charset="0"/>
+                          </a:rPr>
+                        </m:ctrlPr>
+                      </m:sSubPr>
+                      <m:e>
+                        <m:r>
+                          <a:rPr lang="en-US" b="0" i="1" smtClean="0">
+                            <a:latin typeface="Cambria Math" panose="02040503050406030204" pitchFamily="18" charset="0"/>
+                          </a:rPr>
+                          <m:t>𝑛</m:t>
+                        </m:r>
+                      </m:e>
+                      <m:sub>
+                        <m:r>
+                          <a:rPr lang="en-US" b="0" i="1" smtClean="0">
+                            <a:latin typeface="Cambria Math" panose="02040503050406030204" pitchFamily="18" charset="0"/>
+                          </a:rPr>
+                          <m:t>𝑒</m:t>
+                        </m:r>
+                      </m:sub>
+                    </m:sSub>
+                    <m:r>
+                      <a:rPr lang="en-US" b="0" i="1" smtClean="0">
+                        <a:latin typeface="Cambria Math" panose="02040503050406030204" pitchFamily="18" charset="0"/>
+                      </a:rPr>
+                      <m:t>=</m:t>
+                    </m:r>
+                    <m:sSup>
+                      <m:sSupPr>
+                        <m:ctrlPr>
+                          <a:rPr lang="en-US" b="0" i="1" smtClean="0">
+                            <a:latin typeface="Cambria Math" panose="02040503050406030204" pitchFamily="18" charset="0"/>
+                          </a:rPr>
+                        </m:ctrlPr>
+                      </m:sSupPr>
+                      <m:e>
+                        <m:r>
+                          <a:rPr lang="en-US" b="0" i="1" smtClean="0">
+                            <a:latin typeface="Cambria Math" panose="02040503050406030204" pitchFamily="18" charset="0"/>
+                          </a:rPr>
+                          <m:t>1</m:t>
+                        </m:r>
+                        <m:r>
+                          <a:rPr lang="en-US" b="0" i="1" smtClean="0">
+                            <a:latin typeface="Cambria Math" panose="02040503050406030204" pitchFamily="18" charset="0"/>
+                          </a:rPr>
+                          <m:t>×10</m:t>
+                        </m:r>
+                      </m:e>
+                      <m:sup>
+                        <m:r>
+                          <a:rPr lang="en-US" b="0" i="1" smtClean="0">
+                            <a:latin typeface="Cambria Math" panose="02040503050406030204" pitchFamily="18" charset="0"/>
+                          </a:rPr>
+                          <m:t>19</m:t>
+                        </m:r>
+                      </m:sup>
+                    </m:sSup>
+                    <m:r>
+                      <a:rPr lang="en-US" b="0" i="1" smtClean="0">
+                        <a:latin typeface="Cambria Math" panose="02040503050406030204" pitchFamily="18" charset="0"/>
+                      </a:rPr>
+                      <m:t>/</m:t>
+                    </m:r>
+                    <m:sSup>
+                      <m:sSupPr>
+                        <m:ctrlPr>
+                          <a:rPr lang="en-US" b="0" i="1" smtClean="0">
+                            <a:latin typeface="Cambria Math" panose="02040503050406030204" pitchFamily="18" charset="0"/>
+                          </a:rPr>
+                        </m:ctrlPr>
+                      </m:sSupPr>
+                      <m:e>
+                        <m:r>
+                          <a:rPr lang="en-US" b="0" i="1" smtClean="0">
+                            <a:latin typeface="Cambria Math" panose="02040503050406030204" pitchFamily="18" charset="0"/>
+                          </a:rPr>
+                          <m:t>𝑚</m:t>
+                        </m:r>
+                      </m:e>
+                      <m:sup>
+                        <m:r>
+                          <a:rPr lang="en-US" b="0" i="1" smtClean="0">
+                            <a:latin typeface="Cambria Math" panose="02040503050406030204" pitchFamily="18" charset="0"/>
+                          </a:rPr>
+                          <m:t>3</m:t>
+                        </m:r>
+                      </m:sup>
+                    </m:sSup>
+                  </m:oMath>
+                </a14:m>
+                <a:r>
+                  <a:rPr lang="en-US" dirty="0"/>
+                  <a:t>,uniform distribution</a:t>
+                </a:r>
+              </a:p>
+            </p:txBody>
+          </p:sp>
+        </mc:Choice>
+        <mc:Fallback>
+          <p:sp>
+            <p:nvSpPr>
+              <p:cNvPr id="6" name="TextBox 5">
+                <a:extLst>
+                  <a:ext uri="{FF2B5EF4-FFF2-40B4-BE49-F238E27FC236}">
+                    <a16:creationId xmlns:a16="http://schemas.microsoft.com/office/drawing/2014/main" id="{C48CF2CE-BAFB-E805-EBC2-912EA8A7ABB5}"/>
+                  </a:ext>
+                </a:extLst>
+              </p:cNvPr>
+              <p:cNvSpPr txBox="1">
+                <a:spLocks noRot="1" noChangeAspect="1" noMove="1" noResize="1" noEditPoints="1" noAdjustHandles="1" noChangeArrowheads="1" noChangeShapeType="1" noTextEdit="1"/>
+              </p:cNvSpPr>
+              <p:nvPr/>
+            </p:nvSpPr>
+            <p:spPr>
+              <a:xfrm>
+                <a:off x="1814552" y="5423933"/>
+                <a:ext cx="3260912" cy="646331"/>
+              </a:xfrm>
+              <a:prstGeom prst="rect">
+                <a:avLst/>
+              </a:prstGeom>
+              <a:blipFill>
+                <a:blip r:embed="rId3"/>
+                <a:stretch>
+                  <a:fillRect l="-1682" t="-4717" b="-15094"/>
+                </a:stretch>
+              </a:blipFill>
+            </p:spPr>
+            <p:txBody>
+              <a:bodyPr/>
+              <a:lstStyle/>
+              <a:p>
+                <a:r>
+                  <a:rPr lang="en-US">
+                    <a:noFill/>
+                  </a:rPr>
+                  <a:t> </a:t>
+                </a:r>
+              </a:p>
+            </p:txBody>
+          </p:sp>
+        </mc:Fallback>
+      </mc:AlternateContent>
+      <p:pic>
+        <p:nvPicPr>
+          <p:cNvPr id="8" name="Picture 7">
+            <a:extLst>
+              <a:ext uri="{FF2B5EF4-FFF2-40B4-BE49-F238E27FC236}">
+                <a16:creationId xmlns:a16="http://schemas.microsoft.com/office/drawing/2014/main" id="{78DD19D9-DB1E-C989-3A65-2C94C677DC1B}"/>
+              </a:ext>
+            </a:extLst>
+          </p:cNvPr>
+          <p:cNvPicPr>
+            <a:picLocks noChangeAspect="1"/>
+          </p:cNvPicPr>
+          <p:nvPr/>
+        </p:nvPicPr>
+        <p:blipFill>
+          <a:blip r:embed="rId4"/>
+          <a:stretch>
+            <a:fillRect/>
+          </a:stretch>
+        </p:blipFill>
+        <p:spPr>
+          <a:xfrm>
+            <a:off x="5943600" y="1354427"/>
+            <a:ext cx="5334000" cy="4000501"/>
+          </a:xfrm>
+          <a:prstGeom prst="rect">
+            <a:avLst/>
+          </a:prstGeom>
+        </p:spPr>
+      </p:pic>
+      <mc:AlternateContent xmlns:mc="http://schemas.openxmlformats.org/markup-compatibility/2006">
+        <mc:Choice xmlns:a14="http://schemas.microsoft.com/office/drawing/2010/main" Requires="a14">
+          <p:sp>
+            <p:nvSpPr>
+              <p:cNvPr id="9" name="TextBox 8">
+                <a:extLst>
+                  <a:ext uri="{FF2B5EF4-FFF2-40B4-BE49-F238E27FC236}">
+                    <a16:creationId xmlns:a16="http://schemas.microsoft.com/office/drawing/2014/main" id="{28F11954-2B5F-174A-62E2-ABEBB5CA84F2}"/>
+                  </a:ext>
+                </a:extLst>
+              </p:cNvPr>
+              <p:cNvSpPr txBox="1"/>
+              <p:nvPr/>
+            </p:nvSpPr>
+            <p:spPr>
+              <a:xfrm>
+                <a:off x="6912882" y="5402476"/>
+                <a:ext cx="4282168" cy="646331"/>
+              </a:xfrm>
+              <a:prstGeom prst="rect">
+                <a:avLst/>
+              </a:prstGeom>
+              <a:noFill/>
+            </p:spPr>
+            <p:txBody>
+              <a:bodyPr wrap="square" rtlCol="0">
+                <a:spAutoFit/>
+              </a:bodyPr>
+              <a:lstStyle/>
+              <a:p>
+                <a:r>
+                  <a:rPr lang="en-US" dirty="0"/>
+                  <a:t>X mode ,</a:t>
+                </a:r>
+                <a14:m>
+                  <m:oMath xmlns:m="http://schemas.openxmlformats.org/officeDocument/2006/math">
+                    <m:sSub>
+                      <m:sSubPr>
+                        <m:ctrlPr>
+                          <a:rPr lang="en-US" b="0" i="1" smtClean="0">
+                            <a:latin typeface="Cambria Math" panose="02040503050406030204" pitchFamily="18" charset="0"/>
+                          </a:rPr>
+                        </m:ctrlPr>
+                      </m:sSubPr>
+                      <m:e>
+                        <m:r>
+                          <a:rPr lang="en-US" b="0" i="1" smtClean="0">
+                            <a:latin typeface="Cambria Math" panose="02040503050406030204" pitchFamily="18" charset="0"/>
+                          </a:rPr>
+                          <m:t>𝑛</m:t>
+                        </m:r>
+                      </m:e>
+                      <m:sub>
+                        <m:r>
+                          <a:rPr lang="en-US" b="0" i="1" smtClean="0">
+                            <a:latin typeface="Cambria Math" panose="02040503050406030204" pitchFamily="18" charset="0"/>
+                          </a:rPr>
+                          <m:t>𝑒</m:t>
+                        </m:r>
+                      </m:sub>
+                    </m:sSub>
+                    <m:r>
+                      <a:rPr lang="en-US" b="0" i="1" smtClean="0">
+                        <a:latin typeface="Cambria Math" panose="02040503050406030204" pitchFamily="18" charset="0"/>
+                      </a:rPr>
+                      <m:t>=</m:t>
+                    </m:r>
+                    <m:sSup>
+                      <m:sSupPr>
+                        <m:ctrlPr>
+                          <a:rPr lang="en-US" b="0" i="1" smtClean="0">
+                            <a:latin typeface="Cambria Math" panose="02040503050406030204" pitchFamily="18" charset="0"/>
+                          </a:rPr>
+                        </m:ctrlPr>
+                      </m:sSupPr>
+                      <m:e>
+                        <m:r>
+                          <a:rPr lang="en-US" b="0" i="1" smtClean="0">
+                            <a:latin typeface="Cambria Math" panose="02040503050406030204" pitchFamily="18" charset="0"/>
+                          </a:rPr>
+                          <m:t>1</m:t>
+                        </m:r>
+                        <m:r>
+                          <a:rPr lang="en-US" b="0" i="1" smtClean="0">
+                            <a:latin typeface="Cambria Math" panose="02040503050406030204" pitchFamily="18" charset="0"/>
+                          </a:rPr>
+                          <m:t>×10</m:t>
+                        </m:r>
+                      </m:e>
+                      <m:sup>
+                        <m:r>
+                          <a:rPr lang="en-US" b="0" i="1" smtClean="0">
+                            <a:latin typeface="Cambria Math" panose="02040503050406030204" pitchFamily="18" charset="0"/>
+                          </a:rPr>
+                          <m:t>19</m:t>
+                        </m:r>
+                      </m:sup>
+                    </m:sSup>
+                    <m:r>
+                      <a:rPr lang="en-US" b="0" i="1" smtClean="0">
+                        <a:latin typeface="Cambria Math" panose="02040503050406030204" pitchFamily="18" charset="0"/>
+                      </a:rPr>
+                      <m:t>/</m:t>
+                    </m:r>
+                    <m:sSup>
+                      <m:sSupPr>
+                        <m:ctrlPr>
+                          <a:rPr lang="en-US" b="0" i="1" smtClean="0">
+                            <a:latin typeface="Cambria Math" panose="02040503050406030204" pitchFamily="18" charset="0"/>
+                          </a:rPr>
+                        </m:ctrlPr>
+                      </m:sSupPr>
+                      <m:e>
+                        <m:r>
+                          <a:rPr lang="en-US" b="0" i="1" smtClean="0">
+                            <a:latin typeface="Cambria Math" panose="02040503050406030204" pitchFamily="18" charset="0"/>
+                          </a:rPr>
+                          <m:t>𝑚</m:t>
+                        </m:r>
+                      </m:e>
+                      <m:sup>
+                        <m:r>
+                          <a:rPr lang="en-US" b="0" i="1" smtClean="0">
+                            <a:latin typeface="Cambria Math" panose="02040503050406030204" pitchFamily="18" charset="0"/>
+                          </a:rPr>
+                          <m:t>3</m:t>
+                        </m:r>
+                      </m:sup>
+                    </m:sSup>
+                  </m:oMath>
+                </a14:m>
+                <a:r>
+                  <a:rPr lang="en-US" dirty="0"/>
+                  <a:t>,B=1T,</a:t>
+                </a:r>
+              </a:p>
+              <a:p>
+                <a:r>
+                  <a:rPr lang="en-US" dirty="0"/>
+                  <a:t>Uniform distribution</a:t>
+                </a:r>
+              </a:p>
+            </p:txBody>
+          </p:sp>
+        </mc:Choice>
+        <mc:Fallback>
+          <p:sp>
+            <p:nvSpPr>
+              <p:cNvPr id="9" name="TextBox 8">
+                <a:extLst>
+                  <a:ext uri="{FF2B5EF4-FFF2-40B4-BE49-F238E27FC236}">
+                    <a16:creationId xmlns:a16="http://schemas.microsoft.com/office/drawing/2014/main" id="{28F11954-2B5F-174A-62E2-ABEBB5CA84F2}"/>
+                  </a:ext>
+                </a:extLst>
+              </p:cNvPr>
+              <p:cNvSpPr txBox="1">
+                <a:spLocks noRot="1" noChangeAspect="1" noMove="1" noResize="1" noEditPoints="1" noAdjustHandles="1" noChangeArrowheads="1" noChangeShapeType="1" noTextEdit="1"/>
+              </p:cNvSpPr>
+              <p:nvPr/>
+            </p:nvSpPr>
+            <p:spPr>
+              <a:xfrm>
+                <a:off x="6912882" y="5402476"/>
+                <a:ext cx="4282168" cy="646331"/>
+              </a:xfrm>
+              <a:prstGeom prst="rect">
+                <a:avLst/>
+              </a:prstGeom>
+              <a:blipFill>
+                <a:blip r:embed="rId5"/>
+                <a:stretch>
+                  <a:fillRect l="-1140" t="-3774" b="-15094"/>
+                </a:stretch>
+              </a:blipFill>
+            </p:spPr>
+            <p:txBody>
+              <a:bodyPr/>
+              <a:lstStyle/>
+              <a:p>
+                <a:r>
+                  <a:rPr lang="en-US">
+                    <a:noFill/>
+                  </a:rPr>
+                  <a:t> </a:t>
+                </a:r>
+              </a:p>
+            </p:txBody>
+          </p:sp>
+        </mc:Fallback>
+      </mc:AlternateContent>
+      <p:grpSp>
+        <p:nvGrpSpPr>
+          <p:cNvPr id="21" name="Group 20">
+            <a:extLst>
+              <a:ext uri="{FF2B5EF4-FFF2-40B4-BE49-F238E27FC236}">
+                <a16:creationId xmlns:a16="http://schemas.microsoft.com/office/drawing/2014/main" id="{6DF23D89-4C28-89F4-6B90-EAE7B73F44CE}"/>
+              </a:ext>
+            </a:extLst>
+          </p:cNvPr>
+          <p:cNvGrpSpPr/>
+          <p:nvPr/>
+        </p:nvGrpSpPr>
+        <p:grpSpPr>
+          <a:xfrm>
+            <a:off x="7283450" y="433427"/>
+            <a:ext cx="2300287" cy="965450"/>
+            <a:chOff x="6540500" y="388977"/>
+            <a:chExt cx="2300287" cy="965450"/>
+          </a:xfrm>
+        </p:grpSpPr>
+        <p:cxnSp>
+          <p:nvCxnSpPr>
+            <p:cNvPr id="11" name="Straight Arrow Connector 10">
+              <a:extLst>
+                <a:ext uri="{FF2B5EF4-FFF2-40B4-BE49-F238E27FC236}">
+                  <a16:creationId xmlns:a16="http://schemas.microsoft.com/office/drawing/2014/main" id="{765FF1A8-C1E9-79F9-9661-BEBA399DF151}"/>
+                </a:ext>
+              </a:extLst>
+            </p:cNvPr>
+            <p:cNvCxnSpPr/>
+            <p:nvPr/>
+          </p:nvCxnSpPr>
+          <p:spPr>
+            <a:xfrm flipV="1">
+              <a:off x="7569200" y="698500"/>
+              <a:ext cx="0" cy="234950"/>
+            </a:xfrm>
+            <a:prstGeom prst="straightConnector1">
+              <a:avLst/>
+            </a:prstGeom>
+            <a:ln>
+              <a:tailEnd type="triangle"/>
+            </a:ln>
+          </p:spPr>
+          <p:style>
+            <a:lnRef idx="2">
+              <a:schemeClr val="dk1"/>
+            </a:lnRef>
+            <a:fillRef idx="0">
+              <a:schemeClr val="dk1"/>
+            </a:fillRef>
+            <a:effectRef idx="1">
+              <a:schemeClr val="dk1"/>
+            </a:effectRef>
+            <a:fontRef idx="minor">
+              <a:schemeClr val="tx1"/>
+            </a:fontRef>
+          </p:style>
+        </p:cxnSp>
+        <p:cxnSp>
+          <p:nvCxnSpPr>
+            <p:cNvPr id="13" name="Straight Arrow Connector 12">
+              <a:extLst>
+                <a:ext uri="{FF2B5EF4-FFF2-40B4-BE49-F238E27FC236}">
+                  <a16:creationId xmlns:a16="http://schemas.microsoft.com/office/drawing/2014/main" id="{08DF074E-7070-C2B3-0C64-249AC26D6096}"/>
+                </a:ext>
+              </a:extLst>
+            </p:cNvPr>
+            <p:cNvCxnSpPr>
+              <a:cxnSpLocks/>
+            </p:cNvCxnSpPr>
+            <p:nvPr/>
+          </p:nvCxnSpPr>
+          <p:spPr>
+            <a:xfrm>
+              <a:off x="6540500" y="952500"/>
+              <a:ext cx="2070100" cy="210"/>
+            </a:xfrm>
+            <a:prstGeom prst="straightConnector1">
+              <a:avLst/>
+            </a:prstGeom>
+            <a:ln>
+              <a:tailEnd type="triangle"/>
+            </a:ln>
+          </p:spPr>
+          <p:style>
+            <a:lnRef idx="2">
+              <a:schemeClr val="accent1"/>
+            </a:lnRef>
+            <a:fillRef idx="0">
+              <a:schemeClr val="accent1"/>
+            </a:fillRef>
+            <a:effectRef idx="1">
+              <a:schemeClr val="accent1"/>
+            </a:effectRef>
+            <a:fontRef idx="minor">
+              <a:schemeClr val="tx1"/>
+            </a:fontRef>
+          </p:style>
+        </p:cxnSp>
+        <mc:AlternateContent xmlns:mc="http://schemas.openxmlformats.org/markup-compatibility/2006">
+          <mc:Choice xmlns:a14="http://schemas.microsoft.com/office/drawing/2010/main" Requires="a14">
+            <p:sp>
+              <p:nvSpPr>
+                <p:cNvPr id="14" name="TextBox 13">
+                  <a:extLst>
+                    <a:ext uri="{FF2B5EF4-FFF2-40B4-BE49-F238E27FC236}">
+                      <a16:creationId xmlns:a16="http://schemas.microsoft.com/office/drawing/2014/main" id="{C20EB5DE-7B92-085C-2513-7E6642F94BBA}"/>
+                    </a:ext>
+                  </a:extLst>
+                </p:cNvPr>
+                <p:cNvSpPr txBox="1"/>
+                <p:nvPr/>
+              </p:nvSpPr>
+              <p:spPr>
+                <a:xfrm>
+                  <a:off x="8535988" y="712561"/>
+                  <a:ext cx="304799" cy="369332"/>
+                </a:xfrm>
+                <a:prstGeom prst="rect">
+                  <a:avLst/>
+                </a:prstGeom>
+                <a:noFill/>
+              </p:spPr>
+              <p:txBody>
+                <a:bodyPr wrap="square" rtlCol="0">
+                  <a:spAutoFit/>
+                </a:bodyPr>
+                <a:lstStyle/>
+                <a:p>
+                  <a14:m>
+                    <m:oMathPara xmlns:m="http://schemas.openxmlformats.org/officeDocument/2006/math">
+                      <m:oMathParaPr>
+                        <m:jc m:val="centerGroup"/>
+                      </m:oMathParaPr>
+                      <m:oMath xmlns:m="http://schemas.openxmlformats.org/officeDocument/2006/math">
+                        <m:r>
+                          <a:rPr lang="en-US" b="0" i="1" smtClean="0">
+                            <a:latin typeface="Cambria Math" panose="02040503050406030204" pitchFamily="18" charset="0"/>
+                          </a:rPr>
+                          <m:t>𝑧</m:t>
+                        </m:r>
+                      </m:oMath>
+                    </m:oMathPara>
+                  </a14:m>
+                  <a:endParaRPr lang="en-US" dirty="0"/>
+                </a:p>
+              </p:txBody>
+            </p:sp>
+          </mc:Choice>
+          <mc:Fallback>
+            <p:sp>
+              <p:nvSpPr>
+                <p:cNvPr id="14" name="TextBox 13">
+                  <a:extLst>
+                    <a:ext uri="{FF2B5EF4-FFF2-40B4-BE49-F238E27FC236}">
+                      <a16:creationId xmlns:a16="http://schemas.microsoft.com/office/drawing/2014/main" id="{C20EB5DE-7B92-085C-2513-7E6642F94BBA}"/>
+                    </a:ext>
+                  </a:extLst>
+                </p:cNvPr>
+                <p:cNvSpPr txBox="1">
+                  <a:spLocks noRot="1" noChangeAspect="1" noMove="1" noResize="1" noEditPoints="1" noAdjustHandles="1" noChangeArrowheads="1" noChangeShapeType="1" noTextEdit="1"/>
+                </p:cNvSpPr>
+                <p:nvPr/>
+              </p:nvSpPr>
+              <p:spPr>
+                <a:xfrm>
+                  <a:off x="8535988" y="712561"/>
+                  <a:ext cx="304799" cy="369332"/>
+                </a:xfrm>
+                <a:prstGeom prst="rect">
+                  <a:avLst/>
+                </a:prstGeom>
+                <a:blipFill>
+                  <a:blip r:embed="rId6"/>
+                  <a:stretch>
+                    <a:fillRect/>
+                  </a:stretch>
+                </a:blipFill>
+              </p:spPr>
+              <p:txBody>
+                <a:bodyPr/>
+                <a:lstStyle/>
+                <a:p>
+                  <a:r>
+                    <a:rPr lang="en-US">
+                      <a:noFill/>
+                    </a:rPr>
+                    <a:t> </a:t>
+                  </a:r>
+                </a:p>
+              </p:txBody>
+            </p:sp>
+          </mc:Fallback>
+        </mc:AlternateContent>
+        <mc:AlternateContent xmlns:mc="http://schemas.openxmlformats.org/markup-compatibility/2006">
+          <mc:Choice xmlns:a14="http://schemas.microsoft.com/office/drawing/2010/main" Requires="a14">
+            <p:sp>
+              <p:nvSpPr>
+                <p:cNvPr id="15" name="TextBox 14">
+                  <a:extLst>
+                    <a:ext uri="{FF2B5EF4-FFF2-40B4-BE49-F238E27FC236}">
+                      <a16:creationId xmlns:a16="http://schemas.microsoft.com/office/drawing/2014/main" id="{4881336C-66D0-5F06-5A0B-7F00CDA63E18}"/>
+                    </a:ext>
+                  </a:extLst>
+                </p:cNvPr>
+                <p:cNvSpPr txBox="1"/>
+                <p:nvPr/>
+              </p:nvSpPr>
+              <p:spPr>
+                <a:xfrm>
+                  <a:off x="7413624" y="388977"/>
+                  <a:ext cx="311150" cy="369332"/>
+                </a:xfrm>
+                <a:prstGeom prst="rect">
+                  <a:avLst/>
+                </a:prstGeom>
+                <a:noFill/>
+              </p:spPr>
+              <p:txBody>
+                <a:bodyPr wrap="square" rtlCol="0">
+                  <a:spAutoFit/>
+                </a:bodyPr>
+                <a:lstStyle/>
+                <a:p>
+                  <a14:m>
+                    <m:oMathPara xmlns:m="http://schemas.openxmlformats.org/officeDocument/2006/math">
+                      <m:oMathParaPr>
+                        <m:jc m:val="centerGroup"/>
+                      </m:oMathParaPr>
+                      <m:oMath xmlns:m="http://schemas.openxmlformats.org/officeDocument/2006/math">
+                        <m:sSub>
+                          <m:sSubPr>
+                            <m:ctrlPr>
+                              <a:rPr lang="en-US" b="0" i="1" smtClean="0">
+                                <a:latin typeface="Cambria Math" panose="02040503050406030204" pitchFamily="18" charset="0"/>
+                              </a:rPr>
+                            </m:ctrlPr>
+                          </m:sSubPr>
+                          <m:e>
+                            <m:r>
+                              <a:rPr lang="en-US" b="0" i="1" smtClean="0">
+                                <a:latin typeface="Cambria Math" panose="02040503050406030204" pitchFamily="18" charset="0"/>
+                              </a:rPr>
+                              <m:t>𝐵</m:t>
+                            </m:r>
+                          </m:e>
+                          <m:sub>
+                            <m:r>
+                              <a:rPr lang="en-US" b="0" i="1" smtClean="0">
+                                <a:latin typeface="Cambria Math" panose="02040503050406030204" pitchFamily="18" charset="0"/>
+                              </a:rPr>
+                              <m:t>0</m:t>
+                            </m:r>
+                          </m:sub>
+                        </m:sSub>
+                      </m:oMath>
+                    </m:oMathPara>
+                  </a14:m>
+                  <a:endParaRPr lang="en-US" dirty="0"/>
+                </a:p>
+              </p:txBody>
+            </p:sp>
+          </mc:Choice>
+          <mc:Fallback>
+            <p:sp>
+              <p:nvSpPr>
+                <p:cNvPr id="15" name="TextBox 14">
+                  <a:extLst>
+                    <a:ext uri="{FF2B5EF4-FFF2-40B4-BE49-F238E27FC236}">
+                      <a16:creationId xmlns:a16="http://schemas.microsoft.com/office/drawing/2014/main" id="{4881336C-66D0-5F06-5A0B-7F00CDA63E18}"/>
+                    </a:ext>
+                  </a:extLst>
+                </p:cNvPr>
+                <p:cNvSpPr txBox="1">
+                  <a:spLocks noRot="1" noChangeAspect="1" noMove="1" noResize="1" noEditPoints="1" noAdjustHandles="1" noChangeArrowheads="1" noChangeShapeType="1" noTextEdit="1"/>
+                </p:cNvSpPr>
+                <p:nvPr/>
+              </p:nvSpPr>
+              <p:spPr>
+                <a:xfrm>
+                  <a:off x="7413624" y="388977"/>
+                  <a:ext cx="311150" cy="369332"/>
+                </a:xfrm>
+                <a:prstGeom prst="rect">
+                  <a:avLst/>
+                </a:prstGeom>
+                <a:blipFill>
+                  <a:blip r:embed="rId7"/>
+                  <a:stretch>
+                    <a:fillRect r="-25490"/>
+                  </a:stretch>
+                </a:blipFill>
+              </p:spPr>
+              <p:txBody>
+                <a:bodyPr/>
+                <a:lstStyle/>
+                <a:p>
+                  <a:r>
+                    <a:rPr lang="en-US">
+                      <a:noFill/>
+                    </a:rPr>
+                    <a:t> </a:t>
+                  </a:r>
+                </a:p>
+              </p:txBody>
+            </p:sp>
+          </mc:Fallback>
+        </mc:AlternateContent>
+        <p:grpSp>
+          <p:nvGrpSpPr>
+            <p:cNvPr id="18" name="Group 17">
+              <a:extLst>
+                <a:ext uri="{FF2B5EF4-FFF2-40B4-BE49-F238E27FC236}">
+                  <a16:creationId xmlns:a16="http://schemas.microsoft.com/office/drawing/2014/main" id="{5151FC38-B3C2-D5D3-3696-8CBDEF184909}"/>
+                </a:ext>
+              </a:extLst>
+            </p:cNvPr>
+            <p:cNvGrpSpPr/>
+            <p:nvPr/>
+          </p:nvGrpSpPr>
+          <p:grpSpPr>
+            <a:xfrm>
+              <a:off x="7364412" y="887911"/>
+              <a:ext cx="127000" cy="129600"/>
+              <a:chOff x="6673850" y="1160249"/>
+              <a:chExt cx="127000" cy="129600"/>
+            </a:xfrm>
+          </p:grpSpPr>
+          <p:sp>
+            <p:nvSpPr>
+              <p:cNvPr id="16" name="Oval 15">
+                <a:extLst>
+                  <a:ext uri="{FF2B5EF4-FFF2-40B4-BE49-F238E27FC236}">
+                    <a16:creationId xmlns:a16="http://schemas.microsoft.com/office/drawing/2014/main" id="{088B9C5B-E4E6-74BA-B437-0878590208A7}"/>
+                  </a:ext>
+                </a:extLst>
+              </p:cNvPr>
+              <p:cNvSpPr/>
+              <p:nvPr/>
+            </p:nvSpPr>
+            <p:spPr>
+              <a:xfrm>
+                <a:off x="6673850" y="1160249"/>
+                <a:ext cx="127000" cy="129600"/>
+              </a:xfrm>
+              <a:prstGeom prst="ellipse">
+                <a:avLst/>
+              </a:prstGeom>
+              <a:noFill/>
+            </p:spPr>
+            <p:style>
+              <a:lnRef idx="2">
+                <a:schemeClr val="accent1">
+                  <a:shade val="15000"/>
+                </a:schemeClr>
+              </a:lnRef>
+              <a:fillRef idx="1">
+                <a:schemeClr val="accent1"/>
+              </a:fillRef>
+              <a:effectRef idx="0">
+                <a:schemeClr val="accent1"/>
+              </a:effectRef>
+              <a:fontRef idx="minor">
+                <a:schemeClr val="lt1"/>
+              </a:fontRef>
+            </p:style>
+            <p:txBody>
+              <a:bodyPr rtlCol="0" anchor="ctr"/>
+              <a:lstStyle/>
+              <a:p>
+                <a:pPr algn="ctr"/>
+                <a:endParaRPr lang="en-US"/>
+              </a:p>
+            </p:txBody>
+          </p:sp>
+          <p:sp>
+            <p:nvSpPr>
+              <p:cNvPr id="17" name="Oval 16">
+                <a:extLst>
+                  <a:ext uri="{FF2B5EF4-FFF2-40B4-BE49-F238E27FC236}">
+                    <a16:creationId xmlns:a16="http://schemas.microsoft.com/office/drawing/2014/main" id="{E09762D3-D11A-1095-9DDF-445EFC3B8941}"/>
+                  </a:ext>
+                </a:extLst>
+              </p:cNvPr>
+              <p:cNvSpPr/>
+              <p:nvPr/>
+            </p:nvSpPr>
+            <p:spPr>
+              <a:xfrm>
+                <a:off x="6718300" y="1202189"/>
+                <a:ext cx="45719" cy="45719"/>
+              </a:xfrm>
+              <a:prstGeom prst="ellipse">
+                <a:avLst/>
+              </a:prstGeom>
+            </p:spPr>
+            <p:style>
+              <a:lnRef idx="2">
+                <a:schemeClr val="accent1">
+                  <a:shade val="15000"/>
+                </a:schemeClr>
+              </a:lnRef>
+              <a:fillRef idx="1">
+                <a:schemeClr val="accent1"/>
+              </a:fillRef>
+              <a:effectRef idx="0">
+                <a:schemeClr val="accent1"/>
+              </a:effectRef>
+              <a:fontRef idx="minor">
+                <a:schemeClr val="lt1"/>
+              </a:fontRef>
+            </p:style>
+            <p:txBody>
+              <a:bodyPr rtlCol="0" anchor="ctr"/>
+              <a:lstStyle/>
+              <a:p>
+                <a:pPr algn="ctr"/>
+                <a:endParaRPr lang="en-US"/>
+              </a:p>
+            </p:txBody>
+          </p:sp>
+        </p:grpSp>
+        <mc:AlternateContent xmlns:mc="http://schemas.openxmlformats.org/markup-compatibility/2006">
+          <mc:Choice xmlns:a14="http://schemas.microsoft.com/office/drawing/2010/main" Requires="a14">
+            <p:sp>
+              <p:nvSpPr>
+                <p:cNvPr id="19" name="TextBox 18">
+                  <a:extLst>
+                    <a:ext uri="{FF2B5EF4-FFF2-40B4-BE49-F238E27FC236}">
+                      <a16:creationId xmlns:a16="http://schemas.microsoft.com/office/drawing/2014/main" id="{6EB71BBB-833B-B934-688E-CA50D342B455}"/>
+                    </a:ext>
+                  </a:extLst>
+                </p:cNvPr>
+                <p:cNvSpPr txBox="1"/>
+                <p:nvPr/>
+              </p:nvSpPr>
+              <p:spPr>
+                <a:xfrm>
+                  <a:off x="7156449" y="985095"/>
+                  <a:ext cx="260350" cy="369332"/>
+                </a:xfrm>
+                <a:prstGeom prst="rect">
+                  <a:avLst/>
+                </a:prstGeom>
+                <a:noFill/>
+              </p:spPr>
+              <p:txBody>
+                <a:bodyPr wrap="square" rtlCol="0">
+                  <a:spAutoFit/>
+                </a:bodyPr>
+                <a:lstStyle/>
+                <a:p>
+                  <a14:m>
+                    <m:oMathPara xmlns:m="http://schemas.openxmlformats.org/officeDocument/2006/math">
+                      <m:oMathParaPr>
+                        <m:jc m:val="centerGroup"/>
+                      </m:oMathParaPr>
+                      <m:oMath xmlns:m="http://schemas.openxmlformats.org/officeDocument/2006/math">
+                        <m:sSub>
+                          <m:sSubPr>
+                            <m:ctrlPr>
+                              <a:rPr lang="en-US" b="0" i="1" smtClean="0">
+                                <a:latin typeface="Cambria Math" panose="02040503050406030204" pitchFamily="18" charset="0"/>
+                              </a:rPr>
+                            </m:ctrlPr>
+                          </m:sSubPr>
+                          <m:e>
+                            <m:r>
+                              <a:rPr lang="en-US" b="0" i="1" smtClean="0">
+                                <a:latin typeface="Cambria Math" panose="02040503050406030204" pitchFamily="18" charset="0"/>
+                              </a:rPr>
+                              <m:t>𝐸</m:t>
+                            </m:r>
+                          </m:e>
+                          <m:sub>
+                            <m:r>
+                              <a:rPr lang="en-US" b="0" i="1" smtClean="0">
+                                <a:latin typeface="Cambria Math" panose="02040503050406030204" pitchFamily="18" charset="0"/>
+                              </a:rPr>
+                              <m:t>𝑥</m:t>
+                            </m:r>
+                          </m:sub>
+                        </m:sSub>
+                      </m:oMath>
+                    </m:oMathPara>
+                  </a14:m>
+                  <a:endParaRPr lang="en-US" dirty="0"/>
+                </a:p>
+              </p:txBody>
+            </p:sp>
+          </mc:Choice>
+          <mc:Fallback>
+            <p:sp>
+              <p:nvSpPr>
+                <p:cNvPr id="19" name="TextBox 18">
+                  <a:extLst>
+                    <a:ext uri="{FF2B5EF4-FFF2-40B4-BE49-F238E27FC236}">
+                      <a16:creationId xmlns:a16="http://schemas.microsoft.com/office/drawing/2014/main" id="{6EB71BBB-833B-B934-688E-CA50D342B455}"/>
+                    </a:ext>
+                  </a:extLst>
+                </p:cNvPr>
+                <p:cNvSpPr txBox="1">
+                  <a:spLocks noRot="1" noChangeAspect="1" noMove="1" noResize="1" noEditPoints="1" noAdjustHandles="1" noChangeArrowheads="1" noChangeShapeType="1" noTextEdit="1"/>
+                </p:cNvSpPr>
+                <p:nvPr/>
+              </p:nvSpPr>
+              <p:spPr>
+                <a:xfrm>
+                  <a:off x="7156449" y="985095"/>
+                  <a:ext cx="260350" cy="369332"/>
+                </a:xfrm>
+                <a:prstGeom prst="rect">
+                  <a:avLst/>
+                </a:prstGeom>
+                <a:blipFill>
+                  <a:blip r:embed="rId8"/>
+                  <a:stretch>
+                    <a:fillRect r="-41860"/>
+                  </a:stretch>
+                </a:blipFill>
+              </p:spPr>
+              <p:txBody>
+                <a:bodyPr/>
+                <a:lstStyle/>
+                <a:p>
+                  <a:r>
+                    <a:rPr lang="en-US">
+                      <a:noFill/>
+                    </a:rPr>
+                    <a:t> </a:t>
+                  </a:r>
+                </a:p>
+              </p:txBody>
+            </p:sp>
+          </mc:Fallback>
+        </mc:AlternateContent>
+      </p:grpSp>
+      <p:grpSp>
+        <p:nvGrpSpPr>
+          <p:cNvPr id="22" name="Group 21">
+            <a:extLst>
+              <a:ext uri="{FF2B5EF4-FFF2-40B4-BE49-F238E27FC236}">
+                <a16:creationId xmlns:a16="http://schemas.microsoft.com/office/drawing/2014/main" id="{DCDC316C-FC23-DF6A-5204-EE7DA7F54EB6}"/>
+              </a:ext>
+            </a:extLst>
+          </p:cNvPr>
+          <p:cNvGrpSpPr/>
+          <p:nvPr/>
+        </p:nvGrpSpPr>
+        <p:grpSpPr>
+          <a:xfrm>
+            <a:off x="2313129" y="757011"/>
+            <a:ext cx="2300287" cy="641866"/>
+            <a:chOff x="6540500" y="712561"/>
+            <a:chExt cx="2300287" cy="641866"/>
+          </a:xfrm>
+        </p:grpSpPr>
+        <p:cxnSp>
+          <p:nvCxnSpPr>
+            <p:cNvPr id="24" name="Straight Arrow Connector 23">
+              <a:extLst>
+                <a:ext uri="{FF2B5EF4-FFF2-40B4-BE49-F238E27FC236}">
+                  <a16:creationId xmlns:a16="http://schemas.microsoft.com/office/drawing/2014/main" id="{3FDF1B60-8025-E5C7-1DCA-BA71DB501874}"/>
+                </a:ext>
+              </a:extLst>
+            </p:cNvPr>
+            <p:cNvCxnSpPr>
+              <a:cxnSpLocks/>
+            </p:cNvCxnSpPr>
+            <p:nvPr/>
+          </p:nvCxnSpPr>
+          <p:spPr>
+            <a:xfrm>
+              <a:off x="6540500" y="952500"/>
+              <a:ext cx="2070100" cy="210"/>
+            </a:xfrm>
+            <a:prstGeom prst="straightConnector1">
+              <a:avLst/>
+            </a:prstGeom>
+            <a:ln>
+              <a:tailEnd type="triangle"/>
+            </a:ln>
+          </p:spPr>
+          <p:style>
+            <a:lnRef idx="2">
+              <a:schemeClr val="accent1"/>
+            </a:lnRef>
+            <a:fillRef idx="0">
+              <a:schemeClr val="accent1"/>
+            </a:fillRef>
+            <a:effectRef idx="1">
+              <a:schemeClr val="accent1"/>
+            </a:effectRef>
+            <a:fontRef idx="minor">
+              <a:schemeClr val="tx1"/>
+            </a:fontRef>
+          </p:style>
+        </p:cxnSp>
+        <mc:AlternateContent xmlns:mc="http://schemas.openxmlformats.org/markup-compatibility/2006">
+          <mc:Choice xmlns:a14="http://schemas.microsoft.com/office/drawing/2010/main" Requires="a14">
+            <p:sp>
+              <p:nvSpPr>
+                <p:cNvPr id="25" name="TextBox 24">
+                  <a:extLst>
+                    <a:ext uri="{FF2B5EF4-FFF2-40B4-BE49-F238E27FC236}">
+                      <a16:creationId xmlns:a16="http://schemas.microsoft.com/office/drawing/2014/main" id="{B353868D-0C2C-5D11-8B32-A0AA8270AA85}"/>
+                    </a:ext>
+                  </a:extLst>
+                </p:cNvPr>
+                <p:cNvSpPr txBox="1"/>
+                <p:nvPr/>
+              </p:nvSpPr>
+              <p:spPr>
+                <a:xfrm>
+                  <a:off x="8535988" y="712561"/>
+                  <a:ext cx="304799" cy="369332"/>
+                </a:xfrm>
+                <a:prstGeom prst="rect">
+                  <a:avLst/>
+                </a:prstGeom>
+                <a:noFill/>
+              </p:spPr>
+              <p:txBody>
+                <a:bodyPr wrap="square" rtlCol="0">
+                  <a:spAutoFit/>
+                </a:bodyPr>
+                <a:lstStyle/>
+                <a:p>
+                  <a14:m>
+                    <m:oMathPara xmlns:m="http://schemas.openxmlformats.org/officeDocument/2006/math">
+                      <m:oMathParaPr>
+                        <m:jc m:val="centerGroup"/>
+                      </m:oMathParaPr>
+                      <m:oMath xmlns:m="http://schemas.openxmlformats.org/officeDocument/2006/math">
+                        <m:r>
+                          <a:rPr lang="en-US" b="0" i="1" smtClean="0">
+                            <a:latin typeface="Cambria Math" panose="02040503050406030204" pitchFamily="18" charset="0"/>
+                          </a:rPr>
+                          <m:t>𝑧</m:t>
+                        </m:r>
+                      </m:oMath>
+                    </m:oMathPara>
+                  </a14:m>
+                  <a:endParaRPr lang="en-US" dirty="0"/>
+                </a:p>
+              </p:txBody>
+            </p:sp>
+          </mc:Choice>
+          <mc:Fallback>
+            <p:sp>
+              <p:nvSpPr>
+                <p:cNvPr id="25" name="TextBox 24">
+                  <a:extLst>
+                    <a:ext uri="{FF2B5EF4-FFF2-40B4-BE49-F238E27FC236}">
+                      <a16:creationId xmlns:a16="http://schemas.microsoft.com/office/drawing/2014/main" id="{B353868D-0C2C-5D11-8B32-A0AA8270AA85}"/>
+                    </a:ext>
+                  </a:extLst>
+                </p:cNvPr>
+                <p:cNvSpPr txBox="1">
+                  <a:spLocks noRot="1" noChangeAspect="1" noMove="1" noResize="1" noEditPoints="1" noAdjustHandles="1" noChangeArrowheads="1" noChangeShapeType="1" noTextEdit="1"/>
+                </p:cNvSpPr>
+                <p:nvPr/>
+              </p:nvSpPr>
+              <p:spPr>
+                <a:xfrm>
+                  <a:off x="8535988" y="712561"/>
+                  <a:ext cx="304799" cy="369332"/>
+                </a:xfrm>
+                <a:prstGeom prst="rect">
+                  <a:avLst/>
+                </a:prstGeom>
+                <a:blipFill>
+                  <a:blip r:embed="rId9"/>
+                  <a:stretch>
+                    <a:fillRect/>
+                  </a:stretch>
+                </a:blipFill>
+              </p:spPr>
+              <p:txBody>
+                <a:bodyPr/>
+                <a:lstStyle/>
+                <a:p>
+                  <a:r>
+                    <a:rPr lang="en-US">
+                      <a:noFill/>
+                    </a:rPr>
+                    <a:t> </a:t>
+                  </a:r>
+                </a:p>
+              </p:txBody>
+            </p:sp>
+          </mc:Fallback>
+        </mc:AlternateContent>
+        <p:grpSp>
+          <p:nvGrpSpPr>
+            <p:cNvPr id="27" name="Group 26">
+              <a:extLst>
+                <a:ext uri="{FF2B5EF4-FFF2-40B4-BE49-F238E27FC236}">
+                  <a16:creationId xmlns:a16="http://schemas.microsoft.com/office/drawing/2014/main" id="{1AF99118-7BDB-30B6-FCA6-3BDD2B54D033}"/>
+                </a:ext>
+              </a:extLst>
+            </p:cNvPr>
+            <p:cNvGrpSpPr/>
+            <p:nvPr/>
+          </p:nvGrpSpPr>
+          <p:grpSpPr>
+            <a:xfrm>
+              <a:off x="7364412" y="887911"/>
+              <a:ext cx="127000" cy="129600"/>
+              <a:chOff x="6673850" y="1160249"/>
+              <a:chExt cx="127000" cy="129600"/>
+            </a:xfrm>
+          </p:grpSpPr>
+          <p:sp>
+            <p:nvSpPr>
+              <p:cNvPr id="29" name="Oval 28">
+                <a:extLst>
+                  <a:ext uri="{FF2B5EF4-FFF2-40B4-BE49-F238E27FC236}">
+                    <a16:creationId xmlns:a16="http://schemas.microsoft.com/office/drawing/2014/main" id="{5EDF6C28-FBF5-81E5-EEED-1BD1C01B5E21}"/>
+                  </a:ext>
+                </a:extLst>
+              </p:cNvPr>
+              <p:cNvSpPr/>
+              <p:nvPr/>
+            </p:nvSpPr>
+            <p:spPr>
+              <a:xfrm>
+                <a:off x="6673850" y="1160249"/>
+                <a:ext cx="127000" cy="129600"/>
+              </a:xfrm>
+              <a:prstGeom prst="ellipse">
+                <a:avLst/>
+              </a:prstGeom>
+              <a:noFill/>
+            </p:spPr>
+            <p:style>
+              <a:lnRef idx="2">
+                <a:schemeClr val="accent1">
+                  <a:shade val="15000"/>
+                </a:schemeClr>
+              </a:lnRef>
+              <a:fillRef idx="1">
+                <a:schemeClr val="accent1"/>
+              </a:fillRef>
+              <a:effectRef idx="0">
+                <a:schemeClr val="accent1"/>
+              </a:effectRef>
+              <a:fontRef idx="minor">
+                <a:schemeClr val="lt1"/>
+              </a:fontRef>
+            </p:style>
+            <p:txBody>
+              <a:bodyPr rtlCol="0" anchor="ctr"/>
+              <a:lstStyle/>
+              <a:p>
+                <a:pPr algn="ctr"/>
+                <a:endParaRPr lang="en-US"/>
+              </a:p>
+            </p:txBody>
+          </p:sp>
+          <p:sp>
+            <p:nvSpPr>
+              <p:cNvPr id="30" name="Oval 29">
+                <a:extLst>
+                  <a:ext uri="{FF2B5EF4-FFF2-40B4-BE49-F238E27FC236}">
+                    <a16:creationId xmlns:a16="http://schemas.microsoft.com/office/drawing/2014/main" id="{DE6C3BF3-2F28-B68B-506F-BFE65BA2BE44}"/>
+                  </a:ext>
+                </a:extLst>
+              </p:cNvPr>
+              <p:cNvSpPr/>
+              <p:nvPr/>
+            </p:nvSpPr>
+            <p:spPr>
+              <a:xfrm>
+                <a:off x="6718300" y="1202189"/>
+                <a:ext cx="45719" cy="45719"/>
+              </a:xfrm>
+              <a:prstGeom prst="ellipse">
+                <a:avLst/>
+              </a:prstGeom>
+            </p:spPr>
+            <p:style>
+              <a:lnRef idx="2">
+                <a:schemeClr val="accent1">
+                  <a:shade val="15000"/>
+                </a:schemeClr>
+              </a:lnRef>
+              <a:fillRef idx="1">
+                <a:schemeClr val="accent1"/>
+              </a:fillRef>
+              <a:effectRef idx="0">
+                <a:schemeClr val="accent1"/>
+              </a:effectRef>
+              <a:fontRef idx="minor">
+                <a:schemeClr val="lt1"/>
+              </a:fontRef>
+            </p:style>
+            <p:txBody>
+              <a:bodyPr rtlCol="0" anchor="ctr"/>
+              <a:lstStyle/>
+              <a:p>
+                <a:pPr algn="ctr"/>
+                <a:endParaRPr lang="en-US"/>
+              </a:p>
+            </p:txBody>
+          </p:sp>
+        </p:grpSp>
+        <mc:AlternateContent xmlns:mc="http://schemas.openxmlformats.org/markup-compatibility/2006">
+          <mc:Choice xmlns:a14="http://schemas.microsoft.com/office/drawing/2010/main" Requires="a14">
+            <p:sp>
+              <p:nvSpPr>
+                <p:cNvPr id="28" name="TextBox 27">
+                  <a:extLst>
+                    <a:ext uri="{FF2B5EF4-FFF2-40B4-BE49-F238E27FC236}">
+                      <a16:creationId xmlns:a16="http://schemas.microsoft.com/office/drawing/2014/main" id="{CE8F27B3-6950-D83F-6A05-BF066CB3B8A3}"/>
+                    </a:ext>
+                  </a:extLst>
+                </p:cNvPr>
+                <p:cNvSpPr txBox="1"/>
+                <p:nvPr/>
+              </p:nvSpPr>
+              <p:spPr>
+                <a:xfrm>
+                  <a:off x="7156449" y="985095"/>
+                  <a:ext cx="260350" cy="369332"/>
+                </a:xfrm>
+                <a:prstGeom prst="rect">
+                  <a:avLst/>
+                </a:prstGeom>
+                <a:noFill/>
+              </p:spPr>
+              <p:txBody>
+                <a:bodyPr wrap="square" rtlCol="0">
+                  <a:spAutoFit/>
+                </a:bodyPr>
+                <a:lstStyle/>
+                <a:p>
+                  <a14:m>
+                    <m:oMathPara xmlns:m="http://schemas.openxmlformats.org/officeDocument/2006/math">
+                      <m:oMathParaPr>
+                        <m:jc m:val="centerGroup"/>
+                      </m:oMathParaPr>
+                      <m:oMath xmlns:m="http://schemas.openxmlformats.org/officeDocument/2006/math">
+                        <m:sSub>
+                          <m:sSubPr>
+                            <m:ctrlPr>
+                              <a:rPr lang="en-US" b="0" i="1" smtClean="0">
+                                <a:latin typeface="Cambria Math" panose="02040503050406030204" pitchFamily="18" charset="0"/>
+                              </a:rPr>
+                            </m:ctrlPr>
+                          </m:sSubPr>
+                          <m:e>
+                            <m:r>
+                              <a:rPr lang="en-US" b="0" i="1" smtClean="0">
+                                <a:latin typeface="Cambria Math" panose="02040503050406030204" pitchFamily="18" charset="0"/>
+                              </a:rPr>
+                              <m:t>𝐸</m:t>
+                            </m:r>
+                          </m:e>
+                          <m:sub>
+                            <m:r>
+                              <a:rPr lang="en-US" b="0" i="1" smtClean="0">
+                                <a:latin typeface="Cambria Math" panose="02040503050406030204" pitchFamily="18" charset="0"/>
+                              </a:rPr>
+                              <m:t>𝑥</m:t>
+                            </m:r>
+                          </m:sub>
+                        </m:sSub>
+                      </m:oMath>
+                    </m:oMathPara>
+                  </a14:m>
+                  <a:endParaRPr lang="en-US" dirty="0"/>
+                </a:p>
+              </p:txBody>
+            </p:sp>
+          </mc:Choice>
+          <mc:Fallback>
+            <p:sp>
+              <p:nvSpPr>
+                <p:cNvPr id="28" name="TextBox 27">
+                  <a:extLst>
+                    <a:ext uri="{FF2B5EF4-FFF2-40B4-BE49-F238E27FC236}">
+                      <a16:creationId xmlns:a16="http://schemas.microsoft.com/office/drawing/2014/main" id="{CE8F27B3-6950-D83F-6A05-BF066CB3B8A3}"/>
+                    </a:ext>
+                  </a:extLst>
+                </p:cNvPr>
+                <p:cNvSpPr txBox="1">
+                  <a:spLocks noRot="1" noChangeAspect="1" noMove="1" noResize="1" noEditPoints="1" noAdjustHandles="1" noChangeArrowheads="1" noChangeShapeType="1" noTextEdit="1"/>
+                </p:cNvSpPr>
+                <p:nvPr/>
+              </p:nvSpPr>
+              <p:spPr>
+                <a:xfrm>
+                  <a:off x="7156449" y="985095"/>
+                  <a:ext cx="260350" cy="369332"/>
+                </a:xfrm>
+                <a:prstGeom prst="rect">
+                  <a:avLst/>
+                </a:prstGeom>
+                <a:blipFill>
+                  <a:blip r:embed="rId10"/>
+                  <a:stretch>
+                    <a:fillRect r="-44186"/>
+                  </a:stretch>
+                </a:blipFill>
+              </p:spPr>
+              <p:txBody>
+                <a:bodyPr/>
+                <a:lstStyle/>
+                <a:p>
+                  <a:r>
+                    <a:rPr lang="en-US">
+                      <a:noFill/>
+                    </a:rPr>
+                    <a:t> </a:t>
+                  </a:r>
+                </a:p>
+              </p:txBody>
+            </p:sp>
+          </mc:Fallback>
+        </mc:AlternateContent>
+      </p:grpSp>
+    </p:spTree>
+    <p:extLst>
+      <p:ext uri="{BB962C8B-B14F-4D97-AF65-F5344CB8AC3E}">
+        <p14:creationId xmlns:p14="http://schemas.microsoft.com/office/powerpoint/2010/main" val="3534695520"/>
+      </p:ext>
+    </p:extLst>
+  </p:cSld>
+  <p:clrMapOvr>
+    <a:masterClrMapping/>
+  </p:clrMapOvr>
+</p:sld>
+</file>
+
+<file path=ppt/slides/slide17.xml><?xml version="1.0" encoding="utf-8"?>
+<p:sld xmlns:a="http://schemas.openxmlformats.org/drawingml/2006/main" xmlns:r="http://schemas.openxmlformats.org/officeDocument/2006/relationships" xmlns:p="http://schemas.openxmlformats.org/presentationml/2006/main">
+  <p:cSld>
+    <p:spTree>
+      <p:nvGrpSpPr>
+        <p:cNvPr id="1" name=""/>
+        <p:cNvGrpSpPr/>
+        <p:nvPr/>
+      </p:nvGrpSpPr>
+      <p:grpSpPr>
+        <a:xfrm>
+          <a:off x="0" y="0"/>
+          <a:ext cx="0" cy="0"/>
+          <a:chOff x="0" y="0"/>
+          <a:chExt cx="0" cy="0"/>
+        </a:xfrm>
+      </p:grpSpPr>
+      <p:sp>
+        <p:nvSpPr>
+          <p:cNvPr id="8" name="Arrow: Right 7">
+            <a:extLst>
+              <a:ext uri="{FF2B5EF4-FFF2-40B4-BE49-F238E27FC236}">
+                <a16:creationId xmlns:a16="http://schemas.microsoft.com/office/drawing/2014/main" id="{BB96D91E-F98E-1486-D367-7F3B02F59A6C}"/>
+              </a:ext>
+            </a:extLst>
+          </p:cNvPr>
+          <p:cNvSpPr/>
+          <p:nvPr/>
+        </p:nvSpPr>
+        <p:spPr>
+          <a:xfrm>
+            <a:off x="5756273" y="2730675"/>
+            <a:ext cx="547690" cy="271477"/>
+          </a:xfrm>
+          <a:prstGeom prst="rightArrow">
+            <a:avLst/>
+          </a:prstGeom>
+        </p:spPr>
+        <p:style>
+          <a:lnRef idx="2">
+            <a:schemeClr val="accent1">
+              <a:shade val="15000"/>
+            </a:schemeClr>
+          </a:lnRef>
+          <a:fillRef idx="1">
+            <a:schemeClr val="accent1"/>
+          </a:fillRef>
+          <a:effectRef idx="0">
+            <a:schemeClr val="accent1"/>
+          </a:effectRef>
+          <a:fontRef idx="minor">
+            <a:schemeClr val="lt1"/>
+          </a:fontRef>
+        </p:style>
+        <p:txBody>
+          <a:bodyPr rtlCol="0" anchor="ctr"/>
+          <a:lstStyle/>
+          <a:p>
+            <a:pPr algn="ctr"/>
+            <a:endParaRPr lang="en-US"/>
+          </a:p>
+        </p:txBody>
+      </p:sp>
+      <p:grpSp>
+        <p:nvGrpSpPr>
+          <p:cNvPr id="23" name="Group 22">
+            <a:extLst>
+              <a:ext uri="{FF2B5EF4-FFF2-40B4-BE49-F238E27FC236}">
+                <a16:creationId xmlns:a16="http://schemas.microsoft.com/office/drawing/2014/main" id="{90DEA775-936D-E61B-7746-B7F093EB8724}"/>
+              </a:ext>
+            </a:extLst>
+          </p:cNvPr>
+          <p:cNvGrpSpPr/>
+          <p:nvPr/>
+        </p:nvGrpSpPr>
+        <p:grpSpPr>
+          <a:xfrm>
+            <a:off x="4945856" y="147163"/>
+            <a:ext cx="4174650" cy="1239756"/>
+            <a:chOff x="4945856" y="147163"/>
+            <a:chExt cx="4174650" cy="1239756"/>
+          </a:xfrm>
+        </p:grpSpPr>
+        <p:grpSp>
+          <p:nvGrpSpPr>
+            <p:cNvPr id="9" name="Group 8">
+              <a:extLst>
+                <a:ext uri="{FF2B5EF4-FFF2-40B4-BE49-F238E27FC236}">
+                  <a16:creationId xmlns:a16="http://schemas.microsoft.com/office/drawing/2014/main" id="{3E6583AE-9DB1-4B73-03B5-010B18B5E0A4}"/>
+                </a:ext>
+              </a:extLst>
+            </p:cNvPr>
+            <p:cNvGrpSpPr/>
+            <p:nvPr/>
+          </p:nvGrpSpPr>
+          <p:grpSpPr>
+            <a:xfrm>
+              <a:off x="4945856" y="147163"/>
+              <a:ext cx="4174650" cy="1239756"/>
+              <a:chOff x="6540500" y="114671"/>
+              <a:chExt cx="4174650" cy="1239756"/>
+            </a:xfrm>
+          </p:grpSpPr>
+          <p:cxnSp>
+            <p:nvCxnSpPr>
+              <p:cNvPr id="10" name="Straight Arrow Connector 9">
+                <a:extLst>
+                  <a:ext uri="{FF2B5EF4-FFF2-40B4-BE49-F238E27FC236}">
+                    <a16:creationId xmlns:a16="http://schemas.microsoft.com/office/drawing/2014/main" id="{696BFA49-0045-D1BA-6B8F-920C3F4E2801}"/>
+                  </a:ext>
+                </a:extLst>
+              </p:cNvPr>
+              <p:cNvCxnSpPr>
+                <a:cxnSpLocks/>
+                <a:endCxn id="13" idx="2"/>
+              </p:cNvCxnSpPr>
+              <p:nvPr/>
+            </p:nvCxnSpPr>
+            <p:spPr>
+              <a:xfrm flipV="1">
+                <a:off x="7457972" y="484003"/>
+                <a:ext cx="688555" cy="440966"/>
+              </a:xfrm>
+              <a:prstGeom prst="straightConnector1">
+                <a:avLst/>
+              </a:prstGeom>
+              <a:ln>
+                <a:tailEnd type="triangle"/>
+              </a:ln>
+            </p:spPr>
+            <p:style>
+              <a:lnRef idx="2">
+                <a:schemeClr val="dk1"/>
+              </a:lnRef>
+              <a:fillRef idx="0">
+                <a:schemeClr val="dk1"/>
+              </a:fillRef>
+              <a:effectRef idx="1">
+                <a:schemeClr val="dk1"/>
+              </a:effectRef>
+              <a:fontRef idx="minor">
+                <a:schemeClr val="tx1"/>
+              </a:fontRef>
+            </p:style>
+          </p:cxnSp>
+          <p:cxnSp>
+            <p:nvCxnSpPr>
+              <p:cNvPr id="11" name="Straight Arrow Connector 10">
+                <a:extLst>
+                  <a:ext uri="{FF2B5EF4-FFF2-40B4-BE49-F238E27FC236}">
+                    <a16:creationId xmlns:a16="http://schemas.microsoft.com/office/drawing/2014/main" id="{9EAD4921-7FDD-CB87-2B59-5C82DEE49AA9}"/>
+                  </a:ext>
+                </a:extLst>
+              </p:cNvPr>
+              <p:cNvCxnSpPr>
+                <a:cxnSpLocks/>
+              </p:cNvCxnSpPr>
+              <p:nvPr/>
+            </p:nvCxnSpPr>
+            <p:spPr>
+              <a:xfrm>
+                <a:off x="6540500" y="952500"/>
+                <a:ext cx="3887059" cy="22890"/>
+              </a:xfrm>
+              <a:prstGeom prst="straightConnector1">
+                <a:avLst/>
+              </a:prstGeom>
+              <a:ln>
+                <a:tailEnd type="triangle"/>
+              </a:ln>
+            </p:spPr>
+            <p:style>
+              <a:lnRef idx="2">
+                <a:schemeClr val="accent1"/>
+              </a:lnRef>
+              <a:fillRef idx="0">
+                <a:schemeClr val="accent1"/>
+              </a:fillRef>
+              <a:effectRef idx="1">
+                <a:schemeClr val="accent1"/>
+              </a:effectRef>
+              <a:fontRef idx="minor">
+                <a:schemeClr val="tx1"/>
+              </a:fontRef>
+            </p:style>
+          </p:cxnSp>
+          <mc:AlternateContent xmlns:mc="http://schemas.openxmlformats.org/markup-compatibility/2006">
+            <mc:Choice xmlns:a14="http://schemas.microsoft.com/office/drawing/2010/main" Requires="a14">
+              <p:sp>
+                <p:nvSpPr>
+                  <p:cNvPr id="12" name="TextBox 11">
+                    <a:extLst>
+                      <a:ext uri="{FF2B5EF4-FFF2-40B4-BE49-F238E27FC236}">
+                        <a16:creationId xmlns:a16="http://schemas.microsoft.com/office/drawing/2014/main" id="{A4BC7B13-6D82-B5FF-8A89-0F0270BB76D5}"/>
+                      </a:ext>
+                    </a:extLst>
+                  </p:cNvPr>
+                  <p:cNvSpPr txBox="1"/>
+                  <p:nvPr/>
+                </p:nvSpPr>
+                <p:spPr>
+                  <a:xfrm>
+                    <a:off x="10410351" y="832845"/>
+                    <a:ext cx="304799" cy="369332"/>
+                  </a:xfrm>
+                  <a:prstGeom prst="rect">
+                    <a:avLst/>
+                  </a:prstGeom>
+                  <a:noFill/>
+                </p:spPr>
+                <p:txBody>
+                  <a:bodyPr wrap="square" rtlCol="0">
+                    <a:spAutoFit/>
+                  </a:bodyPr>
+                  <a:lstStyle/>
+                  <a:p>
+                    <a14:m>
+                      <m:oMathPara xmlns:m="http://schemas.openxmlformats.org/officeDocument/2006/math">
+                        <m:oMathParaPr>
+                          <m:jc m:val="centerGroup"/>
+                        </m:oMathParaPr>
+                        <m:oMath xmlns:m="http://schemas.openxmlformats.org/officeDocument/2006/math">
+                          <m:r>
+                            <a:rPr lang="en-US" b="0" i="1" smtClean="0">
+                              <a:latin typeface="Cambria Math" panose="02040503050406030204" pitchFamily="18" charset="0"/>
+                            </a:rPr>
+                            <m:t>𝑧</m:t>
+                          </m:r>
+                        </m:oMath>
+                      </m:oMathPara>
+                    </a14:m>
+                    <a:endParaRPr lang="en-US" dirty="0"/>
+                  </a:p>
+                </p:txBody>
+              </p:sp>
+            </mc:Choice>
+            <mc:Fallback>
+              <p:sp>
+                <p:nvSpPr>
+                  <p:cNvPr id="12" name="TextBox 11">
+                    <a:extLst>
+                      <a:ext uri="{FF2B5EF4-FFF2-40B4-BE49-F238E27FC236}">
+                        <a16:creationId xmlns:a16="http://schemas.microsoft.com/office/drawing/2014/main" id="{A4BC7B13-6D82-B5FF-8A89-0F0270BB76D5}"/>
+                      </a:ext>
+                    </a:extLst>
+                  </p:cNvPr>
+                  <p:cNvSpPr txBox="1">
+                    <a:spLocks noRot="1" noChangeAspect="1" noMove="1" noResize="1" noEditPoints="1" noAdjustHandles="1" noChangeArrowheads="1" noChangeShapeType="1" noTextEdit="1"/>
+                  </p:cNvSpPr>
+                  <p:nvPr/>
+                </p:nvSpPr>
+                <p:spPr>
+                  <a:xfrm>
+                    <a:off x="10410351" y="832845"/>
+                    <a:ext cx="304799" cy="369332"/>
+                  </a:xfrm>
+                  <a:prstGeom prst="rect">
+                    <a:avLst/>
+                  </a:prstGeom>
+                  <a:blipFill>
+                    <a:blip r:embed="rId2"/>
+                    <a:stretch>
+                      <a:fillRect/>
+                    </a:stretch>
+                  </a:blipFill>
+                </p:spPr>
+                <p:txBody>
+                  <a:bodyPr/>
+                  <a:lstStyle/>
+                  <a:p>
+                    <a:r>
+                      <a:rPr lang="en-US">
+                        <a:noFill/>
+                      </a:rPr>
+                      <a:t> </a:t>
+                    </a:r>
+                  </a:p>
+                </p:txBody>
+              </p:sp>
+            </mc:Fallback>
+          </mc:AlternateContent>
+          <mc:AlternateContent xmlns:mc="http://schemas.openxmlformats.org/markup-compatibility/2006">
+            <mc:Choice xmlns:a14="http://schemas.microsoft.com/office/drawing/2010/main" Requires="a14">
+              <p:sp>
+                <p:nvSpPr>
+                  <p:cNvPr id="13" name="TextBox 12">
+                    <a:extLst>
+                      <a:ext uri="{FF2B5EF4-FFF2-40B4-BE49-F238E27FC236}">
+                        <a16:creationId xmlns:a16="http://schemas.microsoft.com/office/drawing/2014/main" id="{4D8157E7-AAA2-8BCB-FC25-70324E5191AD}"/>
+                      </a:ext>
+                    </a:extLst>
+                  </p:cNvPr>
+                  <p:cNvSpPr txBox="1"/>
+                  <p:nvPr/>
+                </p:nvSpPr>
+                <p:spPr>
+                  <a:xfrm>
+                    <a:off x="7990952" y="114671"/>
+                    <a:ext cx="311150" cy="369332"/>
+                  </a:xfrm>
+                  <a:prstGeom prst="rect">
+                    <a:avLst/>
+                  </a:prstGeom>
+                  <a:noFill/>
+                </p:spPr>
+                <p:txBody>
+                  <a:bodyPr wrap="square" rtlCol="0">
+                    <a:spAutoFit/>
+                  </a:bodyPr>
+                  <a:lstStyle/>
+                  <a:p>
+                    <a14:m>
+                      <m:oMathPara xmlns:m="http://schemas.openxmlformats.org/officeDocument/2006/math">
+                        <m:oMathParaPr>
+                          <m:jc m:val="centerGroup"/>
+                        </m:oMathParaPr>
+                        <m:oMath xmlns:m="http://schemas.openxmlformats.org/officeDocument/2006/math">
+                          <m:sSub>
+                            <m:sSubPr>
+                              <m:ctrlPr>
+                                <a:rPr lang="en-US" b="0" i="1" smtClean="0">
+                                  <a:latin typeface="Cambria Math" panose="02040503050406030204" pitchFamily="18" charset="0"/>
+                                </a:rPr>
+                              </m:ctrlPr>
+                            </m:sSubPr>
+                            <m:e>
+                              <m:r>
+                                <a:rPr lang="en-US" b="0" i="1" smtClean="0">
+                                  <a:latin typeface="Cambria Math" panose="02040503050406030204" pitchFamily="18" charset="0"/>
+                                </a:rPr>
+                                <m:t>𝐵</m:t>
+                              </m:r>
+                            </m:e>
+                            <m:sub>
+                              <m:r>
+                                <a:rPr lang="en-US" b="0" i="1" smtClean="0">
+                                  <a:latin typeface="Cambria Math" panose="02040503050406030204" pitchFamily="18" charset="0"/>
+                                </a:rPr>
+                                <m:t>0</m:t>
+                              </m:r>
+                            </m:sub>
+                          </m:sSub>
+                        </m:oMath>
+                      </m:oMathPara>
+                    </a14:m>
+                    <a:endParaRPr lang="en-US" dirty="0"/>
+                  </a:p>
+                </p:txBody>
+              </p:sp>
+            </mc:Choice>
+            <mc:Fallback>
+              <p:sp>
+                <p:nvSpPr>
+                  <p:cNvPr id="13" name="TextBox 12">
+                    <a:extLst>
+                      <a:ext uri="{FF2B5EF4-FFF2-40B4-BE49-F238E27FC236}">
+                        <a16:creationId xmlns:a16="http://schemas.microsoft.com/office/drawing/2014/main" id="{4D8157E7-AAA2-8BCB-FC25-70324E5191AD}"/>
+                      </a:ext>
+                    </a:extLst>
+                  </p:cNvPr>
+                  <p:cNvSpPr txBox="1">
+                    <a:spLocks noRot="1" noChangeAspect="1" noMove="1" noResize="1" noEditPoints="1" noAdjustHandles="1" noChangeArrowheads="1" noChangeShapeType="1" noTextEdit="1"/>
+                  </p:cNvSpPr>
+                  <p:nvPr/>
+                </p:nvSpPr>
+                <p:spPr>
+                  <a:xfrm>
+                    <a:off x="7990952" y="114671"/>
+                    <a:ext cx="311150" cy="369332"/>
+                  </a:xfrm>
+                  <a:prstGeom prst="rect">
+                    <a:avLst/>
+                  </a:prstGeom>
+                  <a:blipFill>
+                    <a:blip r:embed="rId3"/>
+                    <a:stretch>
+                      <a:fillRect r="-25490"/>
+                    </a:stretch>
+                  </a:blipFill>
+                </p:spPr>
+                <p:txBody>
+                  <a:bodyPr/>
+                  <a:lstStyle/>
+                  <a:p>
+                    <a:r>
+                      <a:rPr lang="en-US">
+                        <a:noFill/>
+                      </a:rPr>
+                      <a:t> </a:t>
+                    </a:r>
+                  </a:p>
+                </p:txBody>
+              </p:sp>
+            </mc:Fallback>
+          </mc:AlternateContent>
+          <p:grpSp>
+            <p:nvGrpSpPr>
+              <p:cNvPr id="14" name="Group 13">
+                <a:extLst>
+                  <a:ext uri="{FF2B5EF4-FFF2-40B4-BE49-F238E27FC236}">
+                    <a16:creationId xmlns:a16="http://schemas.microsoft.com/office/drawing/2014/main" id="{968D838F-3202-0F71-2AD7-074309878E4C}"/>
+                  </a:ext>
+                </a:extLst>
+              </p:cNvPr>
+              <p:cNvGrpSpPr/>
+              <p:nvPr/>
+            </p:nvGrpSpPr>
+            <p:grpSpPr>
+              <a:xfrm>
+                <a:off x="7364412" y="887911"/>
+                <a:ext cx="127000" cy="129600"/>
+                <a:chOff x="6673850" y="1160249"/>
+                <a:chExt cx="127000" cy="129600"/>
+              </a:xfrm>
+            </p:grpSpPr>
+            <p:sp>
+              <p:nvSpPr>
+                <p:cNvPr id="16" name="Oval 15">
+                  <a:extLst>
+                    <a:ext uri="{FF2B5EF4-FFF2-40B4-BE49-F238E27FC236}">
+                      <a16:creationId xmlns:a16="http://schemas.microsoft.com/office/drawing/2014/main" id="{7CAB50A3-7690-1CA3-E807-89BA4CCF51A8}"/>
+                    </a:ext>
+                  </a:extLst>
+                </p:cNvPr>
+                <p:cNvSpPr/>
+                <p:nvPr/>
+              </p:nvSpPr>
+              <p:spPr>
+                <a:xfrm>
+                  <a:off x="6673850" y="1160249"/>
+                  <a:ext cx="127000" cy="129600"/>
+                </a:xfrm>
+                <a:prstGeom prst="ellipse">
+                  <a:avLst/>
+                </a:prstGeom>
+                <a:noFill/>
+              </p:spPr>
+              <p:style>
+                <a:lnRef idx="2">
+                  <a:schemeClr val="accent1">
+                    <a:shade val="15000"/>
+                  </a:schemeClr>
+                </a:lnRef>
+                <a:fillRef idx="1">
+                  <a:schemeClr val="accent1"/>
+                </a:fillRef>
+                <a:effectRef idx="0">
+                  <a:schemeClr val="accent1"/>
+                </a:effectRef>
+                <a:fontRef idx="minor">
+                  <a:schemeClr val="lt1"/>
+                </a:fontRef>
+              </p:style>
+              <p:txBody>
+                <a:bodyPr rtlCol="0" anchor="ctr"/>
+                <a:lstStyle/>
+                <a:p>
+                  <a:pPr algn="ctr"/>
+                  <a:endParaRPr lang="en-US"/>
+                </a:p>
+              </p:txBody>
+            </p:sp>
+            <p:sp>
+              <p:nvSpPr>
+                <p:cNvPr id="17" name="Oval 16">
+                  <a:extLst>
+                    <a:ext uri="{FF2B5EF4-FFF2-40B4-BE49-F238E27FC236}">
+                      <a16:creationId xmlns:a16="http://schemas.microsoft.com/office/drawing/2014/main" id="{D1C719A9-9323-461B-CA13-E39D5023994E}"/>
+                    </a:ext>
+                  </a:extLst>
+                </p:cNvPr>
+                <p:cNvSpPr/>
+                <p:nvPr/>
+              </p:nvSpPr>
+              <p:spPr>
+                <a:xfrm>
+                  <a:off x="6718300" y="1202189"/>
+                  <a:ext cx="45719" cy="45719"/>
+                </a:xfrm>
+                <a:prstGeom prst="ellipse">
+                  <a:avLst/>
+                </a:prstGeom>
+              </p:spPr>
+              <p:style>
+                <a:lnRef idx="2">
+                  <a:schemeClr val="accent1">
+                    <a:shade val="15000"/>
+                  </a:schemeClr>
+                </a:lnRef>
+                <a:fillRef idx="1">
+                  <a:schemeClr val="accent1"/>
+                </a:fillRef>
+                <a:effectRef idx="0">
+                  <a:schemeClr val="accent1"/>
+                </a:effectRef>
+                <a:fontRef idx="minor">
+                  <a:schemeClr val="lt1"/>
+                </a:fontRef>
+              </p:style>
+              <p:txBody>
+                <a:bodyPr rtlCol="0" anchor="ctr"/>
+                <a:lstStyle/>
+                <a:p>
+                  <a:pPr algn="ctr"/>
+                  <a:endParaRPr lang="en-US"/>
+                </a:p>
+              </p:txBody>
+            </p:sp>
+          </p:grpSp>
+          <mc:AlternateContent xmlns:mc="http://schemas.openxmlformats.org/markup-compatibility/2006">
+            <mc:Choice xmlns:a14="http://schemas.microsoft.com/office/drawing/2010/main" Requires="a14">
+              <p:sp>
+                <p:nvSpPr>
+                  <p:cNvPr id="15" name="TextBox 14">
+                    <a:extLst>
+                      <a:ext uri="{FF2B5EF4-FFF2-40B4-BE49-F238E27FC236}">
+                        <a16:creationId xmlns:a16="http://schemas.microsoft.com/office/drawing/2014/main" id="{F23D0E67-A418-3541-9580-C4209716B35D}"/>
+                      </a:ext>
+                    </a:extLst>
+                  </p:cNvPr>
+                  <p:cNvSpPr txBox="1"/>
+                  <p:nvPr/>
+                </p:nvSpPr>
+                <p:spPr>
+                  <a:xfrm>
+                    <a:off x="7156449" y="985095"/>
+                    <a:ext cx="260350" cy="369332"/>
+                  </a:xfrm>
+                  <a:prstGeom prst="rect">
+                    <a:avLst/>
+                  </a:prstGeom>
+                  <a:noFill/>
+                </p:spPr>
+                <p:txBody>
+                  <a:bodyPr wrap="square" rtlCol="0">
+                    <a:spAutoFit/>
+                  </a:bodyPr>
+                  <a:lstStyle/>
+                  <a:p>
+                    <a14:m>
+                      <m:oMathPara xmlns:m="http://schemas.openxmlformats.org/officeDocument/2006/math">
+                        <m:oMathParaPr>
+                          <m:jc m:val="centerGroup"/>
+                        </m:oMathParaPr>
+                        <m:oMath xmlns:m="http://schemas.openxmlformats.org/officeDocument/2006/math">
+                          <m:sSub>
+                            <m:sSubPr>
+                              <m:ctrlPr>
+                                <a:rPr lang="en-US" b="0" i="1" smtClean="0">
+                                  <a:latin typeface="Cambria Math" panose="02040503050406030204" pitchFamily="18" charset="0"/>
+                                </a:rPr>
+                              </m:ctrlPr>
+                            </m:sSubPr>
+                            <m:e>
+                              <m:r>
+                                <a:rPr lang="en-US" b="0" i="1" smtClean="0">
+                                  <a:latin typeface="Cambria Math" panose="02040503050406030204" pitchFamily="18" charset="0"/>
+                                </a:rPr>
+                                <m:t>𝐸</m:t>
+                              </m:r>
+                            </m:e>
+                            <m:sub>
+                              <m:r>
+                                <a:rPr lang="en-US" b="0" i="1" smtClean="0">
+                                  <a:latin typeface="Cambria Math" panose="02040503050406030204" pitchFamily="18" charset="0"/>
+                                </a:rPr>
+                                <m:t>𝑥</m:t>
+                              </m:r>
+                            </m:sub>
+                          </m:sSub>
+                        </m:oMath>
+                      </m:oMathPara>
+                    </a14:m>
+                    <a:endParaRPr lang="en-US" dirty="0"/>
+                  </a:p>
+                </p:txBody>
+              </p:sp>
+            </mc:Choice>
+            <mc:Fallback>
+              <p:sp>
+                <p:nvSpPr>
+                  <p:cNvPr id="15" name="TextBox 14">
+                    <a:extLst>
+                      <a:ext uri="{FF2B5EF4-FFF2-40B4-BE49-F238E27FC236}">
+                        <a16:creationId xmlns:a16="http://schemas.microsoft.com/office/drawing/2014/main" id="{F23D0E67-A418-3541-9580-C4209716B35D}"/>
+                      </a:ext>
+                    </a:extLst>
+                  </p:cNvPr>
+                  <p:cNvSpPr txBox="1">
+                    <a:spLocks noRot="1" noChangeAspect="1" noMove="1" noResize="1" noEditPoints="1" noAdjustHandles="1" noChangeArrowheads="1" noChangeShapeType="1" noTextEdit="1"/>
+                  </p:cNvSpPr>
+                  <p:nvPr/>
+                </p:nvSpPr>
+                <p:spPr>
+                  <a:xfrm>
+                    <a:off x="7156449" y="985095"/>
+                    <a:ext cx="260350" cy="369332"/>
+                  </a:xfrm>
+                  <a:prstGeom prst="rect">
+                    <a:avLst/>
+                  </a:prstGeom>
+                  <a:blipFill>
+                    <a:blip r:embed="rId4"/>
+                    <a:stretch>
+                      <a:fillRect r="-44186"/>
+                    </a:stretch>
+                  </a:blipFill>
+                </p:spPr>
+                <p:txBody>
+                  <a:bodyPr/>
+                  <a:lstStyle/>
+                  <a:p>
+                    <a:r>
+                      <a:rPr lang="en-US">
+                        <a:noFill/>
+                      </a:rPr>
+                      <a:t> </a:t>
+                    </a:r>
+                  </a:p>
+                </p:txBody>
+              </p:sp>
+            </mc:Fallback>
+          </mc:AlternateContent>
+        </p:grpSp>
+        <p:sp>
+          <p:nvSpPr>
+            <p:cNvPr id="19" name="Arc 18">
+              <a:extLst>
+                <a:ext uri="{FF2B5EF4-FFF2-40B4-BE49-F238E27FC236}">
+                  <a16:creationId xmlns:a16="http://schemas.microsoft.com/office/drawing/2014/main" id="{72F2BC5D-7F04-C8B0-B90E-0E36AB6D130F}"/>
+                </a:ext>
+              </a:extLst>
+            </p:cNvPr>
+            <p:cNvSpPr/>
+            <p:nvPr/>
+          </p:nvSpPr>
+          <p:spPr>
+            <a:xfrm>
+              <a:off x="5923742" y="754480"/>
+              <a:ext cx="260350" cy="526659"/>
+            </a:xfrm>
+            <a:prstGeom prst="arc">
+              <a:avLst>
+                <a:gd name="adj1" fmla="val 17650600"/>
+                <a:gd name="adj2" fmla="val 20322761"/>
+              </a:avLst>
+            </a:prstGeom>
+          </p:spPr>
+          <p:style>
+            <a:lnRef idx="2">
+              <a:schemeClr val="accent1"/>
+            </a:lnRef>
+            <a:fillRef idx="0">
+              <a:schemeClr val="accent1"/>
+            </a:fillRef>
+            <a:effectRef idx="1">
+              <a:schemeClr val="accent1"/>
+            </a:effectRef>
+            <a:fontRef idx="minor">
+              <a:schemeClr val="tx1"/>
+            </a:fontRef>
+          </p:style>
+          <p:txBody>
+            <a:bodyPr rtlCol="0" anchor="ctr"/>
+            <a:lstStyle/>
+            <a:p>
+              <a:pPr algn="ctr"/>
+              <a:endParaRPr lang="en-US"/>
+            </a:p>
+          </p:txBody>
+        </p:sp>
+        <mc:AlternateContent xmlns:mc="http://schemas.openxmlformats.org/markup-compatibility/2006">
+          <mc:Choice xmlns:a14="http://schemas.microsoft.com/office/drawing/2010/main" Requires="a14">
+            <p:sp>
+              <p:nvSpPr>
+                <p:cNvPr id="20" name="TextBox 19">
+                  <a:extLst>
+                    <a:ext uri="{FF2B5EF4-FFF2-40B4-BE49-F238E27FC236}">
+                      <a16:creationId xmlns:a16="http://schemas.microsoft.com/office/drawing/2014/main" id="{7427AE63-AB91-69E9-1530-8E8900A92BC9}"/>
+                    </a:ext>
+                  </a:extLst>
+                </p:cNvPr>
+                <p:cNvSpPr txBox="1"/>
+                <p:nvPr/>
+              </p:nvSpPr>
+              <p:spPr>
+                <a:xfrm>
+                  <a:off x="6036816" y="525282"/>
+                  <a:ext cx="1084082" cy="458395"/>
+                </a:xfrm>
+                <a:prstGeom prst="rect">
+                  <a:avLst/>
+                </a:prstGeom>
+                <a:noFill/>
+              </p:spPr>
+              <p:txBody>
+                <a:bodyPr wrap="square" rtlCol="0">
+                  <a:spAutoFit/>
+                </a:bodyPr>
+                <a:lstStyle/>
+                <a:p>
+                  <a14:m>
+                    <m:oMathPara xmlns:m="http://schemas.openxmlformats.org/officeDocument/2006/math">
+                      <m:oMathParaPr>
+                        <m:jc m:val="centerGroup"/>
+                      </m:oMathParaPr>
+                      <m:oMath xmlns:m="http://schemas.openxmlformats.org/officeDocument/2006/math">
+                        <m:r>
+                          <a:rPr lang="en-US" sz="1400" b="0" i="1" smtClean="0">
+                            <a:latin typeface="Cambria Math" panose="02040503050406030204" pitchFamily="18" charset="0"/>
+                          </a:rPr>
+                          <m:t>𝜃</m:t>
+                        </m:r>
+                        <m:r>
+                          <a:rPr lang="en-US" sz="1400" b="0" i="1" smtClean="0">
+                            <a:latin typeface="Cambria Math" panose="02040503050406030204" pitchFamily="18" charset="0"/>
+                          </a:rPr>
+                          <m:t>=</m:t>
+                        </m:r>
+                        <m:f>
+                          <m:fPr>
+                            <m:ctrlPr>
+                              <a:rPr lang="en-US" sz="1400" b="0" i="1" smtClean="0">
+                                <a:latin typeface="Cambria Math" panose="02040503050406030204" pitchFamily="18" charset="0"/>
+                              </a:rPr>
+                            </m:ctrlPr>
+                          </m:fPr>
+                          <m:num>
+                            <m:r>
+                              <a:rPr lang="en-US" sz="1400" b="0" i="1" smtClean="0">
+                                <a:latin typeface="Cambria Math" panose="02040503050406030204" pitchFamily="18" charset="0"/>
+                              </a:rPr>
+                              <m:t>𝜋</m:t>
+                            </m:r>
+                          </m:num>
+                          <m:den>
+                            <m:r>
+                              <a:rPr lang="en-US" sz="1400" b="0" i="1" smtClean="0">
+                                <a:latin typeface="Cambria Math" panose="02040503050406030204" pitchFamily="18" charset="0"/>
+                              </a:rPr>
+                              <m:t>4</m:t>
+                            </m:r>
+                          </m:den>
+                        </m:f>
+                      </m:oMath>
+                    </m:oMathPara>
+                  </a14:m>
+                  <a:endParaRPr lang="en-US" sz="1400" dirty="0"/>
+                </a:p>
+              </p:txBody>
+            </p:sp>
+          </mc:Choice>
+          <mc:Fallback>
+            <p:sp>
+              <p:nvSpPr>
+                <p:cNvPr id="20" name="TextBox 19">
+                  <a:extLst>
+                    <a:ext uri="{FF2B5EF4-FFF2-40B4-BE49-F238E27FC236}">
+                      <a16:creationId xmlns:a16="http://schemas.microsoft.com/office/drawing/2014/main" id="{7427AE63-AB91-69E9-1530-8E8900A92BC9}"/>
+                    </a:ext>
+                  </a:extLst>
+                </p:cNvPr>
+                <p:cNvSpPr txBox="1">
+                  <a:spLocks noRot="1" noChangeAspect="1" noMove="1" noResize="1" noEditPoints="1" noAdjustHandles="1" noChangeArrowheads="1" noChangeShapeType="1" noTextEdit="1"/>
+                </p:cNvSpPr>
+                <p:nvPr/>
+              </p:nvSpPr>
+              <p:spPr>
+                <a:xfrm>
+                  <a:off x="6036816" y="525282"/>
+                  <a:ext cx="1084082" cy="458395"/>
+                </a:xfrm>
+                <a:prstGeom prst="rect">
+                  <a:avLst/>
+                </a:prstGeom>
+                <a:blipFill>
+                  <a:blip r:embed="rId5"/>
+                  <a:stretch>
+                    <a:fillRect b="-2667"/>
+                  </a:stretch>
+                </a:blipFill>
+              </p:spPr>
+              <p:txBody>
+                <a:bodyPr/>
+                <a:lstStyle/>
+                <a:p>
+                  <a:r>
+                    <a:rPr lang="en-US">
+                      <a:noFill/>
+                    </a:rPr>
+                    <a:t> </a:t>
+                  </a:r>
+                </a:p>
+              </p:txBody>
+            </p:sp>
+          </mc:Fallback>
+        </mc:AlternateContent>
+      </p:grpSp>
+      <p:sp>
+        <p:nvSpPr>
+          <p:cNvPr id="24" name="TextBox 23">
+            <a:extLst>
+              <a:ext uri="{FF2B5EF4-FFF2-40B4-BE49-F238E27FC236}">
+                <a16:creationId xmlns:a16="http://schemas.microsoft.com/office/drawing/2014/main" id="{C7F122B3-777C-ECCB-5177-AA2305D9CA4E}"/>
+              </a:ext>
+            </a:extLst>
+          </p:cNvPr>
+          <p:cNvSpPr txBox="1"/>
+          <p:nvPr/>
+        </p:nvSpPr>
+        <p:spPr>
+          <a:xfrm>
+            <a:off x="122548" y="263951"/>
+            <a:ext cx="4147794" cy="369332"/>
+          </a:xfrm>
+          <a:prstGeom prst="rect">
+            <a:avLst/>
+          </a:prstGeom>
+          <a:noFill/>
+        </p:spPr>
+        <p:txBody>
+          <a:bodyPr wrap="square" rtlCol="0">
+            <a:spAutoFit/>
+          </a:bodyPr>
+          <a:lstStyle/>
+          <a:p>
+            <a:r>
+              <a:rPr lang="en-US" dirty="0"/>
+              <a:t>B</a:t>
+            </a:r>
+            <a:r>
+              <a:rPr lang="en-US" baseline="-25000" dirty="0"/>
+              <a:t>0</a:t>
+            </a:r>
+            <a:r>
+              <a:rPr lang="en-US" dirty="0"/>
+              <a:t>=1T,ne</a:t>
+            </a:r>
+            <a:r>
+              <a:rPr lang="en-US" baseline="-25000" dirty="0"/>
+              <a:t>0</a:t>
+            </a:r>
+            <a:r>
+              <a:rPr lang="en-US" dirty="0"/>
+              <a:t>=1e19/m3,uniform distribution</a:t>
+            </a:r>
+          </a:p>
+        </p:txBody>
+      </p:sp>
+      <p:pic>
+        <p:nvPicPr>
+          <p:cNvPr id="25" name="Picture 24">
+            <a:extLst>
+              <a:ext uri="{FF2B5EF4-FFF2-40B4-BE49-F238E27FC236}">
+                <a16:creationId xmlns:a16="http://schemas.microsoft.com/office/drawing/2014/main" id="{C59B2F33-5858-D9A4-BA5C-0E669DA4D5F4}"/>
+              </a:ext>
+            </a:extLst>
+          </p:cNvPr>
+          <p:cNvPicPr>
+            <a:picLocks noChangeAspect="1"/>
+          </p:cNvPicPr>
+          <p:nvPr/>
+        </p:nvPicPr>
+        <p:blipFill>
+          <a:blip r:embed="rId6"/>
+          <a:stretch>
+            <a:fillRect/>
+          </a:stretch>
+        </p:blipFill>
+        <p:spPr>
+          <a:xfrm>
+            <a:off x="323941" y="5018364"/>
+            <a:ext cx="6483259" cy="1225622"/>
+          </a:xfrm>
+          <a:prstGeom prst="rect">
+            <a:avLst/>
+          </a:prstGeom>
+        </p:spPr>
+      </p:pic>
+      <p:pic>
+        <p:nvPicPr>
+          <p:cNvPr id="26" name="Picture 25">
+            <a:extLst>
+              <a:ext uri="{FF2B5EF4-FFF2-40B4-BE49-F238E27FC236}">
+                <a16:creationId xmlns:a16="http://schemas.microsoft.com/office/drawing/2014/main" id="{BE3C7B5D-D3CA-07F5-5482-3D12E1996064}"/>
+              </a:ext>
+            </a:extLst>
+          </p:cNvPr>
+          <p:cNvPicPr>
+            <a:picLocks noChangeAspect="1"/>
+          </p:cNvPicPr>
+          <p:nvPr/>
+        </p:nvPicPr>
+        <p:blipFill>
+          <a:blip r:embed="rId7"/>
+          <a:stretch>
+            <a:fillRect/>
+          </a:stretch>
+        </p:blipFill>
+        <p:spPr>
+          <a:xfrm>
+            <a:off x="345835" y="6250971"/>
+            <a:ext cx="4201863" cy="362811"/>
+          </a:xfrm>
+          <a:prstGeom prst="rect">
+            <a:avLst/>
+          </a:prstGeom>
+        </p:spPr>
+      </p:pic>
+      <p:sp>
+        <p:nvSpPr>
+          <p:cNvPr id="27" name="TextBox 26">
+            <a:extLst>
+              <a:ext uri="{FF2B5EF4-FFF2-40B4-BE49-F238E27FC236}">
+                <a16:creationId xmlns:a16="http://schemas.microsoft.com/office/drawing/2014/main" id="{28AB8FD6-E867-92ED-0B10-DEBCEAABD962}"/>
+              </a:ext>
+            </a:extLst>
+          </p:cNvPr>
+          <p:cNvSpPr txBox="1"/>
+          <p:nvPr/>
+        </p:nvSpPr>
+        <p:spPr>
+          <a:xfrm>
+            <a:off x="7834631" y="5413453"/>
+            <a:ext cx="2571750" cy="1200329"/>
+          </a:xfrm>
+          <a:prstGeom prst="rect">
+            <a:avLst/>
+          </a:prstGeom>
+          <a:noFill/>
+        </p:spPr>
+        <p:txBody>
+          <a:bodyPr wrap="square" rtlCol="0">
+            <a:spAutoFit/>
+          </a:bodyPr>
+          <a:lstStyle/>
+          <a:p>
+            <a:r>
+              <a:rPr lang="en-US" dirty="0"/>
+              <a:t>n</a:t>
+            </a:r>
+            <a:r>
+              <a:rPr lang="en-US" baseline="-25000" dirty="0"/>
+              <a:t>+</a:t>
+            </a:r>
+            <a:r>
+              <a:rPr lang="en-US" dirty="0"/>
+              <a:t>(theory)=0.432</a:t>
+            </a:r>
+          </a:p>
+          <a:p>
+            <a:r>
+              <a:rPr lang="en-US" dirty="0"/>
+              <a:t>n</a:t>
+            </a:r>
+            <a:r>
+              <a:rPr lang="en-US" baseline="-25000" dirty="0"/>
+              <a:t>+</a:t>
+            </a:r>
+            <a:r>
+              <a:rPr lang="en-US" dirty="0"/>
+              <a:t>(numerical)=0.429</a:t>
+            </a:r>
+          </a:p>
+          <a:p>
+            <a:r>
+              <a:rPr lang="en-US" dirty="0"/>
+              <a:t>n</a:t>
+            </a:r>
+            <a:r>
+              <a:rPr lang="en-US" baseline="-25000" dirty="0"/>
+              <a:t>-</a:t>
+            </a:r>
+            <a:r>
+              <a:rPr lang="en-US" dirty="0"/>
+              <a:t>(theory)=1.128</a:t>
+            </a:r>
+          </a:p>
+          <a:p>
+            <a:r>
+              <a:rPr lang="en-US" dirty="0"/>
+              <a:t>n</a:t>
+            </a:r>
+            <a:r>
+              <a:rPr lang="en-US" baseline="-25000" dirty="0"/>
+              <a:t>-</a:t>
+            </a:r>
+            <a:r>
+              <a:rPr lang="en-US" dirty="0"/>
+              <a:t>(numerical)=1.129</a:t>
+            </a:r>
+          </a:p>
+        </p:txBody>
+      </p:sp>
+      <p:pic>
+        <p:nvPicPr>
+          <p:cNvPr id="29" name="Picture 28">
+            <a:extLst>
+              <a:ext uri="{FF2B5EF4-FFF2-40B4-BE49-F238E27FC236}">
+                <a16:creationId xmlns:a16="http://schemas.microsoft.com/office/drawing/2014/main" id="{8823EAA4-4E2D-C708-17B1-71E2EE83C67A}"/>
+              </a:ext>
+            </a:extLst>
+          </p:cNvPr>
+          <p:cNvPicPr>
+            <a:picLocks noChangeAspect="1"/>
+          </p:cNvPicPr>
+          <p:nvPr/>
+        </p:nvPicPr>
+        <p:blipFill>
+          <a:blip r:embed="rId8"/>
+          <a:stretch>
+            <a:fillRect/>
+          </a:stretch>
+        </p:blipFill>
+        <p:spPr>
+          <a:xfrm>
+            <a:off x="6578857" y="1096113"/>
+            <a:ext cx="5334000" cy="4000500"/>
+          </a:xfrm>
+          <a:prstGeom prst="rect">
+            <a:avLst/>
+          </a:prstGeom>
+        </p:spPr>
+      </p:pic>
+      <p:pic>
+        <p:nvPicPr>
+          <p:cNvPr id="31" name="Picture 30">
+            <a:extLst>
+              <a:ext uri="{FF2B5EF4-FFF2-40B4-BE49-F238E27FC236}">
+                <a16:creationId xmlns:a16="http://schemas.microsoft.com/office/drawing/2014/main" id="{7A7975E1-B4DB-0712-08E5-876979CE0D0B}"/>
+              </a:ext>
+            </a:extLst>
+          </p:cNvPr>
+          <p:cNvPicPr>
+            <a:picLocks noChangeAspect="1"/>
+          </p:cNvPicPr>
+          <p:nvPr/>
+        </p:nvPicPr>
+        <p:blipFill>
+          <a:blip r:embed="rId9"/>
+          <a:stretch>
+            <a:fillRect/>
+          </a:stretch>
+        </p:blipFill>
+        <p:spPr>
+          <a:xfrm>
+            <a:off x="408786" y="1007882"/>
+            <a:ext cx="5334000" cy="4000500"/>
+          </a:xfrm>
+          <a:prstGeom prst="rect">
+            <a:avLst/>
+          </a:prstGeom>
+        </p:spPr>
+      </p:pic>
+    </p:spTree>
+    <p:extLst>
+      <p:ext uri="{BB962C8B-B14F-4D97-AF65-F5344CB8AC3E}">
+        <p14:creationId xmlns:p14="http://schemas.microsoft.com/office/powerpoint/2010/main" val="2685092447"/>
+      </p:ext>
+    </p:extLst>
+  </p:cSld>
+  <p:clrMapOvr>
+    <a:masterClrMapping/>
+  </p:clrMapOvr>
+</p:sld>
+</file>
+
 <file path=ppt/slides/slide2.xml><?xml version="1.0" encoding="utf-8"?>
 <p:sld xmlns:a="http://schemas.openxmlformats.org/drawingml/2006/main" xmlns:r="http://schemas.openxmlformats.org/officeDocument/2006/relationships" xmlns:p="http://schemas.openxmlformats.org/presentationml/2006/main">
   <p:cSld>
@@ -5148,8 +7675,8 @@
           </a:p>
         </p:txBody>
       </p:sp>
-      <mc:AlternateContent xmlns:mc="http://schemas.openxmlformats.org/markup-compatibility/2006">
-        <mc:Choice xmlns:a14="http://schemas.microsoft.com/office/drawing/2010/main" Requires="a14">
+      <mc:AlternateContent xmlns:mc="http://schemas.openxmlformats.org/markup-compatibility/2006" xmlns:a14="http://schemas.microsoft.com/office/drawing/2010/main">
+        <mc:Choice Requires="a14">
           <p:sp>
             <p:nvSpPr>
               <p:cNvPr id="4" name="TextBox 3">
@@ -5526,6 +8053,7 @@
                 </a:endParaRPr>
               </a:p>
               <a:p>
+                <a:pPr/>
                 <a14:m>
                   <m:oMathPara xmlns:m="http://schemas.openxmlformats.org/officeDocument/2006/math">
                     <m:oMathParaPr>
@@ -5947,7 +8475,7 @@
             </p:txBody>
           </p:sp>
         </mc:Choice>
-        <mc:Fallback>
+        <mc:Fallback xmlns="">
           <p:sp>
             <p:nvSpPr>
               <p:cNvPr id="4" name="TextBox 3">
@@ -6038,8 +8566,8 @@
           </a:p>
         </p:txBody>
       </p:sp>
-      <mc:AlternateContent xmlns:mc="http://schemas.openxmlformats.org/markup-compatibility/2006">
-        <mc:Choice xmlns:a14="http://schemas.microsoft.com/office/drawing/2010/main" Requires="a14">
+      <mc:AlternateContent xmlns:mc="http://schemas.openxmlformats.org/markup-compatibility/2006" xmlns:a14="http://schemas.microsoft.com/office/drawing/2010/main">
+        <mc:Choice Requires="a14">
           <p:sp>
             <p:nvSpPr>
               <p:cNvPr id="7" name="TextBox 6">
@@ -7241,7 +9769,7 @@
             </p:txBody>
           </p:sp>
         </mc:Choice>
-        <mc:Fallback>
+        <mc:Fallback xmlns="">
           <p:sp>
             <p:nvSpPr>
               <p:cNvPr id="7" name="TextBox 6">
@@ -7463,8 +9991,8 @@
           </a:p>
         </p:txBody>
       </p:sp>
-      <mc:AlternateContent xmlns:mc="http://schemas.openxmlformats.org/markup-compatibility/2006">
-        <mc:Choice xmlns:a14="http://schemas.microsoft.com/office/drawing/2010/main" Requires="a14">
+      <mc:AlternateContent xmlns:mc="http://schemas.openxmlformats.org/markup-compatibility/2006" xmlns:a14="http://schemas.microsoft.com/office/drawing/2010/main">
+        <mc:Choice Requires="a14">
           <p:sp>
             <p:nvSpPr>
               <p:cNvPr id="9" name="TextBox 8">
@@ -8084,7 +10612,7 @@
             </p:txBody>
           </p:sp>
         </mc:Choice>
-        <mc:Fallback>
+        <mc:Fallback xmlns="">
           <p:sp>
             <p:nvSpPr>
               <p:cNvPr id="9" name="TextBox 8">
@@ -8129,8 +10657,8 @@
           </p:sp>
         </mc:Fallback>
       </mc:AlternateContent>
-      <mc:AlternateContent xmlns:mc="http://schemas.openxmlformats.org/markup-compatibility/2006">
-        <mc:Choice xmlns:a14="http://schemas.microsoft.com/office/drawing/2010/main" Requires="a14">
+      <mc:AlternateContent xmlns:mc="http://schemas.openxmlformats.org/markup-compatibility/2006" xmlns:a14="http://schemas.microsoft.com/office/drawing/2010/main">
+        <mc:Choice Requires="a14">
           <p:sp>
             <p:nvSpPr>
               <p:cNvPr id="11" name="TextBox 10">
@@ -8317,7 +10845,7 @@
                       <m:f>
                         <m:fPr>
                           <m:ctrlPr>
-                            <a:rPr lang="en-US" sz="1800" b="0" i="0" smtClean="0">
+                            <a:rPr lang="en-US" sz="1800" b="0" i="1" smtClean="0">
                               <a:effectLst/>
                               <a:latin typeface="Cambria Math" panose="02040503050406030204" pitchFamily="18" charset="0"/>
                               <a:ea typeface="DengXian" panose="02010600030101010101" pitchFamily="2" charset="-122"/>
@@ -8343,7 +10871,7 @@
                           <m:sSub>
                             <m:sSubPr>
                               <m:ctrlPr>
-                                <a:rPr lang="en-US" sz="1800" b="0" i="0" smtClean="0">
+                                <a:rPr lang="en-US" sz="1800" b="0" i="1" smtClean="0">
                                   <a:effectLst/>
                                   <a:latin typeface="Cambria Math" panose="02040503050406030204" pitchFamily="18" charset="0"/>
                                   <a:ea typeface="DengXian" panose="02010600030101010101" pitchFamily="2" charset="-122"/>
@@ -8448,7 +10976,7 @@
             </p:txBody>
           </p:sp>
         </mc:Choice>
-        <mc:Fallback>
+        <mc:Fallback xmlns="">
           <p:sp>
             <p:nvSpPr>
               <p:cNvPr id="11" name="TextBox 10">
@@ -8735,8 +11263,8 @@
           </a:p>
         </p:txBody>
       </p:sp>
-      <mc:AlternateContent xmlns:mc="http://schemas.openxmlformats.org/markup-compatibility/2006">
-        <mc:Choice xmlns:a14="http://schemas.microsoft.com/office/drawing/2010/main" Requires="a14">
+      <mc:AlternateContent xmlns:mc="http://schemas.openxmlformats.org/markup-compatibility/2006" xmlns:a14="http://schemas.microsoft.com/office/drawing/2010/main">
+        <mc:Choice Requires="a14">
           <p:sp>
             <p:nvSpPr>
               <p:cNvPr id="7" name="TextBox 6">
@@ -10173,7 +12701,7 @@
             </p:txBody>
           </p:sp>
         </mc:Choice>
-        <mc:Fallback>
+        <mc:Fallback xmlns="">
           <p:sp>
             <p:nvSpPr>
               <p:cNvPr id="7" name="TextBox 6">
@@ -10269,8 +12797,8 @@
           </a:p>
         </p:txBody>
       </p:sp>
-      <mc:AlternateContent xmlns:mc="http://schemas.openxmlformats.org/markup-compatibility/2006">
-        <mc:Choice xmlns:a14="http://schemas.microsoft.com/office/drawing/2010/main" Requires="a14">
+      <mc:AlternateContent xmlns:mc="http://schemas.openxmlformats.org/markup-compatibility/2006" xmlns:a14="http://schemas.microsoft.com/office/drawing/2010/main">
+        <mc:Choice Requires="a14">
           <p:sp>
             <p:nvSpPr>
               <p:cNvPr id="11" name="TextBox 10">
@@ -11753,7 +14281,7 @@
             </p:txBody>
           </p:sp>
         </mc:Choice>
-        <mc:Fallback>
+        <mc:Fallback xmlns="">
           <p:sp>
             <p:nvSpPr>
               <p:cNvPr id="11" name="TextBox 10">
@@ -11798,8 +14326,8 @@
           </p:sp>
         </mc:Fallback>
       </mc:AlternateContent>
-      <mc:AlternateContent xmlns:mc="http://schemas.openxmlformats.org/markup-compatibility/2006">
-        <mc:Choice xmlns:a14="http://schemas.microsoft.com/office/drawing/2010/main" Requires="a14">
+      <mc:AlternateContent xmlns:mc="http://schemas.openxmlformats.org/markup-compatibility/2006" xmlns:a14="http://schemas.microsoft.com/office/drawing/2010/main">
+        <mc:Choice Requires="a14">
           <p:sp>
             <p:nvSpPr>
               <p:cNvPr id="13" name="TextBox 12">
@@ -12423,7 +14951,7 @@
             </p:txBody>
           </p:sp>
         </mc:Choice>
-        <mc:Fallback>
+        <mc:Fallback xmlns="">
           <p:sp>
             <p:nvSpPr>
               <p:cNvPr id="13" name="TextBox 12">
@@ -12533,8 +15061,8 @@
           </a:p>
         </p:txBody>
       </p:sp>
-      <mc:AlternateContent xmlns:mc="http://schemas.openxmlformats.org/markup-compatibility/2006">
-        <mc:Choice xmlns:a14="http://schemas.microsoft.com/office/drawing/2010/main" Requires="a14">
+      <mc:AlternateContent xmlns:mc="http://schemas.openxmlformats.org/markup-compatibility/2006" xmlns:a14="http://schemas.microsoft.com/office/drawing/2010/main">
+        <mc:Choice Requires="a14">
           <p:sp>
             <p:nvSpPr>
               <p:cNvPr id="6" name="TextBox 5">
@@ -13402,7 +15930,7 @@
             </p:txBody>
           </p:sp>
         </mc:Choice>
-        <mc:Fallback>
+        <mc:Fallback xmlns="">
           <p:sp>
             <p:nvSpPr>
               <p:cNvPr id="6" name="TextBox 5">
@@ -13498,8 +16026,8 @@
           </a:p>
         </p:txBody>
       </p:sp>
-      <mc:AlternateContent xmlns:mc="http://schemas.openxmlformats.org/markup-compatibility/2006">
-        <mc:Choice xmlns:a14="http://schemas.microsoft.com/office/drawing/2010/main" Requires="a14">
+      <mc:AlternateContent xmlns:mc="http://schemas.openxmlformats.org/markup-compatibility/2006" xmlns:a14="http://schemas.microsoft.com/office/drawing/2010/main">
+        <mc:Choice Requires="a14">
           <p:sp>
             <p:nvSpPr>
               <p:cNvPr id="10" name="TextBox 9">
@@ -15298,7 +17826,7 @@
             </p:txBody>
           </p:sp>
         </mc:Choice>
-        <mc:Fallback>
+        <mc:Fallback xmlns="">
           <p:sp>
             <p:nvSpPr>
               <p:cNvPr id="10" name="TextBox 9">
@@ -15938,6 +18466,544 @@
           </a:p>
         </p:txBody>
       </p:sp>
+      <p:grpSp>
+        <p:nvGrpSpPr>
+          <p:cNvPr id="2" name="Group 1">
+            <a:extLst>
+              <a:ext uri="{FF2B5EF4-FFF2-40B4-BE49-F238E27FC236}">
+                <a16:creationId xmlns:a16="http://schemas.microsoft.com/office/drawing/2014/main" id="{44E356FC-71D1-0241-5A88-F0E61651CDC8}"/>
+              </a:ext>
+            </a:extLst>
+          </p:cNvPr>
+          <p:cNvGrpSpPr/>
+          <p:nvPr/>
+        </p:nvGrpSpPr>
+        <p:grpSpPr>
+          <a:xfrm>
+            <a:off x="8375650" y="356839"/>
+            <a:ext cx="2300287" cy="965450"/>
+            <a:chOff x="6540500" y="388977"/>
+            <a:chExt cx="2300287" cy="965450"/>
+          </a:xfrm>
+        </p:grpSpPr>
+        <p:cxnSp>
+          <p:nvCxnSpPr>
+            <p:cNvPr id="3" name="Straight Arrow Connector 2">
+              <a:extLst>
+                <a:ext uri="{FF2B5EF4-FFF2-40B4-BE49-F238E27FC236}">
+                  <a16:creationId xmlns:a16="http://schemas.microsoft.com/office/drawing/2014/main" id="{38747108-90BF-273B-67EA-C8B668E3A89A}"/>
+                </a:ext>
+              </a:extLst>
+            </p:cNvPr>
+            <p:cNvCxnSpPr/>
+            <p:nvPr/>
+          </p:nvCxnSpPr>
+          <p:spPr>
+            <a:xfrm flipV="1">
+              <a:off x="7569200" y="698500"/>
+              <a:ext cx="0" cy="234950"/>
+            </a:xfrm>
+            <a:prstGeom prst="straightConnector1">
+              <a:avLst/>
+            </a:prstGeom>
+            <a:ln>
+              <a:tailEnd type="triangle"/>
+            </a:ln>
+          </p:spPr>
+          <p:style>
+            <a:lnRef idx="2">
+              <a:schemeClr val="dk1"/>
+            </a:lnRef>
+            <a:fillRef idx="0">
+              <a:schemeClr val="dk1"/>
+            </a:fillRef>
+            <a:effectRef idx="1">
+              <a:schemeClr val="dk1"/>
+            </a:effectRef>
+            <a:fontRef idx="minor">
+              <a:schemeClr val="tx1"/>
+            </a:fontRef>
+          </p:style>
+        </p:cxnSp>
+        <p:cxnSp>
+          <p:nvCxnSpPr>
+            <p:cNvPr id="6" name="Straight Arrow Connector 5">
+              <a:extLst>
+                <a:ext uri="{FF2B5EF4-FFF2-40B4-BE49-F238E27FC236}">
+                  <a16:creationId xmlns:a16="http://schemas.microsoft.com/office/drawing/2014/main" id="{AE42DE88-BEB6-832A-07AB-2DE8D3BDCE11}"/>
+                </a:ext>
+              </a:extLst>
+            </p:cNvPr>
+            <p:cNvCxnSpPr>
+              <a:cxnSpLocks/>
+            </p:cNvCxnSpPr>
+            <p:nvPr/>
+          </p:nvCxnSpPr>
+          <p:spPr>
+            <a:xfrm>
+              <a:off x="6540500" y="952500"/>
+              <a:ext cx="2070100" cy="210"/>
+            </a:xfrm>
+            <a:prstGeom prst="straightConnector1">
+              <a:avLst/>
+            </a:prstGeom>
+            <a:ln>
+              <a:tailEnd type="triangle"/>
+            </a:ln>
+          </p:spPr>
+          <p:style>
+            <a:lnRef idx="2">
+              <a:schemeClr val="accent1"/>
+            </a:lnRef>
+            <a:fillRef idx="0">
+              <a:schemeClr val="accent1"/>
+            </a:fillRef>
+            <a:effectRef idx="1">
+              <a:schemeClr val="accent1"/>
+            </a:effectRef>
+            <a:fontRef idx="minor">
+              <a:schemeClr val="tx1"/>
+            </a:fontRef>
+          </p:style>
+        </p:cxnSp>
+        <mc:AlternateContent xmlns:mc="http://schemas.openxmlformats.org/markup-compatibility/2006">
+          <mc:Choice xmlns:a14="http://schemas.microsoft.com/office/drawing/2010/main" Requires="a14">
+            <p:sp>
+              <p:nvSpPr>
+                <p:cNvPr id="7" name="TextBox 6">
+                  <a:extLst>
+                    <a:ext uri="{FF2B5EF4-FFF2-40B4-BE49-F238E27FC236}">
+                      <a16:creationId xmlns:a16="http://schemas.microsoft.com/office/drawing/2014/main" id="{A28E9434-8284-EE27-CC9C-AA7E8989DD1C}"/>
+                    </a:ext>
+                  </a:extLst>
+                </p:cNvPr>
+                <p:cNvSpPr txBox="1"/>
+                <p:nvPr/>
+              </p:nvSpPr>
+              <p:spPr>
+                <a:xfrm>
+                  <a:off x="8535988" y="712561"/>
+                  <a:ext cx="304799" cy="369332"/>
+                </a:xfrm>
+                <a:prstGeom prst="rect">
+                  <a:avLst/>
+                </a:prstGeom>
+                <a:noFill/>
+              </p:spPr>
+              <p:txBody>
+                <a:bodyPr wrap="square" rtlCol="0">
+                  <a:spAutoFit/>
+                </a:bodyPr>
+                <a:lstStyle/>
+                <a:p>
+                  <a14:m>
+                    <m:oMathPara xmlns:m="http://schemas.openxmlformats.org/officeDocument/2006/math">
+                      <m:oMathParaPr>
+                        <m:jc m:val="centerGroup"/>
+                      </m:oMathParaPr>
+                      <m:oMath xmlns:m="http://schemas.openxmlformats.org/officeDocument/2006/math">
+                        <m:r>
+                          <a:rPr lang="en-US" b="0" i="1" smtClean="0">
+                            <a:latin typeface="Cambria Math" panose="02040503050406030204" pitchFamily="18" charset="0"/>
+                          </a:rPr>
+                          <m:t>𝑧</m:t>
+                        </m:r>
+                      </m:oMath>
+                    </m:oMathPara>
+                  </a14:m>
+                  <a:endParaRPr lang="en-US" dirty="0"/>
+                </a:p>
+              </p:txBody>
+            </p:sp>
+          </mc:Choice>
+          <mc:Fallback>
+            <p:sp>
+              <p:nvSpPr>
+                <p:cNvPr id="7" name="TextBox 6">
+                  <a:extLst>
+                    <a:ext uri="{FF2B5EF4-FFF2-40B4-BE49-F238E27FC236}">
+                      <a16:creationId xmlns:a16="http://schemas.microsoft.com/office/drawing/2014/main" id="{A28E9434-8284-EE27-CC9C-AA7E8989DD1C}"/>
+                    </a:ext>
+                  </a:extLst>
+                </p:cNvPr>
+                <p:cNvSpPr txBox="1">
+                  <a:spLocks noRot="1" noChangeAspect="1" noMove="1" noResize="1" noEditPoints="1" noAdjustHandles="1" noChangeArrowheads="1" noChangeShapeType="1" noTextEdit="1"/>
+                </p:cNvSpPr>
+                <p:nvPr/>
+              </p:nvSpPr>
+              <p:spPr>
+                <a:xfrm>
+                  <a:off x="8535988" y="712561"/>
+                  <a:ext cx="304799" cy="369332"/>
+                </a:xfrm>
+                <a:prstGeom prst="rect">
+                  <a:avLst/>
+                </a:prstGeom>
+                <a:blipFill>
+                  <a:blip r:embed="rId3"/>
+                  <a:stretch>
+                    <a:fillRect/>
+                  </a:stretch>
+                </a:blipFill>
+              </p:spPr>
+              <p:txBody>
+                <a:bodyPr/>
+                <a:lstStyle/>
+                <a:p>
+                  <a:r>
+                    <a:rPr lang="en-US">
+                      <a:noFill/>
+                    </a:rPr>
+                    <a:t> </a:t>
+                  </a:r>
+                </a:p>
+              </p:txBody>
+            </p:sp>
+          </mc:Fallback>
+        </mc:AlternateContent>
+        <mc:AlternateContent xmlns:mc="http://schemas.openxmlformats.org/markup-compatibility/2006">
+          <mc:Choice xmlns:a14="http://schemas.microsoft.com/office/drawing/2010/main" Requires="a14">
+            <p:sp>
+              <p:nvSpPr>
+                <p:cNvPr id="8" name="TextBox 7">
+                  <a:extLst>
+                    <a:ext uri="{FF2B5EF4-FFF2-40B4-BE49-F238E27FC236}">
+                      <a16:creationId xmlns:a16="http://schemas.microsoft.com/office/drawing/2014/main" id="{27CCA5BD-AC4A-0C0E-47A7-127428640293}"/>
+                    </a:ext>
+                  </a:extLst>
+                </p:cNvPr>
+                <p:cNvSpPr txBox="1"/>
+                <p:nvPr/>
+              </p:nvSpPr>
+              <p:spPr>
+                <a:xfrm>
+                  <a:off x="7413624" y="388977"/>
+                  <a:ext cx="311150" cy="369332"/>
+                </a:xfrm>
+                <a:prstGeom prst="rect">
+                  <a:avLst/>
+                </a:prstGeom>
+                <a:noFill/>
+              </p:spPr>
+              <p:txBody>
+                <a:bodyPr wrap="square" rtlCol="0">
+                  <a:spAutoFit/>
+                </a:bodyPr>
+                <a:lstStyle/>
+                <a:p>
+                  <a14:m>
+                    <m:oMathPara xmlns:m="http://schemas.openxmlformats.org/officeDocument/2006/math">
+                      <m:oMathParaPr>
+                        <m:jc m:val="centerGroup"/>
+                      </m:oMathParaPr>
+                      <m:oMath xmlns:m="http://schemas.openxmlformats.org/officeDocument/2006/math">
+                        <m:sSub>
+                          <m:sSubPr>
+                            <m:ctrlPr>
+                              <a:rPr lang="en-US" b="0" i="1" smtClean="0">
+                                <a:latin typeface="Cambria Math" panose="02040503050406030204" pitchFamily="18" charset="0"/>
+                              </a:rPr>
+                            </m:ctrlPr>
+                          </m:sSubPr>
+                          <m:e>
+                            <m:r>
+                              <a:rPr lang="en-US" b="0" i="1" smtClean="0">
+                                <a:latin typeface="Cambria Math" panose="02040503050406030204" pitchFamily="18" charset="0"/>
+                              </a:rPr>
+                              <m:t>𝐵</m:t>
+                            </m:r>
+                          </m:e>
+                          <m:sub>
+                            <m:r>
+                              <a:rPr lang="en-US" b="0" i="1" smtClean="0">
+                                <a:latin typeface="Cambria Math" panose="02040503050406030204" pitchFamily="18" charset="0"/>
+                              </a:rPr>
+                              <m:t>0</m:t>
+                            </m:r>
+                          </m:sub>
+                        </m:sSub>
+                      </m:oMath>
+                    </m:oMathPara>
+                  </a14:m>
+                  <a:endParaRPr lang="en-US" dirty="0"/>
+                </a:p>
+              </p:txBody>
+            </p:sp>
+          </mc:Choice>
+          <mc:Fallback>
+            <p:sp>
+              <p:nvSpPr>
+                <p:cNvPr id="8" name="TextBox 7">
+                  <a:extLst>
+                    <a:ext uri="{FF2B5EF4-FFF2-40B4-BE49-F238E27FC236}">
+                      <a16:creationId xmlns:a16="http://schemas.microsoft.com/office/drawing/2014/main" id="{27CCA5BD-AC4A-0C0E-47A7-127428640293}"/>
+                    </a:ext>
+                  </a:extLst>
+                </p:cNvPr>
+                <p:cNvSpPr txBox="1">
+                  <a:spLocks noRot="1" noChangeAspect="1" noMove="1" noResize="1" noEditPoints="1" noAdjustHandles="1" noChangeArrowheads="1" noChangeShapeType="1" noTextEdit="1"/>
+                </p:cNvSpPr>
+                <p:nvPr/>
+              </p:nvSpPr>
+              <p:spPr>
+                <a:xfrm>
+                  <a:off x="7413624" y="388977"/>
+                  <a:ext cx="311150" cy="369332"/>
+                </a:xfrm>
+                <a:prstGeom prst="rect">
+                  <a:avLst/>
+                </a:prstGeom>
+                <a:blipFill>
+                  <a:blip r:embed="rId4"/>
+                  <a:stretch>
+                    <a:fillRect r="-25490"/>
+                  </a:stretch>
+                </a:blipFill>
+              </p:spPr>
+              <p:txBody>
+                <a:bodyPr/>
+                <a:lstStyle/>
+                <a:p>
+                  <a:r>
+                    <a:rPr lang="en-US">
+                      <a:noFill/>
+                    </a:rPr>
+                    <a:t> </a:t>
+                  </a:r>
+                </a:p>
+              </p:txBody>
+            </p:sp>
+          </mc:Fallback>
+        </mc:AlternateContent>
+        <p:grpSp>
+          <p:nvGrpSpPr>
+            <p:cNvPr id="9" name="Group 8">
+              <a:extLst>
+                <a:ext uri="{FF2B5EF4-FFF2-40B4-BE49-F238E27FC236}">
+                  <a16:creationId xmlns:a16="http://schemas.microsoft.com/office/drawing/2014/main" id="{8480D9FA-D98E-3F49-D7BA-2682083F102A}"/>
+                </a:ext>
+              </a:extLst>
+            </p:cNvPr>
+            <p:cNvGrpSpPr/>
+            <p:nvPr/>
+          </p:nvGrpSpPr>
+          <p:grpSpPr>
+            <a:xfrm>
+              <a:off x="7364412" y="887911"/>
+              <a:ext cx="127000" cy="129600"/>
+              <a:chOff x="6673850" y="1160249"/>
+              <a:chExt cx="127000" cy="129600"/>
+            </a:xfrm>
+          </p:grpSpPr>
+          <p:sp>
+            <p:nvSpPr>
+              <p:cNvPr id="11" name="Oval 10">
+                <a:extLst>
+                  <a:ext uri="{FF2B5EF4-FFF2-40B4-BE49-F238E27FC236}">
+                    <a16:creationId xmlns:a16="http://schemas.microsoft.com/office/drawing/2014/main" id="{C37DA6DF-1C0A-11C3-C8BF-6CA2DCFC0482}"/>
+                  </a:ext>
+                </a:extLst>
+              </p:cNvPr>
+              <p:cNvSpPr/>
+              <p:nvPr/>
+            </p:nvSpPr>
+            <p:spPr>
+              <a:xfrm>
+                <a:off x="6673850" y="1160249"/>
+                <a:ext cx="127000" cy="129600"/>
+              </a:xfrm>
+              <a:prstGeom prst="ellipse">
+                <a:avLst/>
+              </a:prstGeom>
+              <a:noFill/>
+            </p:spPr>
+            <p:style>
+              <a:lnRef idx="2">
+                <a:schemeClr val="accent1">
+                  <a:shade val="15000"/>
+                </a:schemeClr>
+              </a:lnRef>
+              <a:fillRef idx="1">
+                <a:schemeClr val="accent1"/>
+              </a:fillRef>
+              <a:effectRef idx="0">
+                <a:schemeClr val="accent1"/>
+              </a:effectRef>
+              <a:fontRef idx="minor">
+                <a:schemeClr val="lt1"/>
+              </a:fontRef>
+            </p:style>
+            <p:txBody>
+              <a:bodyPr rtlCol="0" anchor="ctr"/>
+              <a:lstStyle/>
+              <a:p>
+                <a:pPr algn="ctr"/>
+                <a:endParaRPr lang="en-US"/>
+              </a:p>
+            </p:txBody>
+          </p:sp>
+          <p:sp>
+            <p:nvSpPr>
+              <p:cNvPr id="12" name="Oval 11">
+                <a:extLst>
+                  <a:ext uri="{FF2B5EF4-FFF2-40B4-BE49-F238E27FC236}">
+                    <a16:creationId xmlns:a16="http://schemas.microsoft.com/office/drawing/2014/main" id="{42B8D4DC-D67C-6ECB-A9DA-2081D30EFA92}"/>
+                  </a:ext>
+                </a:extLst>
+              </p:cNvPr>
+              <p:cNvSpPr/>
+              <p:nvPr/>
+            </p:nvSpPr>
+            <p:spPr>
+              <a:xfrm>
+                <a:off x="6718300" y="1202189"/>
+                <a:ext cx="45719" cy="45719"/>
+              </a:xfrm>
+              <a:prstGeom prst="ellipse">
+                <a:avLst/>
+              </a:prstGeom>
+            </p:spPr>
+            <p:style>
+              <a:lnRef idx="2">
+                <a:schemeClr val="accent1">
+                  <a:shade val="15000"/>
+                </a:schemeClr>
+              </a:lnRef>
+              <a:fillRef idx="1">
+                <a:schemeClr val="accent1"/>
+              </a:fillRef>
+              <a:effectRef idx="0">
+                <a:schemeClr val="accent1"/>
+              </a:effectRef>
+              <a:fontRef idx="minor">
+                <a:schemeClr val="lt1"/>
+              </a:fontRef>
+            </p:style>
+            <p:txBody>
+              <a:bodyPr rtlCol="0" anchor="ctr"/>
+              <a:lstStyle/>
+              <a:p>
+                <a:pPr algn="ctr"/>
+                <a:endParaRPr lang="en-US"/>
+              </a:p>
+            </p:txBody>
+          </p:sp>
+        </p:grpSp>
+        <mc:AlternateContent xmlns:mc="http://schemas.openxmlformats.org/markup-compatibility/2006">
+          <mc:Choice xmlns:a14="http://schemas.microsoft.com/office/drawing/2010/main" Requires="a14">
+            <p:sp>
+              <p:nvSpPr>
+                <p:cNvPr id="10" name="TextBox 9">
+                  <a:extLst>
+                    <a:ext uri="{FF2B5EF4-FFF2-40B4-BE49-F238E27FC236}">
+                      <a16:creationId xmlns:a16="http://schemas.microsoft.com/office/drawing/2014/main" id="{E7BF1EFF-F760-49CD-875A-BDD7E36BD129}"/>
+                    </a:ext>
+                  </a:extLst>
+                </p:cNvPr>
+                <p:cNvSpPr txBox="1"/>
+                <p:nvPr/>
+              </p:nvSpPr>
+              <p:spPr>
+                <a:xfrm>
+                  <a:off x="7156449" y="985095"/>
+                  <a:ext cx="260350" cy="369332"/>
+                </a:xfrm>
+                <a:prstGeom prst="rect">
+                  <a:avLst/>
+                </a:prstGeom>
+                <a:noFill/>
+              </p:spPr>
+              <p:txBody>
+                <a:bodyPr wrap="square" rtlCol="0">
+                  <a:spAutoFit/>
+                </a:bodyPr>
+                <a:lstStyle/>
+                <a:p>
+                  <a14:m>
+                    <m:oMathPara xmlns:m="http://schemas.openxmlformats.org/officeDocument/2006/math">
+                      <m:oMathParaPr>
+                        <m:jc m:val="centerGroup"/>
+                      </m:oMathParaPr>
+                      <m:oMath xmlns:m="http://schemas.openxmlformats.org/officeDocument/2006/math">
+                        <m:sSub>
+                          <m:sSubPr>
+                            <m:ctrlPr>
+                              <a:rPr lang="en-US" b="0" i="1" smtClean="0">
+                                <a:latin typeface="Cambria Math" panose="02040503050406030204" pitchFamily="18" charset="0"/>
+                              </a:rPr>
+                            </m:ctrlPr>
+                          </m:sSubPr>
+                          <m:e>
+                            <m:r>
+                              <a:rPr lang="en-US" b="0" i="1" smtClean="0">
+                                <a:latin typeface="Cambria Math" panose="02040503050406030204" pitchFamily="18" charset="0"/>
+                              </a:rPr>
+                              <m:t>𝐸</m:t>
+                            </m:r>
+                          </m:e>
+                          <m:sub>
+                            <m:r>
+                              <a:rPr lang="en-US" b="0" i="1" smtClean="0">
+                                <a:latin typeface="Cambria Math" panose="02040503050406030204" pitchFamily="18" charset="0"/>
+                              </a:rPr>
+                              <m:t>𝑥</m:t>
+                            </m:r>
+                          </m:sub>
+                        </m:sSub>
+                      </m:oMath>
+                    </m:oMathPara>
+                  </a14:m>
+                  <a:endParaRPr lang="en-US" dirty="0"/>
+                </a:p>
+              </p:txBody>
+            </p:sp>
+          </mc:Choice>
+          <mc:Fallback>
+            <p:sp>
+              <p:nvSpPr>
+                <p:cNvPr id="10" name="TextBox 9">
+                  <a:extLst>
+                    <a:ext uri="{FF2B5EF4-FFF2-40B4-BE49-F238E27FC236}">
+                      <a16:creationId xmlns:a16="http://schemas.microsoft.com/office/drawing/2014/main" id="{E7BF1EFF-F760-49CD-875A-BDD7E36BD129}"/>
+                    </a:ext>
+                  </a:extLst>
+                </p:cNvPr>
+                <p:cNvSpPr txBox="1">
+                  <a:spLocks noRot="1" noChangeAspect="1" noMove="1" noResize="1" noEditPoints="1" noAdjustHandles="1" noChangeArrowheads="1" noChangeShapeType="1" noTextEdit="1"/>
+                </p:cNvSpPr>
+                <p:nvPr/>
+              </p:nvSpPr>
+              <p:spPr>
+                <a:xfrm>
+                  <a:off x="7156449" y="985095"/>
+                  <a:ext cx="260350" cy="369332"/>
+                </a:xfrm>
+                <a:prstGeom prst="rect">
+                  <a:avLst/>
+                </a:prstGeom>
+                <a:blipFill>
+                  <a:blip r:embed="rId5"/>
+                  <a:stretch>
+                    <a:fillRect r="-41860"/>
+                  </a:stretch>
+                </a:blipFill>
+              </p:spPr>
+              <p:txBody>
+                <a:bodyPr/>
+                <a:lstStyle/>
+                <a:p>
+                  <a:r>
+                    <a:rPr lang="en-US">
+                      <a:noFill/>
+                    </a:rPr>
+                    <a:t> </a:t>
+                  </a:r>
+                </a:p>
+              </p:txBody>
+            </p:sp>
+          </mc:Fallback>
+        </mc:AlternateContent>
+      </p:grpSp>
     </p:spTree>
     <p:extLst>
       <p:ext uri="{BB962C8B-B14F-4D97-AF65-F5344CB8AC3E}">

--- a/1D full wave simulation in magnetic plasma.pptx
+++ b/1D full wave simulation in magnetic plasma.pptx
@@ -5,26 +5,29 @@
     <p:sldMasterId id="2147483648" r:id="rId1"/>
   </p:sldMasterIdLst>
   <p:notesMasterIdLst>
-    <p:notesMasterId r:id="rId19"/>
+    <p:notesMasterId r:id="rId22"/>
   </p:notesMasterIdLst>
   <p:sldIdLst>
     <p:sldId id="256" r:id="rId2"/>
-    <p:sldId id="257" r:id="rId3"/>
-    <p:sldId id="258" r:id="rId4"/>
-    <p:sldId id="259" r:id="rId5"/>
-    <p:sldId id="260" r:id="rId6"/>
-    <p:sldId id="261" r:id="rId7"/>
-    <p:sldId id="262" r:id="rId8"/>
-    <p:sldId id="268" r:id="rId9"/>
-    <p:sldId id="267" r:id="rId10"/>
-    <p:sldId id="269" r:id="rId11"/>
-    <p:sldId id="263" r:id="rId12"/>
-    <p:sldId id="266" r:id="rId13"/>
-    <p:sldId id="265" r:id="rId14"/>
-    <p:sldId id="264" r:id="rId15"/>
-    <p:sldId id="272" r:id="rId16"/>
-    <p:sldId id="270" r:id="rId17"/>
-    <p:sldId id="271" r:id="rId18"/>
+    <p:sldId id="271" r:id="rId3"/>
+    <p:sldId id="257" r:id="rId4"/>
+    <p:sldId id="258" r:id="rId5"/>
+    <p:sldId id="259" r:id="rId6"/>
+    <p:sldId id="260" r:id="rId7"/>
+    <p:sldId id="261" r:id="rId8"/>
+    <p:sldId id="267" r:id="rId9"/>
+    <p:sldId id="269" r:id="rId10"/>
+    <p:sldId id="262" r:id="rId11"/>
+    <p:sldId id="268" r:id="rId12"/>
+    <p:sldId id="263" r:id="rId13"/>
+    <p:sldId id="266" r:id="rId14"/>
+    <p:sldId id="265" r:id="rId15"/>
+    <p:sldId id="264" r:id="rId16"/>
+    <p:sldId id="273" r:id="rId17"/>
+    <p:sldId id="274" r:id="rId18"/>
+    <p:sldId id="275" r:id="rId19"/>
+    <p:sldId id="270" r:id="rId20"/>
+    <p:sldId id="272" r:id="rId21"/>
   </p:sldIdLst>
   <p:sldSz cx="12192000" cy="6858000"/>
   <p:notesSz cx="6858000" cy="9144000"/>
@@ -213,7 +216,7 @@
           <a:p>
             <a:fld id="{C5DE7E22-804B-4E26-B4A3-C691BFFD7AE1}" type="datetimeFigureOut">
               <a:rPr lang="en-US" smtClean="0"/>
-              <a:t>9/8/2024</a:t>
+              <a:t>9/9/2024</a:t>
             </a:fld>
             <a:endParaRPr lang="en-US"/>
           </a:p>
@@ -571,7 +574,7 @@
           <a:p>
             <a:fld id="{18EEF4FD-46C4-4B33-AD3A-2756268525E1}" type="slidenum">
               <a:rPr lang="en-US" smtClean="0"/>
-              <a:t>6</a:t>
+              <a:t>7</a:t>
             </a:fld>
             <a:endParaRPr lang="en-US"/>
           </a:p>
@@ -737,7 +740,7 @@
           <a:p>
             <a:fld id="{C671B4A3-1C98-445D-9979-D615F6EB5AA5}" type="datetimeFigureOut">
               <a:rPr lang="en-US" smtClean="0"/>
-              <a:t>9/8/2024</a:t>
+              <a:t>9/9/2024</a:t>
             </a:fld>
             <a:endParaRPr lang="en-US"/>
           </a:p>
@@ -935,7 +938,7 @@
           <a:p>
             <a:fld id="{C671B4A3-1C98-445D-9979-D615F6EB5AA5}" type="datetimeFigureOut">
               <a:rPr lang="en-US" smtClean="0"/>
-              <a:t>9/8/2024</a:t>
+              <a:t>9/9/2024</a:t>
             </a:fld>
             <a:endParaRPr lang="en-US"/>
           </a:p>
@@ -1143,7 +1146,7 @@
           <a:p>
             <a:fld id="{C671B4A3-1C98-445D-9979-D615F6EB5AA5}" type="datetimeFigureOut">
               <a:rPr lang="en-US" smtClean="0"/>
-              <a:t>9/8/2024</a:t>
+              <a:t>9/9/2024</a:t>
             </a:fld>
             <a:endParaRPr lang="en-US"/>
           </a:p>
@@ -1341,7 +1344,7 @@
           <a:p>
             <a:fld id="{C671B4A3-1C98-445D-9979-D615F6EB5AA5}" type="datetimeFigureOut">
               <a:rPr lang="en-US" smtClean="0"/>
-              <a:t>9/8/2024</a:t>
+              <a:t>9/9/2024</a:t>
             </a:fld>
             <a:endParaRPr lang="en-US"/>
           </a:p>
@@ -1616,7 +1619,7 @@
           <a:p>
             <a:fld id="{C671B4A3-1C98-445D-9979-D615F6EB5AA5}" type="datetimeFigureOut">
               <a:rPr lang="en-US" smtClean="0"/>
-              <a:t>9/8/2024</a:t>
+              <a:t>9/9/2024</a:t>
             </a:fld>
             <a:endParaRPr lang="en-US"/>
           </a:p>
@@ -1881,7 +1884,7 @@
           <a:p>
             <a:fld id="{C671B4A3-1C98-445D-9979-D615F6EB5AA5}" type="datetimeFigureOut">
               <a:rPr lang="en-US" smtClean="0"/>
-              <a:t>9/8/2024</a:t>
+              <a:t>9/9/2024</a:t>
             </a:fld>
             <a:endParaRPr lang="en-US"/>
           </a:p>
@@ -2293,7 +2296,7 @@
           <a:p>
             <a:fld id="{C671B4A3-1C98-445D-9979-D615F6EB5AA5}" type="datetimeFigureOut">
               <a:rPr lang="en-US" smtClean="0"/>
-              <a:t>9/8/2024</a:t>
+              <a:t>9/9/2024</a:t>
             </a:fld>
             <a:endParaRPr lang="en-US"/>
           </a:p>
@@ -2434,7 +2437,7 @@
           <a:p>
             <a:fld id="{C671B4A3-1C98-445D-9979-D615F6EB5AA5}" type="datetimeFigureOut">
               <a:rPr lang="en-US" smtClean="0"/>
-              <a:t>9/8/2024</a:t>
+              <a:t>9/9/2024</a:t>
             </a:fld>
             <a:endParaRPr lang="en-US"/>
           </a:p>
@@ -2547,7 +2550,7 @@
           <a:p>
             <a:fld id="{C671B4A3-1C98-445D-9979-D615F6EB5AA5}" type="datetimeFigureOut">
               <a:rPr lang="en-US" smtClean="0"/>
-              <a:t>9/8/2024</a:t>
+              <a:t>9/9/2024</a:t>
             </a:fld>
             <a:endParaRPr lang="en-US"/>
           </a:p>
@@ -2858,7 +2861,7 @@
           <a:p>
             <a:fld id="{C671B4A3-1C98-445D-9979-D615F6EB5AA5}" type="datetimeFigureOut">
               <a:rPr lang="en-US" smtClean="0"/>
-              <a:t>9/8/2024</a:t>
+              <a:t>9/9/2024</a:t>
             </a:fld>
             <a:endParaRPr lang="en-US"/>
           </a:p>
@@ -3146,7 +3149,7 @@
           <a:p>
             <a:fld id="{C671B4A3-1C98-445D-9979-D615F6EB5AA5}" type="datetimeFigureOut">
               <a:rPr lang="en-US" smtClean="0"/>
-              <a:t>9/8/2024</a:t>
+              <a:t>9/9/2024</a:t>
             </a:fld>
             <a:endParaRPr lang="en-US"/>
           </a:p>
@@ -3387,7 +3390,7 @@
           <a:p>
             <a:fld id="{C671B4A3-1C98-445D-9979-D615F6EB5AA5}" type="datetimeFigureOut">
               <a:rPr lang="en-US" smtClean="0"/>
-              <a:t>9/8/2024</a:t>
+              <a:t>9/9/2024</a:t>
             </a:fld>
             <a:endParaRPr lang="en-US"/>
           </a:p>
@@ -3831,7 +3834,7 @@
             </a:r>
             <a:r>
               <a:rPr lang="en-US" altLang="zh-CN" dirty="0"/>
-              <a:t>full wave simulation in magnetic plasma</a:t>
+              <a:t>full wave simulation in magnetized plasma(cold)</a:t>
             </a:r>
             <a:endParaRPr lang="en-US" dirty="0"/>
           </a:p>
@@ -3901,12 +3904,123 @@
           <a:chExt cx="0" cy="0"/>
         </a:xfrm>
       </p:grpSpPr>
+      <p:sp>
+        <p:nvSpPr>
+          <p:cNvPr id="5" name="TextBox 4">
+            <a:extLst>
+              <a:ext uri="{FF2B5EF4-FFF2-40B4-BE49-F238E27FC236}">
+                <a16:creationId xmlns:a16="http://schemas.microsoft.com/office/drawing/2014/main" id="{282B9B30-7FE0-C4AD-98B0-219B69C35727}"/>
+              </a:ext>
+            </a:extLst>
+          </p:cNvPr>
+          <p:cNvSpPr txBox="1"/>
+          <p:nvPr/>
+        </p:nvSpPr>
+        <p:spPr>
+          <a:xfrm>
+            <a:off x="33976" y="58876"/>
+            <a:ext cx="2806700" cy="523220"/>
+          </a:xfrm>
+          <a:prstGeom prst="rect">
+            <a:avLst/>
+          </a:prstGeom>
+          <a:noFill/>
+        </p:spPr>
+        <p:txBody>
+          <a:bodyPr wrap="square" rtlCol="0">
+            <a:spAutoFit/>
+          </a:bodyPr>
+          <a:lstStyle/>
+          <a:p>
+            <a:r>
+              <a:rPr lang="en-US" sz="2800" dirty="0"/>
+              <a:t>Numerical  Test</a:t>
+            </a:r>
+          </a:p>
+        </p:txBody>
+      </p:sp>
+      <p:sp>
+        <p:nvSpPr>
+          <p:cNvPr id="6" name="TextBox 5">
+            <a:extLst>
+              <a:ext uri="{FF2B5EF4-FFF2-40B4-BE49-F238E27FC236}">
+                <a16:creationId xmlns:a16="http://schemas.microsoft.com/office/drawing/2014/main" id="{0962E79D-8CAE-AE0A-5F56-DA57E7E22D08}"/>
+              </a:ext>
+            </a:extLst>
+          </p:cNvPr>
+          <p:cNvSpPr txBox="1"/>
+          <p:nvPr/>
+        </p:nvSpPr>
+        <p:spPr>
+          <a:xfrm>
+            <a:off x="158750" y="582096"/>
+            <a:ext cx="5363852" cy="646331"/>
+          </a:xfrm>
+          <a:prstGeom prst="rect">
+            <a:avLst/>
+          </a:prstGeom>
+          <a:noFill/>
+        </p:spPr>
+        <p:txBody>
+          <a:bodyPr wrap="square" rtlCol="0">
+            <a:spAutoFit/>
+          </a:bodyPr>
+          <a:lstStyle/>
+          <a:p>
+            <a:r>
+              <a:rPr lang="en-US" dirty="0"/>
+              <a:t>X mode Cutoff Test(B DIRECTION)</a:t>
+            </a:r>
+          </a:p>
+          <a:p>
+            <a:r>
+              <a:rPr lang="en-US" dirty="0"/>
+              <a:t>Source frequency :30GHz</a:t>
+            </a:r>
+          </a:p>
+        </p:txBody>
+      </p:sp>
+      <p:sp>
+        <p:nvSpPr>
+          <p:cNvPr id="8" name="TextBox 7">
+            <a:extLst>
+              <a:ext uri="{FF2B5EF4-FFF2-40B4-BE49-F238E27FC236}">
+                <a16:creationId xmlns:a16="http://schemas.microsoft.com/office/drawing/2014/main" id="{E8D993FE-C042-C03B-CC29-4F757B2DAB89}"/>
+              </a:ext>
+            </a:extLst>
+          </p:cNvPr>
+          <p:cNvSpPr txBox="1"/>
+          <p:nvPr/>
+        </p:nvSpPr>
+        <p:spPr>
+          <a:xfrm>
+            <a:off x="2053850" y="5671142"/>
+            <a:ext cx="2090393" cy="369332"/>
+          </a:xfrm>
+          <a:prstGeom prst="rect">
+            <a:avLst/>
+          </a:prstGeom>
+          <a:noFill/>
+        </p:spPr>
+        <p:txBody>
+          <a:bodyPr wrap="square">
+            <a:spAutoFit/>
+          </a:bodyPr>
+          <a:lstStyle/>
+          <a:p>
+            <a:r>
+              <a:rPr lang="en-US" dirty="0"/>
+              <a:t>ne ,B distribution</a:t>
+            </a:r>
+          </a:p>
+        </p:txBody>
+      </p:sp>
       <p:pic>
         <p:nvPicPr>
-          <p:cNvPr id="7" name="Picture 6">
+          <p:cNvPr id="10" name="Picture 9">
             <a:extLst>
               <a:ext uri="{FF2B5EF4-FFF2-40B4-BE49-F238E27FC236}">
-                <a16:creationId xmlns:a16="http://schemas.microsoft.com/office/drawing/2014/main" id="{D4C034DE-F339-3D6F-42AB-380045695EF1}"/>
+                <a16:creationId xmlns:a16="http://schemas.microsoft.com/office/drawing/2014/main" id="{9DEC7F1A-7335-AF8B-F6EA-0E6188AEDD46}"/>
               </a:ext>
             </a:extLst>
           </p:cNvPr>
@@ -3923,8 +4037,230 @@
         </p:blipFill>
         <p:spPr>
           <a:xfrm>
-            <a:off x="3109869" y="1428750"/>
-            <a:ext cx="5334000" cy="4000500"/>
+            <a:off x="273469" y="1374089"/>
+            <a:ext cx="5363851" cy="4022888"/>
+          </a:xfrm>
+          <a:prstGeom prst="rect">
+            <a:avLst/>
+          </a:prstGeom>
+        </p:spPr>
+      </p:pic>
+      <p:grpSp>
+        <p:nvGrpSpPr>
+          <p:cNvPr id="18" name="Group 17">
+            <a:extLst>
+              <a:ext uri="{FF2B5EF4-FFF2-40B4-BE49-F238E27FC236}">
+                <a16:creationId xmlns:a16="http://schemas.microsoft.com/office/drawing/2014/main" id="{9C0F4926-5FEC-81B7-96FA-918BCE82DFC4}"/>
+              </a:ext>
+            </a:extLst>
+          </p:cNvPr>
+          <p:cNvGrpSpPr/>
+          <p:nvPr/>
+        </p:nvGrpSpPr>
+        <p:grpSpPr>
+          <a:xfrm>
+            <a:off x="5798634" y="1396391"/>
+            <a:ext cx="5687122" cy="3890233"/>
+            <a:chOff x="6096000" y="1788661"/>
+            <a:chExt cx="5334000" cy="4000500"/>
+          </a:xfrm>
+        </p:grpSpPr>
+        <p:pic>
+          <p:nvPicPr>
+            <p:cNvPr id="12" name="Picture 11">
+              <a:extLst>
+                <a:ext uri="{FF2B5EF4-FFF2-40B4-BE49-F238E27FC236}">
+                  <a16:creationId xmlns:a16="http://schemas.microsoft.com/office/drawing/2014/main" id="{2916DC2E-9617-EB04-A2F3-707E386C316B}"/>
+                </a:ext>
+              </a:extLst>
+            </p:cNvPr>
+            <p:cNvPicPr>
+              <a:picLocks noChangeAspect="1"/>
+            </p:cNvPicPr>
+            <p:nvPr/>
+          </p:nvPicPr>
+          <p:blipFill>
+            <a:blip r:embed="rId3"/>
+            <a:stretch>
+              <a:fillRect/>
+            </a:stretch>
+          </p:blipFill>
+          <p:spPr>
+            <a:xfrm>
+              <a:off x="6096000" y="1788661"/>
+              <a:ext cx="5334000" cy="4000500"/>
+            </a:xfrm>
+            <a:prstGeom prst="rect">
+              <a:avLst/>
+            </a:prstGeom>
+          </p:spPr>
+        </p:pic>
+        <p:cxnSp>
+          <p:nvCxnSpPr>
+            <p:cNvPr id="14" name="Straight Connector 13">
+              <a:extLst>
+                <a:ext uri="{FF2B5EF4-FFF2-40B4-BE49-F238E27FC236}">
+                  <a16:creationId xmlns:a16="http://schemas.microsoft.com/office/drawing/2014/main" id="{567C89A8-29CB-929D-5E84-50ACB15CA227}"/>
+                </a:ext>
+              </a:extLst>
+            </p:cNvPr>
+            <p:cNvCxnSpPr>
+              <a:cxnSpLocks/>
+            </p:cNvCxnSpPr>
+            <p:nvPr/>
+          </p:nvCxnSpPr>
+          <p:spPr>
+            <a:xfrm>
+              <a:off x="8531257" y="2092751"/>
+              <a:ext cx="0" cy="3205113"/>
+            </a:xfrm>
+            <a:prstGeom prst="line">
+              <a:avLst/>
+            </a:prstGeom>
+            <a:ln>
+              <a:prstDash val="dash"/>
+            </a:ln>
+          </p:spPr>
+          <p:style>
+            <a:lnRef idx="2">
+              <a:schemeClr val="dk1"/>
+            </a:lnRef>
+            <a:fillRef idx="0">
+              <a:schemeClr val="dk1"/>
+            </a:fillRef>
+            <a:effectRef idx="1">
+              <a:schemeClr val="dk1"/>
+            </a:effectRef>
+            <a:fontRef idx="minor">
+              <a:schemeClr val="tx1"/>
+            </a:fontRef>
+          </p:style>
+        </p:cxnSp>
+        <p:sp>
+          <p:nvSpPr>
+            <p:cNvPr id="17" name="TextBox 16">
+              <a:extLst>
+                <a:ext uri="{FF2B5EF4-FFF2-40B4-BE49-F238E27FC236}">
+                  <a16:creationId xmlns:a16="http://schemas.microsoft.com/office/drawing/2014/main" id="{51A7815D-137D-66CE-D5FA-75AA1B9FE4EB}"/>
+                </a:ext>
+              </a:extLst>
+            </p:cNvPr>
+            <p:cNvSpPr txBox="1"/>
+            <p:nvPr/>
+          </p:nvSpPr>
+          <p:spPr>
+            <a:xfrm>
+              <a:off x="8491256" y="2248888"/>
+              <a:ext cx="1699995" cy="436195"/>
+            </a:xfrm>
+            <a:prstGeom prst="rect">
+              <a:avLst/>
+            </a:prstGeom>
+            <a:noFill/>
+          </p:spPr>
+          <p:txBody>
+            <a:bodyPr wrap="square" rtlCol="0">
+              <a:spAutoFit/>
+            </a:bodyPr>
+            <a:lstStyle/>
+            <a:p>
+              <a:r>
+                <a:rPr lang="en-US" sz="1400" dirty="0"/>
+                <a:t>Cutoff layer</a:t>
+              </a:r>
+            </a:p>
+          </p:txBody>
+        </p:sp>
+      </p:grpSp>
+      <p:sp>
+        <p:nvSpPr>
+          <p:cNvPr id="21" name="TextBox 20">
+            <a:extLst>
+              <a:ext uri="{FF2B5EF4-FFF2-40B4-BE49-F238E27FC236}">
+                <a16:creationId xmlns:a16="http://schemas.microsoft.com/office/drawing/2014/main" id="{3869BF1E-1B65-6C42-244A-80B425267E35}"/>
+              </a:ext>
+            </a:extLst>
+          </p:cNvPr>
+          <p:cNvSpPr txBox="1"/>
+          <p:nvPr/>
+        </p:nvSpPr>
+        <p:spPr>
+          <a:xfrm>
+            <a:off x="6989457" y="5671142"/>
+            <a:ext cx="3713356" cy="369332"/>
+          </a:xfrm>
+          <a:prstGeom prst="rect">
+            <a:avLst/>
+          </a:prstGeom>
+          <a:noFill/>
+        </p:spPr>
+        <p:txBody>
+          <a:bodyPr wrap="square" rtlCol="0">
+            <a:spAutoFit/>
+          </a:bodyPr>
+          <a:lstStyle/>
+          <a:p>
+            <a:r>
+              <a:rPr lang="en-US" dirty="0"/>
+              <a:t>Characteristic frequency</a:t>
+            </a:r>
+          </a:p>
+        </p:txBody>
+      </p:sp>
+    </p:spTree>
+    <p:extLst>
+      <p:ext uri="{BB962C8B-B14F-4D97-AF65-F5344CB8AC3E}">
+        <p14:creationId xmlns:p14="http://schemas.microsoft.com/office/powerpoint/2010/main" val="266226785"/>
+      </p:ext>
+    </p:extLst>
+  </p:cSld>
+  <p:clrMapOvr>
+    <a:masterClrMapping/>
+  </p:clrMapOvr>
+</p:sld>
+</file>
+
+<file path=ppt/slides/slide11.xml><?xml version="1.0" encoding="utf-8"?>
+<p:sld xmlns:a="http://schemas.openxmlformats.org/drawingml/2006/main" xmlns:r="http://schemas.openxmlformats.org/officeDocument/2006/relationships" xmlns:p="http://schemas.openxmlformats.org/presentationml/2006/main">
+  <p:cSld>
+    <p:spTree>
+      <p:nvGrpSpPr>
+        <p:cNvPr id="1" name=""/>
+        <p:cNvGrpSpPr/>
+        <p:nvPr/>
+      </p:nvGrpSpPr>
+      <p:grpSpPr>
+        <a:xfrm>
+          <a:off x="0" y="0"/>
+          <a:ext cx="0" cy="0"/>
+          <a:chOff x="0" y="0"/>
+          <a:chExt cx="0" cy="0"/>
+        </a:xfrm>
+      </p:grpSpPr>
+      <p:pic>
+        <p:nvPicPr>
+          <p:cNvPr id="20" name="Picture 19">
+            <a:extLst>
+              <a:ext uri="{FF2B5EF4-FFF2-40B4-BE49-F238E27FC236}">
+                <a16:creationId xmlns:a16="http://schemas.microsoft.com/office/drawing/2014/main" id="{9883D34E-60B8-0C5D-1D03-565A6B6D2D76}"/>
+              </a:ext>
+            </a:extLst>
+          </p:cNvPr>
+          <p:cNvPicPr>
+            <a:picLocks noChangeAspect="1"/>
+          </p:cNvPicPr>
+          <p:nvPr/>
+        </p:nvPicPr>
+        <p:blipFill>
+          <a:blip r:embed="rId2"/>
+          <a:stretch>
+            <a:fillRect/>
+          </a:stretch>
+        </p:blipFill>
+        <p:spPr>
+          <a:xfrm>
+            <a:off x="2148179" y="599448"/>
+            <a:ext cx="6880219" cy="5160164"/>
           </a:xfrm>
           <a:prstGeom prst="rect">
             <a:avLst/>
@@ -3933,10 +4269,10 @@
       </p:pic>
       <p:sp>
         <p:nvSpPr>
-          <p:cNvPr id="2" name="TextBox 1">
+          <p:cNvPr id="4" name="TextBox 3">
             <a:extLst>
               <a:ext uri="{FF2B5EF4-FFF2-40B4-BE49-F238E27FC236}">
-                <a16:creationId xmlns:a16="http://schemas.microsoft.com/office/drawing/2014/main" id="{0B6BDF37-49A0-EA3D-1956-68C4F7655A2C}"/>
+                <a16:creationId xmlns:a16="http://schemas.microsoft.com/office/drawing/2014/main" id="{C8A1F661-0108-7560-3C64-550C004CE7C1}"/>
               </a:ext>
             </a:extLst>
           </p:cNvPr>
@@ -3966,10 +4302,155 @@
           </a:p>
         </p:txBody>
       </p:sp>
+      <p:sp>
+        <p:nvSpPr>
+          <p:cNvPr id="5" name="TextBox 4">
+            <a:extLst>
+              <a:ext uri="{FF2B5EF4-FFF2-40B4-BE49-F238E27FC236}">
+                <a16:creationId xmlns:a16="http://schemas.microsoft.com/office/drawing/2014/main" id="{6C4445A2-285D-9340-D761-F4DE0978029A}"/>
+              </a:ext>
+            </a:extLst>
+          </p:cNvPr>
+          <p:cNvSpPr txBox="1"/>
+          <p:nvPr/>
+        </p:nvSpPr>
+        <p:spPr>
+          <a:xfrm>
+            <a:off x="8817395" y="3321184"/>
+            <a:ext cx="2145978" cy="646331"/>
+          </a:xfrm>
+          <a:prstGeom prst="rect">
+            <a:avLst/>
+          </a:prstGeom>
+          <a:noFill/>
+        </p:spPr>
+        <p:txBody>
+          <a:bodyPr wrap="square" rtlCol="0">
+            <a:spAutoFit/>
+          </a:bodyPr>
+          <a:lstStyle/>
+          <a:p>
+            <a:r>
+              <a:rPr lang="en-US" dirty="0"/>
+              <a:t>The EMW is blocked at the cutoff layer</a:t>
+            </a:r>
+          </a:p>
+        </p:txBody>
+      </p:sp>
+      <p:sp>
+        <p:nvSpPr>
+          <p:cNvPr id="6" name="Rectangle 5">
+            <a:extLst>
+              <a:ext uri="{FF2B5EF4-FFF2-40B4-BE49-F238E27FC236}">
+                <a16:creationId xmlns:a16="http://schemas.microsoft.com/office/drawing/2014/main" id="{550CFF95-B534-4723-8BF4-2B484F85309A}"/>
+              </a:ext>
+            </a:extLst>
+          </p:cNvPr>
+          <p:cNvSpPr/>
+          <p:nvPr/>
+        </p:nvSpPr>
+        <p:spPr>
+          <a:xfrm>
+            <a:off x="3035010" y="968780"/>
+            <a:ext cx="339596" cy="4167100"/>
+          </a:xfrm>
+          <a:prstGeom prst="rect">
+            <a:avLst/>
+          </a:prstGeom>
+          <a:solidFill>
+            <a:srgbClr val="FFC000">
+              <a:alpha val="18000"/>
+            </a:srgbClr>
+          </a:solidFill>
+          <a:ln>
+            <a:noFill/>
+          </a:ln>
+        </p:spPr>
+        <p:style>
+          <a:lnRef idx="2">
+            <a:schemeClr val="accent1">
+              <a:shade val="50000"/>
+            </a:schemeClr>
+          </a:lnRef>
+          <a:fillRef idx="1">
+            <a:schemeClr val="accent1"/>
+          </a:fillRef>
+          <a:effectRef idx="0">
+            <a:schemeClr val="accent1"/>
+          </a:effectRef>
+          <a:fontRef idx="minor">
+            <a:schemeClr val="lt1"/>
+          </a:fontRef>
+        </p:style>
+        <p:txBody>
+          <a:bodyPr rtlCol="0" anchor="ctr"/>
+          <a:lstStyle/>
+          <a:p>
+            <a:pPr algn="ctr"/>
+            <a:endParaRPr lang="en-US"/>
+          </a:p>
+        </p:txBody>
+      </p:sp>
+      <p:sp>
+        <p:nvSpPr>
+          <p:cNvPr id="7" name="Rectangle 6">
+            <a:extLst>
+              <a:ext uri="{FF2B5EF4-FFF2-40B4-BE49-F238E27FC236}">
+                <a16:creationId xmlns:a16="http://schemas.microsoft.com/office/drawing/2014/main" id="{C8A81928-6F23-4DE7-81BC-9E27A9E287DE}"/>
+              </a:ext>
+            </a:extLst>
+          </p:cNvPr>
+          <p:cNvSpPr/>
+          <p:nvPr/>
+        </p:nvSpPr>
+        <p:spPr>
+          <a:xfrm>
+            <a:off x="3374606" y="968780"/>
+            <a:ext cx="4976914" cy="4167100"/>
+          </a:xfrm>
+          <a:prstGeom prst="rect">
+            <a:avLst/>
+          </a:prstGeom>
+          <a:solidFill>
+            <a:schemeClr val="accent6">
+              <a:lumMod val="60000"/>
+              <a:lumOff val="40000"/>
+              <a:alpha val="18000"/>
+            </a:schemeClr>
+          </a:solidFill>
+          <a:ln>
+            <a:noFill/>
+          </a:ln>
+        </p:spPr>
+        <p:style>
+          <a:lnRef idx="2">
+            <a:schemeClr val="accent1">
+              <a:shade val="50000"/>
+            </a:schemeClr>
+          </a:lnRef>
+          <a:fillRef idx="1">
+            <a:schemeClr val="accent1"/>
+          </a:fillRef>
+          <a:effectRef idx="0">
+            <a:schemeClr val="accent1"/>
+          </a:effectRef>
+          <a:fontRef idx="minor">
+            <a:schemeClr val="lt1"/>
+          </a:fontRef>
+        </p:style>
+        <p:txBody>
+          <a:bodyPr rtlCol="0" anchor="ctr"/>
+          <a:lstStyle/>
+          <a:p>
+            <a:pPr algn="ctr"/>
+            <a:endParaRPr lang="en-US"/>
+          </a:p>
+        </p:txBody>
+      </p:sp>
     </p:spTree>
     <p:extLst>
       <p:ext uri="{BB962C8B-B14F-4D97-AF65-F5344CB8AC3E}">
-        <p14:creationId xmlns:p14="http://schemas.microsoft.com/office/powerpoint/2010/main" val="3969964063"/>
+        <p14:creationId xmlns:p14="http://schemas.microsoft.com/office/powerpoint/2010/main" val="925342017"/>
       </p:ext>
     </p:extLst>
   </p:cSld>
@@ -3979,7 +4460,7 @@
 </p:sld>
 </file>
 
-<file path=ppt/slides/slide11.xml><?xml version="1.0" encoding="utf-8"?>
+<file path=ppt/slides/slide12.xml><?xml version="1.0" encoding="utf-8"?>
 <p:sld xmlns:a="http://schemas.openxmlformats.org/drawingml/2006/main" xmlns:r="http://schemas.openxmlformats.org/officeDocument/2006/relationships" xmlns:p="http://schemas.openxmlformats.org/presentationml/2006/main">
   <p:cSld>
     <p:spTree>
@@ -4212,8 +4693,8 @@
         </p:nvCxnSpPr>
         <p:spPr>
           <a:xfrm flipH="1">
-            <a:off x="2073207" y="3506771"/>
-            <a:ext cx="123238" cy="1731658"/>
+            <a:off x="2073207" y="4671060"/>
+            <a:ext cx="106113" cy="567369"/>
           </a:xfrm>
           <a:prstGeom prst="straightConnector1">
             <a:avLst/>
@@ -4224,13 +4705,13 @@
         </p:spPr>
         <p:style>
           <a:lnRef idx="2">
-            <a:schemeClr val="accent1"/>
+            <a:schemeClr val="dk1"/>
           </a:lnRef>
           <a:fillRef idx="0">
-            <a:schemeClr val="accent1"/>
+            <a:schemeClr val="dk1"/>
           </a:fillRef>
           <a:effectRef idx="1">
-            <a:schemeClr val="accent1"/>
+            <a:schemeClr val="dk1"/>
           </a:effectRef>
           <a:fontRef idx="minor">
             <a:schemeClr val="tx1"/>
@@ -4251,8 +4732,8 @@
         </p:nvSpPr>
         <p:spPr>
           <a:xfrm>
-            <a:off x="1847653" y="2941301"/>
-            <a:ext cx="2799761" cy="369332"/>
+            <a:off x="1789129" y="3786518"/>
+            <a:ext cx="1411271" cy="523220"/>
           </a:xfrm>
           <a:prstGeom prst="rect">
             <a:avLst/>
@@ -4266,51 +4747,12 @@
           <a:lstStyle/>
           <a:p>
             <a:r>
-              <a:rPr lang="en-US" dirty="0"/>
+              <a:rPr lang="en-US" sz="1400" dirty="0"/>
               <a:t>Launch a pulse from here</a:t>
             </a:r>
           </a:p>
         </p:txBody>
       </p:sp>
-      <p:cxnSp>
-        <p:nvCxnSpPr>
-          <p:cNvPr id="26" name="Straight Arrow Connector 25">
-            <a:extLst>
-              <a:ext uri="{FF2B5EF4-FFF2-40B4-BE49-F238E27FC236}">
-                <a16:creationId xmlns:a16="http://schemas.microsoft.com/office/drawing/2014/main" id="{579E657F-73C9-F3D6-6E59-28648D5A8E4D}"/>
-              </a:ext>
-            </a:extLst>
-          </p:cNvPr>
-          <p:cNvCxnSpPr/>
-          <p:nvPr/>
-        </p:nvCxnSpPr>
-        <p:spPr>
-          <a:xfrm flipV="1">
-            <a:off x="3176833" y="4581427"/>
-            <a:ext cx="534186" cy="1263192"/>
-          </a:xfrm>
-          <a:prstGeom prst="straightConnector1">
-            <a:avLst/>
-          </a:prstGeom>
-          <a:ln>
-            <a:tailEnd type="triangle"/>
-          </a:ln>
-        </p:spPr>
-        <p:style>
-          <a:lnRef idx="2">
-            <a:schemeClr val="accent1"/>
-          </a:lnRef>
-          <a:fillRef idx="0">
-            <a:schemeClr val="accent1"/>
-          </a:fillRef>
-          <a:effectRef idx="1">
-            <a:schemeClr val="accent1"/>
-          </a:effectRef>
-          <a:fontRef idx="minor">
-            <a:schemeClr val="tx1"/>
-          </a:fontRef>
-        </p:style>
-      </p:cxnSp>
       <p:sp>
         <p:nvSpPr>
           <p:cNvPr id="27" name="TextBox 26">
@@ -4325,7 +4767,7 @@
         </p:nvSpPr>
         <p:spPr>
           <a:xfrm>
-            <a:off x="2196445" y="5844619"/>
+            <a:off x="4042527" y="4010047"/>
             <a:ext cx="1743960" cy="369332"/>
           </a:xfrm>
           <a:prstGeom prst="rect">
@@ -4359,7 +4801,7 @@
 </p:sld>
 </file>
 
-<file path=ppt/slides/slide12.xml><?xml version="1.0" encoding="utf-8"?>
+<file path=ppt/slides/slide13.xml><?xml version="1.0" encoding="utf-8"?>
 <p:sld xmlns:a="http://schemas.openxmlformats.org/drawingml/2006/main" xmlns:r="http://schemas.openxmlformats.org/officeDocument/2006/relationships" xmlns:p="http://schemas.openxmlformats.org/presentationml/2006/main">
   <p:cSld>
     <p:spTree>
@@ -4673,7 +5115,7 @@
 </p:sld>
 </file>
 
-<file path=ppt/slides/slide13.xml><?xml version="1.0" encoding="utf-8"?>
+<file path=ppt/slides/slide14.xml><?xml version="1.0" encoding="utf-8"?>
 <p:sld xmlns:a="http://schemas.openxmlformats.org/drawingml/2006/main" xmlns:r="http://schemas.openxmlformats.org/officeDocument/2006/relationships" xmlns:p="http://schemas.openxmlformats.org/presentationml/2006/main">
   <p:cSld>
     <p:spTree>
@@ -4833,7 +5275,7 @@
 </p:sld>
 </file>
 
-<file path=ppt/slides/slide14.xml><?xml version="1.0" encoding="utf-8"?>
+<file path=ppt/slides/slide15.xml><?xml version="1.0" encoding="utf-8"?>
 <p:sld xmlns:a="http://schemas.openxmlformats.org/drawingml/2006/main" xmlns:r="http://schemas.openxmlformats.org/officeDocument/2006/relationships" xmlns:p="http://schemas.openxmlformats.org/presentationml/2006/main">
   <p:cSld>
     <p:spTree>
@@ -4993,7 +5435,7 @@
 </p:sld>
 </file>
 
-<file path=ppt/slides/slide15.xml><?xml version="1.0" encoding="utf-8"?>
+<file path=ppt/slides/slide16.xml><?xml version="1.0" encoding="utf-8"?>
 <p:sld xmlns:a="http://schemas.openxmlformats.org/drawingml/2006/main" xmlns:r="http://schemas.openxmlformats.org/officeDocument/2006/relationships" xmlns:p="http://schemas.openxmlformats.org/presentationml/2006/main">
   <p:cSld>
     <p:spTree>
@@ -5058,7 +5500,7 @@
 </p:sld>
 </file>
 
-<file path=ppt/slides/slide16.xml><?xml version="1.0" encoding="utf-8"?>
+<file path=ppt/slides/slide17.xml><?xml version="1.0" encoding="utf-8"?>
 <p:sld xmlns:a="http://schemas.openxmlformats.org/drawingml/2006/main" xmlns:r="http://schemas.openxmlformats.org/officeDocument/2006/relationships" xmlns:p="http://schemas.openxmlformats.org/presentationml/2006/main">
   <p:cSld>
     <p:spTree>
@@ -5105,8 +5547,8 @@
           </a:prstGeom>
         </p:spPr>
       </p:pic>
-      <mc:AlternateContent xmlns:mc="http://schemas.openxmlformats.org/markup-compatibility/2006">
-        <mc:Choice xmlns:a14="http://schemas.microsoft.com/office/drawing/2010/main" Requires="a14">
+      <mc:AlternateContent xmlns:mc="http://schemas.openxmlformats.org/markup-compatibility/2006" xmlns:a14="http://schemas.microsoft.com/office/drawing/2010/main">
+        <mc:Choice Requires="a14">
           <p:sp>
             <p:nvSpPr>
               <p:cNvPr id="6" name="TextBox 5">
@@ -5185,13 +5627,7 @@
                           <a:rPr lang="en-US" b="0" i="1" smtClean="0">
                             <a:latin typeface="Cambria Math" panose="02040503050406030204" pitchFamily="18" charset="0"/>
                           </a:rPr>
-                          <m:t>1</m:t>
-                        </m:r>
-                        <m:r>
-                          <a:rPr lang="en-US" b="0" i="1" smtClean="0">
-                            <a:latin typeface="Cambria Math" panose="02040503050406030204" pitchFamily="18" charset="0"/>
-                          </a:rPr>
-                          <m:t>×10</m:t>
+                          <m:t>1×10</m:t>
                         </m:r>
                       </m:e>
                       <m:sup>
@@ -5244,7 +5680,7 @@
             </p:txBody>
           </p:sp>
         </mc:Choice>
-        <mc:Fallback>
+        <mc:Fallback xmlns="">
           <p:sp>
             <p:nvSpPr>
               <p:cNvPr id="6" name="TextBox 5">
@@ -5319,8 +5755,8 @@
           </a:prstGeom>
         </p:spPr>
       </p:pic>
-      <mc:AlternateContent xmlns:mc="http://schemas.openxmlformats.org/markup-compatibility/2006">
-        <mc:Choice xmlns:a14="http://schemas.microsoft.com/office/drawing/2010/main" Requires="a14">
+      <mc:AlternateContent xmlns:mc="http://schemas.openxmlformats.org/markup-compatibility/2006" xmlns:a14="http://schemas.microsoft.com/office/drawing/2010/main">
+        <mc:Choice Requires="a14">
           <p:sp>
             <p:nvSpPr>
               <p:cNvPr id="9" name="TextBox 8">
@@ -5399,13 +5835,7 @@
                           <a:rPr lang="en-US" b="0" i="1" smtClean="0">
                             <a:latin typeface="Cambria Math" panose="02040503050406030204" pitchFamily="18" charset="0"/>
                           </a:rPr>
-                          <m:t>1</m:t>
-                        </m:r>
-                        <m:r>
-                          <a:rPr lang="en-US" b="0" i="1" smtClean="0">
-                            <a:latin typeface="Cambria Math" panose="02040503050406030204" pitchFamily="18" charset="0"/>
-                          </a:rPr>
-                          <m:t>×10</m:t>
+                          <m:t>1×10</m:t>
                         </m:r>
                       </m:e>
                       <m:sup>
@@ -5464,7 +5894,7 @@
             </p:txBody>
           </p:sp>
         </mc:Choice>
-        <mc:Fallback>
+        <mc:Fallback xmlns="">
           <p:sp>
             <p:nvSpPr>
               <p:cNvPr id="9" name="TextBox 8">
@@ -5609,8 +6039,8 @@
             </a:fontRef>
           </p:style>
         </p:cxnSp>
-        <mc:AlternateContent xmlns:mc="http://schemas.openxmlformats.org/markup-compatibility/2006">
-          <mc:Choice xmlns:a14="http://schemas.microsoft.com/office/drawing/2010/main" Requires="a14">
+        <mc:AlternateContent xmlns:mc="http://schemas.openxmlformats.org/markup-compatibility/2006" xmlns:a14="http://schemas.microsoft.com/office/drawing/2010/main">
+          <mc:Choice Requires="a14">
             <p:sp>
               <p:nvSpPr>
                 <p:cNvPr id="14" name="TextBox 13">
@@ -5639,6 +6069,7 @@
                 </a:bodyPr>
                 <a:lstStyle/>
                 <a:p>
+                  <a:pPr/>
                   <a14:m>
                     <m:oMathPara xmlns:m="http://schemas.openxmlformats.org/officeDocument/2006/math">
                       <m:oMathParaPr>
@@ -5659,7 +6090,7 @@
               </p:txBody>
             </p:sp>
           </mc:Choice>
-          <mc:Fallback>
+          <mc:Fallback xmlns="">
             <p:sp>
               <p:nvSpPr>
                 <p:cNvPr id="14" name="TextBox 13">
@@ -5704,8 +6135,8 @@
             </p:sp>
           </mc:Fallback>
         </mc:AlternateContent>
-        <mc:AlternateContent xmlns:mc="http://schemas.openxmlformats.org/markup-compatibility/2006">
-          <mc:Choice xmlns:a14="http://schemas.microsoft.com/office/drawing/2010/main" Requires="a14">
+        <mc:AlternateContent xmlns:mc="http://schemas.openxmlformats.org/markup-compatibility/2006" xmlns:a14="http://schemas.microsoft.com/office/drawing/2010/main">
+          <mc:Choice Requires="a14">
             <p:sp>
               <p:nvSpPr>
                 <p:cNvPr id="15" name="TextBox 14">
@@ -5734,6 +6165,7 @@
                 </a:bodyPr>
                 <a:lstStyle/>
                 <a:p>
+                  <a:pPr/>
                   <a14:m>
                     <m:oMathPara xmlns:m="http://schemas.openxmlformats.org/officeDocument/2006/math">
                       <m:oMathParaPr>
@@ -5773,7 +6205,7 @@
               </p:txBody>
             </p:sp>
           </mc:Choice>
-          <mc:Fallback>
+          <mc:Fallback xmlns="">
             <p:sp>
               <p:nvSpPr>
                 <p:cNvPr id="15" name="TextBox 14">
@@ -5932,8 +6364,8 @@
             </p:txBody>
           </p:sp>
         </p:grpSp>
-        <mc:AlternateContent xmlns:mc="http://schemas.openxmlformats.org/markup-compatibility/2006">
-          <mc:Choice xmlns:a14="http://schemas.microsoft.com/office/drawing/2010/main" Requires="a14">
+        <mc:AlternateContent xmlns:mc="http://schemas.openxmlformats.org/markup-compatibility/2006" xmlns:a14="http://schemas.microsoft.com/office/drawing/2010/main">
+          <mc:Choice Requires="a14">
             <p:sp>
               <p:nvSpPr>
                 <p:cNvPr id="19" name="TextBox 18">
@@ -5962,6 +6394,7 @@
                 </a:bodyPr>
                 <a:lstStyle/>
                 <a:p>
+                  <a:pPr/>
                   <a14:m>
                     <m:oMathPara xmlns:m="http://schemas.openxmlformats.org/officeDocument/2006/math">
                       <m:oMathParaPr>
@@ -6001,7 +6434,7 @@
               </p:txBody>
             </p:sp>
           </mc:Choice>
-          <mc:Fallback>
+          <mc:Fallback xmlns="">
             <p:sp>
               <p:nvSpPr>
                 <p:cNvPr id="19" name="TextBox 18">
@@ -6108,8 +6541,8 @@
             </a:fontRef>
           </p:style>
         </p:cxnSp>
-        <mc:AlternateContent xmlns:mc="http://schemas.openxmlformats.org/markup-compatibility/2006">
-          <mc:Choice xmlns:a14="http://schemas.microsoft.com/office/drawing/2010/main" Requires="a14">
+        <mc:AlternateContent xmlns:mc="http://schemas.openxmlformats.org/markup-compatibility/2006" xmlns:a14="http://schemas.microsoft.com/office/drawing/2010/main">
+          <mc:Choice Requires="a14">
             <p:sp>
               <p:nvSpPr>
                 <p:cNvPr id="25" name="TextBox 24">
@@ -6138,6 +6571,7 @@
                 </a:bodyPr>
                 <a:lstStyle/>
                 <a:p>
+                  <a:pPr/>
                   <a14:m>
                     <m:oMathPara xmlns:m="http://schemas.openxmlformats.org/officeDocument/2006/math">
                       <m:oMathParaPr>
@@ -6158,7 +6592,7 @@
               </p:txBody>
             </p:sp>
           </mc:Choice>
-          <mc:Fallback>
+          <mc:Fallback xmlns="">
             <p:sp>
               <p:nvSpPr>
                 <p:cNvPr id="25" name="TextBox 24">
@@ -6317,8 +6751,8 @@
             </p:txBody>
           </p:sp>
         </p:grpSp>
-        <mc:AlternateContent xmlns:mc="http://schemas.openxmlformats.org/markup-compatibility/2006">
-          <mc:Choice xmlns:a14="http://schemas.microsoft.com/office/drawing/2010/main" Requires="a14">
+        <mc:AlternateContent xmlns:mc="http://schemas.openxmlformats.org/markup-compatibility/2006" xmlns:a14="http://schemas.microsoft.com/office/drawing/2010/main">
+          <mc:Choice Requires="a14">
             <p:sp>
               <p:nvSpPr>
                 <p:cNvPr id="28" name="TextBox 27">
@@ -6347,6 +6781,7 @@
                 </a:bodyPr>
                 <a:lstStyle/>
                 <a:p>
+                  <a:pPr/>
                   <a14:m>
                     <m:oMathPara xmlns:m="http://schemas.openxmlformats.org/officeDocument/2006/math">
                       <m:oMathParaPr>
@@ -6386,7 +6821,7 @@
               </p:txBody>
             </p:sp>
           </mc:Choice>
-          <mc:Fallback>
+          <mc:Fallback xmlns="">
             <p:sp>
               <p:nvSpPr>
                 <p:cNvPr id="28" name="TextBox 27">
@@ -6445,7 +6880,7 @@
 </p:sld>
 </file>
 
-<file path=ppt/slides/slide17.xml><?xml version="1.0" encoding="utf-8"?>
+<file path=ppt/slides/slide18.xml><?xml version="1.0" encoding="utf-8"?>
 <p:sld xmlns:a="http://schemas.openxmlformats.org/drawingml/2006/main" xmlns:r="http://schemas.openxmlformats.org/officeDocument/2006/relationships" xmlns:p="http://schemas.openxmlformats.org/presentationml/2006/main">
   <p:cSld>
     <p:spTree>
@@ -6631,8 +7066,8 @@
               </a:fontRef>
             </p:style>
           </p:cxnSp>
-          <mc:AlternateContent xmlns:mc="http://schemas.openxmlformats.org/markup-compatibility/2006">
-            <mc:Choice xmlns:a14="http://schemas.microsoft.com/office/drawing/2010/main" Requires="a14">
+          <mc:AlternateContent xmlns:mc="http://schemas.openxmlformats.org/markup-compatibility/2006" xmlns:a14="http://schemas.microsoft.com/office/drawing/2010/main">
+            <mc:Choice Requires="a14">
               <p:sp>
                 <p:nvSpPr>
                   <p:cNvPr id="12" name="TextBox 11">
@@ -6661,6 +7096,7 @@
                   </a:bodyPr>
                   <a:lstStyle/>
                   <a:p>
+                    <a:pPr/>
                     <a14:m>
                       <m:oMathPara xmlns:m="http://schemas.openxmlformats.org/officeDocument/2006/math">
                         <m:oMathParaPr>
@@ -6681,7 +7117,7 @@
                 </p:txBody>
               </p:sp>
             </mc:Choice>
-            <mc:Fallback>
+            <mc:Fallback xmlns="">
               <p:sp>
                 <p:nvSpPr>
                   <p:cNvPr id="12" name="TextBox 11">
@@ -6726,8 +7162,8 @@
               </p:sp>
             </mc:Fallback>
           </mc:AlternateContent>
-          <mc:AlternateContent xmlns:mc="http://schemas.openxmlformats.org/markup-compatibility/2006">
-            <mc:Choice xmlns:a14="http://schemas.microsoft.com/office/drawing/2010/main" Requires="a14">
+          <mc:AlternateContent xmlns:mc="http://schemas.openxmlformats.org/markup-compatibility/2006" xmlns:a14="http://schemas.microsoft.com/office/drawing/2010/main">
+            <mc:Choice Requires="a14">
               <p:sp>
                 <p:nvSpPr>
                   <p:cNvPr id="13" name="TextBox 12">
@@ -6756,6 +7192,7 @@
                   </a:bodyPr>
                   <a:lstStyle/>
                   <a:p>
+                    <a:pPr/>
                     <a14:m>
                       <m:oMathPara xmlns:m="http://schemas.openxmlformats.org/officeDocument/2006/math">
                         <m:oMathParaPr>
@@ -6795,7 +7232,7 @@
                 </p:txBody>
               </p:sp>
             </mc:Choice>
-            <mc:Fallback>
+            <mc:Fallback xmlns="">
               <p:sp>
                 <p:nvSpPr>
                   <p:cNvPr id="13" name="TextBox 12">
@@ -6954,8 +7391,8 @@
               </p:txBody>
             </p:sp>
           </p:grpSp>
-          <mc:AlternateContent xmlns:mc="http://schemas.openxmlformats.org/markup-compatibility/2006">
-            <mc:Choice xmlns:a14="http://schemas.microsoft.com/office/drawing/2010/main" Requires="a14">
+          <mc:AlternateContent xmlns:mc="http://schemas.openxmlformats.org/markup-compatibility/2006" xmlns:a14="http://schemas.microsoft.com/office/drawing/2010/main">
+            <mc:Choice Requires="a14">
               <p:sp>
                 <p:nvSpPr>
                   <p:cNvPr id="15" name="TextBox 14">
@@ -6984,6 +7421,7 @@
                   </a:bodyPr>
                   <a:lstStyle/>
                   <a:p>
+                    <a:pPr/>
                     <a14:m>
                       <m:oMathPara xmlns:m="http://schemas.openxmlformats.org/officeDocument/2006/math">
                         <m:oMathParaPr>
@@ -7023,7 +7461,7 @@
                 </p:txBody>
               </p:sp>
             </mc:Choice>
-            <mc:Fallback>
+            <mc:Fallback xmlns="">
               <p:sp>
                 <p:nvSpPr>
                   <p:cNvPr id="15" name="TextBox 14">
@@ -7116,8 +7554,8 @@
             </a:p>
           </p:txBody>
         </p:sp>
-        <mc:AlternateContent xmlns:mc="http://schemas.openxmlformats.org/markup-compatibility/2006">
-          <mc:Choice xmlns:a14="http://schemas.microsoft.com/office/drawing/2010/main" Requires="a14">
+        <mc:AlternateContent xmlns:mc="http://schemas.openxmlformats.org/markup-compatibility/2006" xmlns:a14="http://schemas.microsoft.com/office/drawing/2010/main">
+          <mc:Choice Requires="a14">
             <p:sp>
               <p:nvSpPr>
                 <p:cNvPr id="20" name="TextBox 19">
@@ -7146,6 +7584,7 @@
                 </a:bodyPr>
                 <a:lstStyle/>
                 <a:p>
+                  <a:pPr/>
                   <a14:m>
                     <m:oMathPara xmlns:m="http://schemas.openxmlformats.org/officeDocument/2006/math">
                       <m:oMathParaPr>
@@ -7197,7 +7636,7 @@
               </p:txBody>
             </p:sp>
           </mc:Choice>
-          <mc:Fallback>
+          <mc:Fallback xmlns="">
             <p:sp>
               <p:nvSpPr>
                 <p:cNvPr id="20" name="TextBox 19">
@@ -7512,7 +7951,894 @@
 </p:sld>
 </file>
 
+<file path=ppt/slides/slide19.xml><?xml version="1.0" encoding="utf-8"?>
+<p:sld xmlns:a="http://schemas.openxmlformats.org/drawingml/2006/main" xmlns:r="http://schemas.openxmlformats.org/officeDocument/2006/relationships" xmlns:p="http://schemas.openxmlformats.org/presentationml/2006/main">
+  <p:cSld>
+    <p:spTree>
+      <p:nvGrpSpPr>
+        <p:cNvPr id="1" name=""/>
+        <p:cNvGrpSpPr/>
+        <p:nvPr/>
+      </p:nvGrpSpPr>
+      <p:grpSpPr>
+        <a:xfrm>
+          <a:off x="0" y="0"/>
+          <a:ext cx="0" cy="0"/>
+          <a:chOff x="0" y="0"/>
+          <a:chExt cx="0" cy="0"/>
+        </a:xfrm>
+      </p:grpSpPr>
+      <p:sp>
+        <p:nvSpPr>
+          <p:cNvPr id="2" name="TextBox 1">
+            <a:extLst>
+              <a:ext uri="{FF2B5EF4-FFF2-40B4-BE49-F238E27FC236}">
+                <a16:creationId xmlns:a16="http://schemas.microsoft.com/office/drawing/2014/main" id="{43F7EA92-FD0E-450E-ADE4-E96114BF14D7}"/>
+              </a:ext>
+            </a:extLst>
+          </p:cNvPr>
+          <p:cNvSpPr txBox="1"/>
+          <p:nvPr/>
+        </p:nvSpPr>
+        <p:spPr>
+          <a:xfrm>
+            <a:off x="350520" y="937260"/>
+            <a:ext cx="10988040" cy="646331"/>
+          </a:xfrm>
+          <a:prstGeom prst="rect">
+            <a:avLst/>
+          </a:prstGeom>
+          <a:noFill/>
+        </p:spPr>
+        <p:txBody>
+          <a:bodyPr wrap="square" rtlCol="0">
+            <a:spAutoFit/>
+          </a:bodyPr>
+          <a:lstStyle/>
+          <a:p>
+            <a:r>
+              <a:rPr lang="en-US" dirty="0"/>
+              <a:t>Next plans to do:</a:t>
+            </a:r>
+          </a:p>
+          <a:p>
+            <a:endParaRPr lang="en-US" dirty="0"/>
+          </a:p>
+        </p:txBody>
+      </p:sp>
+      <p:sp>
+        <p:nvSpPr>
+          <p:cNvPr id="4" name="Rectangle 3">
+            <a:extLst>
+              <a:ext uri="{FF2B5EF4-FFF2-40B4-BE49-F238E27FC236}">
+                <a16:creationId xmlns:a16="http://schemas.microsoft.com/office/drawing/2014/main" id="{14CDA713-3807-43CE-86EE-DF6CC4E0C0D3}"/>
+              </a:ext>
+            </a:extLst>
+          </p:cNvPr>
+          <p:cNvSpPr/>
+          <p:nvPr/>
+        </p:nvSpPr>
+        <p:spPr>
+          <a:xfrm>
+            <a:off x="640080" y="1758851"/>
+            <a:ext cx="8953500" cy="2031325"/>
+          </a:xfrm>
+          <a:prstGeom prst="rect">
+            <a:avLst/>
+          </a:prstGeom>
+        </p:spPr>
+        <p:txBody>
+          <a:bodyPr wrap="square">
+            <a:spAutoFit/>
+          </a:bodyPr>
+          <a:lstStyle/>
+          <a:p>
+            <a:endParaRPr lang="en-US" dirty="0"/>
+          </a:p>
+          <a:p>
+            <a:pPr marL="285750" indent="-285750">
+              <a:buFont typeface="Arial" panose="020B0604020202020204" pitchFamily="34" charset="0"/>
+              <a:buChar char="•"/>
+            </a:pPr>
+            <a:r>
+              <a:rPr lang="en-US" dirty="0"/>
+              <a:t>Analyze the mode conversion in the BEST tokamak: What is the polarization of the reflected wave when the X-mode is launched perpendicularly into the plasma?</a:t>
+            </a:r>
+          </a:p>
+          <a:p>
+            <a:pPr marL="285750" indent="-285750">
+              <a:buFont typeface="Arial" panose="020B0604020202020204" pitchFamily="34" charset="0"/>
+              <a:buChar char="•"/>
+            </a:pPr>
+            <a:r>
+              <a:rPr lang="en-US" dirty="0"/>
+              <a:t>Add density perturbation and plasma current to the J to include more detailed physical process.</a:t>
+            </a:r>
+          </a:p>
+          <a:p>
+            <a:pPr marL="285750" indent="-285750">
+              <a:buFont typeface="Arial" panose="020B0604020202020204" pitchFamily="34" charset="0"/>
+              <a:buChar char="•"/>
+            </a:pPr>
+            <a:r>
+              <a:rPr lang="en-US" dirty="0"/>
+              <a:t>Analyze the mode conversion of a laser in NSTX-U from the High-k scattering system.</a:t>
+            </a:r>
+          </a:p>
+          <a:p>
+            <a:pPr marL="285750" indent="-285750">
+              <a:buFont typeface="Arial" panose="020B0604020202020204" pitchFamily="34" charset="0"/>
+              <a:buChar char="•"/>
+            </a:pPr>
+            <a:r>
+              <a:rPr lang="en-US" dirty="0"/>
+              <a:t>Analyze the density measurement error caused by mode conversion in the FIRTIP system.</a:t>
+            </a:r>
+          </a:p>
+        </p:txBody>
+      </p:sp>
+    </p:spTree>
+    <p:extLst>
+      <p:ext uri="{BB962C8B-B14F-4D97-AF65-F5344CB8AC3E}">
+        <p14:creationId xmlns:p14="http://schemas.microsoft.com/office/powerpoint/2010/main" val="2131760745"/>
+      </p:ext>
+    </p:extLst>
+  </p:cSld>
+  <p:clrMapOvr>
+    <a:masterClrMapping/>
+  </p:clrMapOvr>
+</p:sld>
+</file>
+
 <file path=ppt/slides/slide2.xml><?xml version="1.0" encoding="utf-8"?>
+<p:sld xmlns:a="http://schemas.openxmlformats.org/drawingml/2006/main" xmlns:r="http://schemas.openxmlformats.org/officeDocument/2006/relationships" xmlns:p="http://schemas.openxmlformats.org/presentationml/2006/main">
+  <p:cSld>
+    <p:spTree>
+      <p:nvGrpSpPr>
+        <p:cNvPr id="1" name=""/>
+        <p:cNvGrpSpPr/>
+        <p:nvPr/>
+      </p:nvGrpSpPr>
+      <p:grpSpPr>
+        <a:xfrm>
+          <a:off x="0" y="0"/>
+          <a:ext cx="0" cy="0"/>
+          <a:chOff x="0" y="0"/>
+          <a:chExt cx="0" cy="0"/>
+        </a:xfrm>
+      </p:grpSpPr>
+      <p:sp>
+        <p:nvSpPr>
+          <p:cNvPr id="2" name="Title 1">
+            <a:extLst>
+              <a:ext uri="{FF2B5EF4-FFF2-40B4-BE49-F238E27FC236}">
+                <a16:creationId xmlns:a16="http://schemas.microsoft.com/office/drawing/2014/main" id="{D5AABFBC-E824-4D32-BF9C-588499964BFA}"/>
+              </a:ext>
+            </a:extLst>
+          </p:cNvPr>
+          <p:cNvSpPr>
+            <a:spLocks noGrp="1"/>
+          </p:cNvSpPr>
+          <p:nvPr>
+            <p:ph type="title"/>
+          </p:nvPr>
+        </p:nvSpPr>
+        <p:spPr/>
+        <p:txBody>
+          <a:bodyPr/>
+          <a:lstStyle/>
+          <a:p>
+            <a:r>
+              <a:rPr lang="en-US" dirty="0"/>
+              <a:t>Overview</a:t>
+            </a:r>
+          </a:p>
+        </p:txBody>
+      </p:sp>
+      <p:sp>
+        <p:nvSpPr>
+          <p:cNvPr id="3" name="Content Placeholder 2">
+            <a:extLst>
+              <a:ext uri="{FF2B5EF4-FFF2-40B4-BE49-F238E27FC236}">
+                <a16:creationId xmlns:a16="http://schemas.microsoft.com/office/drawing/2014/main" id="{B0E6021E-12D1-4340-A4B8-4BDCE8054BFC}"/>
+              </a:ext>
+            </a:extLst>
+          </p:cNvPr>
+          <p:cNvSpPr>
+            <a:spLocks noGrp="1"/>
+          </p:cNvSpPr>
+          <p:nvPr>
+            <p:ph idx="1"/>
+          </p:nvPr>
+        </p:nvSpPr>
+        <p:spPr/>
+        <p:txBody>
+          <a:bodyPr/>
+          <a:lstStyle/>
+          <a:p>
+            <a:r>
+              <a:rPr lang="en-US" dirty="0"/>
+              <a:t>Motivation</a:t>
+            </a:r>
+          </a:p>
+          <a:p>
+            <a:r>
+              <a:rPr lang="en-US" dirty="0"/>
+              <a:t>Update from Frequency region to Time region</a:t>
+            </a:r>
+          </a:p>
+          <a:p>
+            <a:r>
+              <a:rPr lang="en-US" dirty="0"/>
+              <a:t>Numerical Method</a:t>
+            </a:r>
+          </a:p>
+          <a:p>
+            <a:r>
+              <a:rPr lang="en-US" dirty="0"/>
+              <a:t>Numerical  Test</a:t>
+            </a:r>
+          </a:p>
+          <a:p>
+            <a:r>
+              <a:rPr lang="en-US" dirty="0"/>
+              <a:t>USPR simulation</a:t>
+            </a:r>
+          </a:p>
+          <a:p>
+            <a:r>
+              <a:rPr lang="en-US" dirty="0"/>
+              <a:t>Next Steps</a:t>
+            </a:r>
+          </a:p>
+          <a:p>
+            <a:endParaRPr lang="en-US" dirty="0"/>
+          </a:p>
+          <a:p>
+            <a:endParaRPr lang="en-US" dirty="0"/>
+          </a:p>
+        </p:txBody>
+      </p:sp>
+    </p:spTree>
+    <p:extLst>
+      <p:ext uri="{BB962C8B-B14F-4D97-AF65-F5344CB8AC3E}">
+        <p14:creationId xmlns:p14="http://schemas.microsoft.com/office/powerpoint/2010/main" val="2832935532"/>
+      </p:ext>
+    </p:extLst>
+  </p:cSld>
+  <p:clrMapOvr>
+    <a:masterClrMapping/>
+  </p:clrMapOvr>
+</p:sld>
+</file>
+
+<file path=ppt/slides/slide20.xml><?xml version="1.0" encoding="utf-8"?>
+<p:sld xmlns:a="http://schemas.openxmlformats.org/drawingml/2006/main" xmlns:r="http://schemas.openxmlformats.org/officeDocument/2006/relationships" xmlns:p="http://schemas.openxmlformats.org/presentationml/2006/main">
+  <p:cSld>
+    <p:spTree>
+      <p:nvGrpSpPr>
+        <p:cNvPr id="1" name=""/>
+        <p:cNvGrpSpPr/>
+        <p:nvPr/>
+      </p:nvGrpSpPr>
+      <p:grpSpPr>
+        <a:xfrm>
+          <a:off x="0" y="0"/>
+          <a:ext cx="0" cy="0"/>
+          <a:chOff x="0" y="0"/>
+          <a:chExt cx="0" cy="0"/>
+        </a:xfrm>
+      </p:grpSpPr>
+      <mc:AlternateContent xmlns:mc="http://schemas.openxmlformats.org/markup-compatibility/2006" xmlns:a14="http://schemas.microsoft.com/office/drawing/2010/main">
+        <mc:Choice Requires="a14">
+          <p:sp>
+            <p:nvSpPr>
+              <p:cNvPr id="2" name="Rectangle 1">
+                <a:extLst>
+                  <a:ext uri="{FF2B5EF4-FFF2-40B4-BE49-F238E27FC236}">
+                    <a16:creationId xmlns:a16="http://schemas.microsoft.com/office/drawing/2014/main" id="{D796420C-5773-453F-ADDD-700146F8EAA7}"/>
+                  </a:ext>
+                </a:extLst>
+              </p:cNvPr>
+              <p:cNvSpPr/>
+              <p:nvPr/>
+            </p:nvSpPr>
+            <p:spPr>
+              <a:xfrm>
+                <a:off x="782210" y="1077332"/>
+                <a:ext cx="8255110" cy="499560"/>
+              </a:xfrm>
+              <a:prstGeom prst="rect">
+                <a:avLst/>
+              </a:prstGeom>
+            </p:spPr>
+            <p:txBody>
+              <a:bodyPr wrap="square">
+                <a:spAutoFit/>
+              </a:bodyPr>
+              <a:lstStyle/>
+              <a:p>
+                <a14:m>
+                  <m:oMath xmlns:m="http://schemas.openxmlformats.org/officeDocument/2006/math">
+                    <m:f>
+                      <m:fPr>
+                        <m:ctrlPr>
+                          <a:rPr lang="en-US" i="1" smtClean="0">
+                            <a:latin typeface="Cambria Math" panose="02040503050406030204" pitchFamily="18" charset="0"/>
+                            <a:ea typeface="DengXian" panose="02010600030101010101" pitchFamily="2" charset="-122"/>
+                            <a:cs typeface="Times New Roman" panose="02020603050405020304" pitchFamily="18" charset="0"/>
+                          </a:rPr>
+                        </m:ctrlPr>
+                      </m:fPr>
+                      <m:num>
+                        <m:r>
+                          <a:rPr lang="en-US" i="1">
+                            <a:latin typeface="Cambria Math" panose="02040503050406030204" pitchFamily="18" charset="0"/>
+                            <a:ea typeface="DengXian" panose="02010600030101010101" pitchFamily="2" charset="-122"/>
+                            <a:cs typeface="Times New Roman" panose="02020603050405020304" pitchFamily="18" charset="0"/>
+                          </a:rPr>
+                          <m:t>𝜕</m:t>
+                        </m:r>
+                        <m:r>
+                          <a:rPr lang="en-US" i="1">
+                            <a:latin typeface="Cambria Math" panose="02040503050406030204" pitchFamily="18" charset="0"/>
+                            <a:ea typeface="DengXian" panose="02010600030101010101" pitchFamily="2" charset="-122"/>
+                            <a:cs typeface="Times New Roman" panose="02020603050405020304" pitchFamily="18" charset="0"/>
+                          </a:rPr>
+                          <m:t>𝐽</m:t>
+                        </m:r>
+                      </m:num>
+                      <m:den>
+                        <m:r>
+                          <a:rPr lang="en-US" i="1">
+                            <a:latin typeface="Cambria Math" panose="02040503050406030204" pitchFamily="18" charset="0"/>
+                            <a:ea typeface="DengXian" panose="02010600030101010101" pitchFamily="2" charset="-122"/>
+                            <a:cs typeface="Times New Roman" panose="02020603050405020304" pitchFamily="18" charset="0"/>
+                          </a:rPr>
+                          <m:t>𝜕</m:t>
+                        </m:r>
+                        <m:r>
+                          <a:rPr lang="en-US" i="1">
+                            <a:latin typeface="Cambria Math" panose="02040503050406030204" pitchFamily="18" charset="0"/>
+                            <a:ea typeface="DengXian" panose="02010600030101010101" pitchFamily="2" charset="-122"/>
+                            <a:cs typeface="Times New Roman" panose="02020603050405020304" pitchFamily="18" charset="0"/>
+                          </a:rPr>
+                          <m:t>𝑡</m:t>
+                        </m:r>
+                      </m:den>
+                    </m:f>
+                    <m:r>
+                      <a:rPr lang="en-US" i="1">
+                        <a:latin typeface="Cambria Math" panose="02040503050406030204" pitchFamily="18" charset="0"/>
+                        <a:ea typeface="DengXian" panose="02010600030101010101" pitchFamily="2" charset="-122"/>
+                        <a:cs typeface="Times New Roman" panose="02020603050405020304" pitchFamily="18" charset="0"/>
+                      </a:rPr>
+                      <m:t>=</m:t>
+                    </m:r>
+                    <m:sSub>
+                      <m:sSubPr>
+                        <m:ctrlPr>
+                          <a:rPr lang="en-US" i="1">
+                            <a:latin typeface="Cambria Math" panose="02040503050406030204" pitchFamily="18" charset="0"/>
+                            <a:ea typeface="DengXian" panose="02010600030101010101" pitchFamily="2" charset="-122"/>
+                            <a:cs typeface="Times New Roman" panose="02020603050405020304" pitchFamily="18" charset="0"/>
+                          </a:rPr>
+                        </m:ctrlPr>
+                      </m:sSubPr>
+                      <m:e>
+                        <m:r>
+                          <a:rPr lang="en-US" i="1">
+                            <a:latin typeface="Cambria Math" panose="02040503050406030204" pitchFamily="18" charset="0"/>
+                            <a:ea typeface="DengXian" panose="02010600030101010101" pitchFamily="2" charset="-122"/>
+                            <a:cs typeface="Times New Roman" panose="02020603050405020304" pitchFamily="18" charset="0"/>
+                          </a:rPr>
+                          <m:t>𝜔</m:t>
+                        </m:r>
+                      </m:e>
+                      <m:sub>
+                        <m:r>
+                          <a:rPr lang="en-US" i="1">
+                            <a:latin typeface="Cambria Math" panose="02040503050406030204" pitchFamily="18" charset="0"/>
+                            <a:ea typeface="DengXian" panose="02010600030101010101" pitchFamily="2" charset="-122"/>
+                            <a:cs typeface="Times New Roman" panose="02020603050405020304" pitchFamily="18" charset="0"/>
+                          </a:rPr>
+                          <m:t>𝑐𝑒</m:t>
+                        </m:r>
+                      </m:sub>
+                    </m:sSub>
+                    <m:r>
+                      <a:rPr lang="en-US" i="1">
+                        <a:latin typeface="Cambria Math" panose="02040503050406030204" pitchFamily="18" charset="0"/>
+                        <a:ea typeface="DengXian" panose="02010600030101010101" pitchFamily="2" charset="-122"/>
+                        <a:cs typeface="Times New Roman" panose="02020603050405020304" pitchFamily="18" charset="0"/>
+                      </a:rPr>
+                      <m:t>×</m:t>
+                    </m:r>
+                    <m:r>
+                      <a:rPr lang="en-US" i="1">
+                        <a:latin typeface="Cambria Math" panose="02040503050406030204" pitchFamily="18" charset="0"/>
+                        <a:ea typeface="DengXian" panose="02010600030101010101" pitchFamily="2" charset="-122"/>
+                        <a:cs typeface="Times New Roman" panose="02020603050405020304" pitchFamily="18" charset="0"/>
+                      </a:rPr>
+                      <m:t>𝐽</m:t>
+                    </m:r>
+                    <m:r>
+                      <a:rPr lang="en-US" i="1">
+                        <a:latin typeface="Cambria Math" panose="02040503050406030204" pitchFamily="18" charset="0"/>
+                        <a:ea typeface="DengXian" panose="02010600030101010101" pitchFamily="2" charset="-122"/>
+                        <a:cs typeface="Times New Roman" panose="02020603050405020304" pitchFamily="18" charset="0"/>
+                      </a:rPr>
+                      <m:t>+</m:t>
+                    </m:r>
+                    <m:sSub>
+                      <m:sSubPr>
+                        <m:ctrlPr>
+                          <a:rPr lang="en-US" i="1">
+                            <a:latin typeface="Cambria Math" panose="02040503050406030204" pitchFamily="18" charset="0"/>
+                            <a:ea typeface="DengXian" panose="02010600030101010101" pitchFamily="2" charset="-122"/>
+                            <a:cs typeface="Times New Roman" panose="02020603050405020304" pitchFamily="18" charset="0"/>
+                          </a:rPr>
+                        </m:ctrlPr>
+                      </m:sSubPr>
+                      <m:e>
+                        <m:r>
+                          <a:rPr lang="en-US" i="1">
+                            <a:latin typeface="Cambria Math" panose="02040503050406030204" pitchFamily="18" charset="0"/>
+                            <a:ea typeface="DengXian" panose="02010600030101010101" pitchFamily="2" charset="-122"/>
+                            <a:cs typeface="Times New Roman" panose="02020603050405020304" pitchFamily="18" charset="0"/>
+                          </a:rPr>
+                          <m:t>𝜖</m:t>
+                        </m:r>
+                      </m:e>
+                      <m:sub>
+                        <m:r>
+                          <a:rPr lang="en-US" i="1">
+                            <a:latin typeface="Cambria Math" panose="02040503050406030204" pitchFamily="18" charset="0"/>
+                            <a:ea typeface="DengXian" panose="02010600030101010101" pitchFamily="2" charset="-122"/>
+                            <a:cs typeface="Times New Roman" panose="02020603050405020304" pitchFamily="18" charset="0"/>
+                          </a:rPr>
+                          <m:t>𝑜</m:t>
+                        </m:r>
+                      </m:sub>
+                    </m:sSub>
+                    <m:sSubSup>
+                      <m:sSubSupPr>
+                        <m:ctrlPr>
+                          <a:rPr lang="en-US" i="1">
+                            <a:latin typeface="Cambria Math" panose="02040503050406030204" pitchFamily="18" charset="0"/>
+                            <a:ea typeface="DengXian" panose="02010600030101010101" pitchFamily="2" charset="-122"/>
+                            <a:cs typeface="Times New Roman" panose="02020603050405020304" pitchFamily="18" charset="0"/>
+                          </a:rPr>
+                        </m:ctrlPr>
+                      </m:sSubSupPr>
+                      <m:e>
+                        <m:r>
+                          <a:rPr lang="en-US" i="1">
+                            <a:latin typeface="Cambria Math" panose="02040503050406030204" pitchFamily="18" charset="0"/>
+                            <a:ea typeface="DengXian" panose="02010600030101010101" pitchFamily="2" charset="-122"/>
+                            <a:cs typeface="Times New Roman" panose="02020603050405020304" pitchFamily="18" charset="0"/>
+                          </a:rPr>
+                          <m:t>𝜔</m:t>
+                        </m:r>
+                      </m:e>
+                      <m:sub>
+                        <m:r>
+                          <a:rPr lang="en-US" i="1">
+                            <a:latin typeface="Cambria Math" panose="02040503050406030204" pitchFamily="18" charset="0"/>
+                            <a:ea typeface="DengXian" panose="02010600030101010101" pitchFamily="2" charset="-122"/>
+                            <a:cs typeface="Times New Roman" panose="02020603050405020304" pitchFamily="18" charset="0"/>
+                          </a:rPr>
+                          <m:t>𝑝𝑒</m:t>
+                        </m:r>
+                      </m:sub>
+                      <m:sup>
+                        <m:r>
+                          <a:rPr lang="en-US" i="1">
+                            <a:latin typeface="Cambria Math" panose="02040503050406030204" pitchFamily="18" charset="0"/>
+                            <a:ea typeface="DengXian" panose="02010600030101010101" pitchFamily="2" charset="-122"/>
+                            <a:cs typeface="Times New Roman" panose="02020603050405020304" pitchFamily="18" charset="0"/>
+                          </a:rPr>
+                          <m:t>2</m:t>
+                        </m:r>
+                      </m:sup>
+                    </m:sSubSup>
+                    <m:r>
+                      <a:rPr lang="en-US" i="1">
+                        <a:latin typeface="Cambria Math" panose="02040503050406030204" pitchFamily="18" charset="0"/>
+                        <a:ea typeface="DengXian" panose="02010600030101010101" pitchFamily="2" charset="-122"/>
+                        <a:cs typeface="Times New Roman" panose="02020603050405020304" pitchFamily="18" charset="0"/>
+                      </a:rPr>
+                      <m:t>𝐸</m:t>
+                    </m:r>
+                    <m:r>
+                      <a:rPr lang="en-US" i="1">
+                        <a:latin typeface="Cambria Math" panose="02040503050406030204" pitchFamily="18" charset="0"/>
+                        <a:ea typeface="DengXian" panose="02010600030101010101" pitchFamily="2" charset="-122"/>
+                        <a:cs typeface="Times New Roman" panose="02020603050405020304" pitchFamily="18" charset="0"/>
+                      </a:rPr>
+                      <m:t>−</m:t>
+                    </m:r>
+                    <m:r>
+                      <a:rPr lang="en-US" i="1">
+                        <a:latin typeface="Cambria Math" panose="02040503050406030204" pitchFamily="18" charset="0"/>
+                        <a:ea typeface="DengXian" panose="02010600030101010101" pitchFamily="2" charset="-122"/>
+                        <a:cs typeface="Times New Roman" panose="02020603050405020304" pitchFamily="18" charset="0"/>
+                      </a:rPr>
+                      <m:t>𝜈</m:t>
+                    </m:r>
+                    <m:r>
+                      <a:rPr lang="en-US" i="1">
+                        <a:latin typeface="Cambria Math" panose="02040503050406030204" pitchFamily="18" charset="0"/>
+                        <a:ea typeface="DengXian" panose="02010600030101010101" pitchFamily="2" charset="-122"/>
+                        <a:cs typeface="Times New Roman" panose="02020603050405020304" pitchFamily="18" charset="0"/>
+                      </a:rPr>
+                      <m:t>𝐽</m:t>
+                    </m:r>
+                    <m:r>
+                      <a:rPr lang="en-US" b="0" i="1" smtClean="0">
+                        <a:latin typeface="Cambria Math" panose="02040503050406030204" pitchFamily="18" charset="0"/>
+                        <a:ea typeface="DengXian" panose="02010600030101010101" pitchFamily="2" charset="-122"/>
+                        <a:cs typeface="Times New Roman" panose="02020603050405020304" pitchFamily="18" charset="0"/>
+                      </a:rPr>
+                      <m:t>=</m:t>
+                    </m:r>
+                    <m:d>
+                      <m:dPr>
+                        <m:ctrlPr>
+                          <a:rPr lang="en-US" b="0" i="1" smtClean="0">
+                            <a:latin typeface="Cambria Math" panose="02040503050406030204" pitchFamily="18" charset="0"/>
+                            <a:ea typeface="DengXian" panose="02010600030101010101" pitchFamily="2" charset="-122"/>
+                            <a:cs typeface="Times New Roman" panose="02020603050405020304" pitchFamily="18" charset="0"/>
+                          </a:rPr>
+                        </m:ctrlPr>
+                      </m:dPr>
+                      <m:e>
+                        <m:sSub>
+                          <m:sSubPr>
+                            <m:ctrlPr>
+                              <a:rPr lang="en-US" i="1">
+                                <a:latin typeface="Cambria Math" panose="02040503050406030204" pitchFamily="18" charset="0"/>
+                                <a:ea typeface="DengXian" panose="02010600030101010101" pitchFamily="2" charset="-122"/>
+                                <a:cs typeface="Times New Roman" panose="02020603050405020304" pitchFamily="18" charset="0"/>
+                              </a:rPr>
+                            </m:ctrlPr>
+                          </m:sSubPr>
+                          <m:e>
+                            <m:r>
+                              <a:rPr lang="en-US" i="1">
+                                <a:latin typeface="Cambria Math" panose="02040503050406030204" pitchFamily="18" charset="0"/>
+                                <a:ea typeface="DengXian" panose="02010600030101010101" pitchFamily="2" charset="-122"/>
+                                <a:cs typeface="Times New Roman" panose="02020603050405020304" pitchFamily="18" charset="0"/>
+                              </a:rPr>
+                              <m:t>𝜔</m:t>
+                            </m:r>
+                          </m:e>
+                          <m:sub>
+                            <m:r>
+                              <a:rPr lang="en-US" i="1">
+                                <a:latin typeface="Cambria Math" panose="02040503050406030204" pitchFamily="18" charset="0"/>
+                                <a:ea typeface="DengXian" panose="02010600030101010101" pitchFamily="2" charset="-122"/>
+                                <a:cs typeface="Times New Roman" panose="02020603050405020304" pitchFamily="18" charset="0"/>
+                              </a:rPr>
+                              <m:t>𝑐𝑒</m:t>
+                            </m:r>
+                            <m:r>
+                              <a:rPr lang="en-US" b="0" i="1" smtClean="0">
+                                <a:latin typeface="Cambria Math" panose="02040503050406030204" pitchFamily="18" charset="0"/>
+                                <a:ea typeface="DengXian" panose="02010600030101010101" pitchFamily="2" charset="-122"/>
+                                <a:cs typeface="Times New Roman" panose="02020603050405020304" pitchFamily="18" charset="0"/>
+                              </a:rPr>
+                              <m:t>0</m:t>
+                            </m:r>
+                          </m:sub>
+                        </m:sSub>
+                        <m:r>
+                          <a:rPr lang="en-US" b="0" i="1" smtClean="0">
+                            <a:latin typeface="Cambria Math" panose="02040503050406030204" pitchFamily="18" charset="0"/>
+                            <a:ea typeface="DengXian" panose="02010600030101010101" pitchFamily="2" charset="-122"/>
+                            <a:cs typeface="Times New Roman" panose="02020603050405020304" pitchFamily="18" charset="0"/>
+                          </a:rPr>
+                          <m:t>+</m:t>
+                        </m:r>
+                        <m:sSub>
+                          <m:sSubPr>
+                            <m:ctrlPr>
+                              <a:rPr lang="en-US" b="0" i="1" smtClean="0">
+                                <a:latin typeface="Cambria Math" panose="02040503050406030204" pitchFamily="18" charset="0"/>
+                                <a:ea typeface="DengXian" panose="02010600030101010101" pitchFamily="2" charset="-122"/>
+                                <a:cs typeface="Times New Roman" panose="02020603050405020304" pitchFamily="18" charset="0"/>
+                              </a:rPr>
+                            </m:ctrlPr>
+                          </m:sSubPr>
+                          <m:e>
+                            <m:r>
+                              <a:rPr lang="en-US" b="0" i="1" smtClean="0">
+                                <a:latin typeface="Cambria Math" panose="02040503050406030204" pitchFamily="18" charset="0"/>
+                                <a:ea typeface="DengXian" panose="02010600030101010101" pitchFamily="2" charset="-122"/>
+                                <a:cs typeface="Times New Roman" panose="02020603050405020304" pitchFamily="18" charset="0"/>
+                              </a:rPr>
+                              <m:t>𝜔</m:t>
+                            </m:r>
+                          </m:e>
+                          <m:sub>
+                            <m:r>
+                              <a:rPr lang="en-US" b="0" i="1" smtClean="0">
+                                <a:latin typeface="Cambria Math" panose="02040503050406030204" pitchFamily="18" charset="0"/>
+                                <a:ea typeface="DengXian" panose="02010600030101010101" pitchFamily="2" charset="-122"/>
+                                <a:cs typeface="Times New Roman" panose="02020603050405020304" pitchFamily="18" charset="0"/>
+                              </a:rPr>
+                              <m:t>𝑐𝑒𝐵</m:t>
+                            </m:r>
+                          </m:sub>
+                        </m:sSub>
+                      </m:e>
+                    </m:d>
+                    <m:r>
+                      <a:rPr lang="en-US" b="0" i="1" smtClean="0">
+                        <a:latin typeface="Cambria Math" panose="02040503050406030204" pitchFamily="18" charset="0"/>
+                        <a:ea typeface="DengXian" panose="02010600030101010101" pitchFamily="2" charset="-122"/>
+                        <a:cs typeface="Times New Roman" panose="02020603050405020304" pitchFamily="18" charset="0"/>
+                      </a:rPr>
+                      <m:t>×</m:t>
+                    </m:r>
+                    <m:r>
+                      <a:rPr lang="en-US" b="0" i="1" smtClean="0">
+                        <a:latin typeface="Cambria Math" panose="02040503050406030204" pitchFamily="18" charset="0"/>
+                        <a:ea typeface="DengXian" panose="02010600030101010101" pitchFamily="2" charset="-122"/>
+                        <a:cs typeface="Times New Roman" panose="02020603050405020304" pitchFamily="18" charset="0"/>
+                      </a:rPr>
+                      <m:t>𝐽</m:t>
+                    </m:r>
+                    <m:r>
+                      <a:rPr lang="en-US" b="0" i="1" smtClean="0">
+                        <a:latin typeface="Cambria Math" panose="02040503050406030204" pitchFamily="18" charset="0"/>
+                        <a:ea typeface="DengXian" panose="02010600030101010101" pitchFamily="2" charset="-122"/>
+                        <a:cs typeface="Times New Roman" panose="02020603050405020304" pitchFamily="18" charset="0"/>
+                      </a:rPr>
+                      <m:t>+</m:t>
+                    </m:r>
+                    <m:sSub>
+                      <m:sSubPr>
+                        <m:ctrlPr>
+                          <a:rPr lang="en-US" i="1">
+                            <a:latin typeface="Cambria Math" panose="02040503050406030204" pitchFamily="18" charset="0"/>
+                            <a:ea typeface="DengXian" panose="02010600030101010101" pitchFamily="2" charset="-122"/>
+                            <a:cs typeface="Times New Roman" panose="02020603050405020304" pitchFamily="18" charset="0"/>
+                          </a:rPr>
+                        </m:ctrlPr>
+                      </m:sSubPr>
+                      <m:e>
+                        <m:r>
+                          <a:rPr lang="en-US" i="1">
+                            <a:latin typeface="Cambria Math" panose="02040503050406030204" pitchFamily="18" charset="0"/>
+                            <a:ea typeface="DengXian" panose="02010600030101010101" pitchFamily="2" charset="-122"/>
+                            <a:cs typeface="Times New Roman" panose="02020603050405020304" pitchFamily="18" charset="0"/>
+                          </a:rPr>
+                          <m:t>𝜖</m:t>
+                        </m:r>
+                      </m:e>
+                      <m:sub>
+                        <m:r>
+                          <a:rPr lang="en-US" i="1">
+                            <a:latin typeface="Cambria Math" panose="02040503050406030204" pitchFamily="18" charset="0"/>
+                            <a:ea typeface="DengXian" panose="02010600030101010101" pitchFamily="2" charset="-122"/>
+                            <a:cs typeface="Times New Roman" panose="02020603050405020304" pitchFamily="18" charset="0"/>
+                          </a:rPr>
+                          <m:t>𝑜</m:t>
+                        </m:r>
+                      </m:sub>
+                    </m:sSub>
+                    <m:sSubSup>
+                      <m:sSubSupPr>
+                        <m:ctrlPr>
+                          <a:rPr lang="en-US" i="1">
+                            <a:latin typeface="Cambria Math" panose="02040503050406030204" pitchFamily="18" charset="0"/>
+                            <a:ea typeface="DengXian" panose="02010600030101010101" pitchFamily="2" charset="-122"/>
+                            <a:cs typeface="Times New Roman" panose="02020603050405020304" pitchFamily="18" charset="0"/>
+                          </a:rPr>
+                        </m:ctrlPr>
+                      </m:sSubSupPr>
+                      <m:e>
+                        <m:r>
+                          <a:rPr lang="en-US" i="1">
+                            <a:latin typeface="Cambria Math" panose="02040503050406030204" pitchFamily="18" charset="0"/>
+                            <a:ea typeface="DengXian" panose="02010600030101010101" pitchFamily="2" charset="-122"/>
+                            <a:cs typeface="Times New Roman" panose="02020603050405020304" pitchFamily="18" charset="0"/>
+                          </a:rPr>
+                          <m:t>𝜔</m:t>
+                        </m:r>
+                      </m:e>
+                      <m:sub>
+                        <m:r>
+                          <a:rPr lang="en-US" i="1">
+                            <a:latin typeface="Cambria Math" panose="02040503050406030204" pitchFamily="18" charset="0"/>
+                            <a:ea typeface="DengXian" panose="02010600030101010101" pitchFamily="2" charset="-122"/>
+                            <a:cs typeface="Times New Roman" panose="02020603050405020304" pitchFamily="18" charset="0"/>
+                          </a:rPr>
+                          <m:t>𝑝𝑒</m:t>
+                        </m:r>
+                      </m:sub>
+                      <m:sup>
+                        <m:r>
+                          <a:rPr lang="en-US" i="1">
+                            <a:latin typeface="Cambria Math" panose="02040503050406030204" pitchFamily="18" charset="0"/>
+                            <a:ea typeface="DengXian" panose="02010600030101010101" pitchFamily="2" charset="-122"/>
+                            <a:cs typeface="Times New Roman" panose="02020603050405020304" pitchFamily="18" charset="0"/>
+                          </a:rPr>
+                          <m:t>2</m:t>
+                        </m:r>
+                      </m:sup>
+                    </m:sSubSup>
+                    <m:r>
+                      <a:rPr lang="en-US" i="1">
+                        <a:latin typeface="Cambria Math" panose="02040503050406030204" pitchFamily="18" charset="0"/>
+                        <a:ea typeface="DengXian" panose="02010600030101010101" pitchFamily="2" charset="-122"/>
+                        <a:cs typeface="Times New Roman" panose="02020603050405020304" pitchFamily="18" charset="0"/>
+                      </a:rPr>
+                      <m:t>𝐸</m:t>
+                    </m:r>
+                  </m:oMath>
+                </a14:m>
+                <a:r>
+                  <a:rPr lang="en-US" dirty="0">
+                    <a:ea typeface="DengXian" panose="02010600030101010101" pitchFamily="2" charset="-122"/>
+                    <a:cs typeface="Times New Roman" panose="02020603050405020304" pitchFamily="18" charset="0"/>
+                  </a:rPr>
+                  <a:t> </a:t>
+                </a:r>
+                <a14:m>
+                  <m:oMath xmlns:m="http://schemas.openxmlformats.org/officeDocument/2006/math">
+                    <m:r>
+                      <a:rPr lang="en-US" i="1">
+                        <a:latin typeface="Cambria Math" panose="02040503050406030204" pitchFamily="18" charset="0"/>
+                        <a:ea typeface="DengXian" panose="02010600030101010101" pitchFamily="2" charset="-122"/>
+                        <a:cs typeface="Times New Roman" panose="02020603050405020304" pitchFamily="18" charset="0"/>
+                      </a:rPr>
+                      <m:t>−</m:t>
+                    </m:r>
+                    <m:r>
+                      <a:rPr lang="en-US" i="1">
+                        <a:latin typeface="Cambria Math" panose="02040503050406030204" pitchFamily="18" charset="0"/>
+                        <a:ea typeface="DengXian" panose="02010600030101010101" pitchFamily="2" charset="-122"/>
+                        <a:cs typeface="Times New Roman" panose="02020603050405020304" pitchFamily="18" charset="0"/>
+                      </a:rPr>
+                      <m:t>𝜈</m:t>
+                    </m:r>
+                    <m:r>
+                      <a:rPr lang="en-US" i="1">
+                        <a:latin typeface="Cambria Math" panose="02040503050406030204" pitchFamily="18" charset="0"/>
+                        <a:ea typeface="DengXian" panose="02010600030101010101" pitchFamily="2" charset="-122"/>
+                        <a:cs typeface="Times New Roman" panose="02020603050405020304" pitchFamily="18" charset="0"/>
+                      </a:rPr>
+                      <m:t>𝐽</m:t>
+                    </m:r>
+                  </m:oMath>
+                </a14:m>
+                <a:endParaRPr lang="en-US" dirty="0"/>
+              </a:p>
+            </p:txBody>
+          </p:sp>
+        </mc:Choice>
+        <mc:Fallback xmlns="">
+          <p:sp>
+            <p:nvSpPr>
+              <p:cNvPr id="2" name="Rectangle 1">
+                <a:extLst>
+                  <a:ext uri="{FF2B5EF4-FFF2-40B4-BE49-F238E27FC236}">
+                    <a16:creationId xmlns:a16="http://schemas.microsoft.com/office/drawing/2014/main" id="{D796420C-5773-453F-ADDD-700146F8EAA7}"/>
+                  </a:ext>
+                </a:extLst>
+              </p:cNvPr>
+              <p:cNvSpPr>
+                <a:spLocks noRot="1" noChangeAspect="1" noMove="1" noResize="1" noEditPoints="1" noAdjustHandles="1" noChangeArrowheads="1" noChangeShapeType="1" noTextEdit="1"/>
+              </p:cNvSpPr>
+              <p:nvPr/>
+            </p:nvSpPr>
+            <p:spPr>
+              <a:xfrm>
+                <a:off x="782210" y="1077332"/>
+                <a:ext cx="8255110" cy="499560"/>
+              </a:xfrm>
+              <a:prstGeom prst="rect">
+                <a:avLst/>
+              </a:prstGeom>
+              <a:blipFill>
+                <a:blip r:embed="rId2"/>
+                <a:stretch>
+                  <a:fillRect b="-2439"/>
+                </a:stretch>
+              </a:blipFill>
+            </p:spPr>
+            <p:txBody>
+              <a:bodyPr/>
+              <a:lstStyle/>
+              <a:p>
+                <a:r>
+                  <a:rPr lang="en-US">
+                    <a:noFill/>
+                  </a:rPr>
+                  <a:t> </a:t>
+                </a:r>
+              </a:p>
+            </p:txBody>
+          </p:sp>
+        </mc:Fallback>
+      </mc:AlternateContent>
+      <p:sp>
+        <p:nvSpPr>
+          <p:cNvPr id="3" name="TextBox 2">
+            <a:extLst>
+              <a:ext uri="{FF2B5EF4-FFF2-40B4-BE49-F238E27FC236}">
+                <a16:creationId xmlns:a16="http://schemas.microsoft.com/office/drawing/2014/main" id="{63981DF2-E3DE-45F3-8B1E-C8CD8FB591E0}"/>
+              </a:ext>
+            </a:extLst>
+          </p:cNvPr>
+          <p:cNvSpPr txBox="1"/>
+          <p:nvPr/>
+        </p:nvSpPr>
+        <p:spPr>
+          <a:xfrm>
+            <a:off x="782210" y="1859280"/>
+            <a:ext cx="9520030" cy="1200329"/>
+          </a:xfrm>
+          <a:prstGeom prst="rect">
+            <a:avLst/>
+          </a:prstGeom>
+          <a:noFill/>
+        </p:spPr>
+        <p:txBody>
+          <a:bodyPr wrap="square" rtlCol="0">
+            <a:spAutoFit/>
+          </a:bodyPr>
+          <a:lstStyle/>
+          <a:p>
+            <a:r>
+              <a:rPr lang="en-US" dirty="0"/>
+              <a:t>Case application</a:t>
+            </a:r>
+          </a:p>
+          <a:p>
+            <a:r>
+              <a:rPr lang="en-US" dirty="0"/>
+              <a:t>1. Give more example about the 1d </a:t>
+            </a:r>
+            <a:r>
+              <a:rPr lang="en-US" dirty="0" err="1"/>
+              <a:t>fdtd</a:t>
+            </a:r>
+            <a:r>
+              <a:rPr lang="en-US" dirty="0"/>
+              <a:t> with Magnetic angle ;</a:t>
+            </a:r>
+          </a:p>
+          <a:p>
+            <a:r>
+              <a:rPr lang="en-US" dirty="0"/>
+              <a:t>2. CTS mode conversion simulation on the midplane with 105GHz frequency on BEST Tokamak ;</a:t>
+            </a:r>
+          </a:p>
+          <a:p>
+            <a:r>
+              <a:rPr lang="en-US" dirty="0"/>
+              <a:t>3.</a:t>
+            </a:r>
+          </a:p>
+        </p:txBody>
+      </p:sp>
+    </p:spTree>
+    <p:extLst>
+      <p:ext uri="{BB962C8B-B14F-4D97-AF65-F5344CB8AC3E}">
+        <p14:creationId xmlns:p14="http://schemas.microsoft.com/office/powerpoint/2010/main" val="2240234639"/>
+      </p:ext>
+    </p:extLst>
+  </p:cSld>
+  <p:clrMapOvr>
+    <a:masterClrMapping/>
+  </p:clrMapOvr>
+</p:sld>
+</file>
+
+<file path=ppt/slides/slide3.xml><?xml version="1.0" encoding="utf-8"?>
 <p:sld xmlns:a="http://schemas.openxmlformats.org/drawingml/2006/main" xmlns:r="http://schemas.openxmlformats.org/officeDocument/2006/relationships" xmlns:p="http://schemas.openxmlformats.org/presentationml/2006/main">
   <p:cSld>
     <p:spTree>
@@ -7571,7 +8897,7 @@
         </p:nvSpPr>
         <p:spPr>
           <a:xfrm>
-            <a:off x="603250" y="2311400"/>
+            <a:off x="838200" y="2505670"/>
             <a:ext cx="9493250" cy="923330"/>
           </a:xfrm>
           <a:prstGeom prst="rect">
@@ -7587,27 +8913,19 @@
           <a:p>
             <a:r>
               <a:rPr lang="en-US" dirty="0"/>
-              <a:t>1.Analysis Mode Conversion in magnetic plasma </a:t>
+              <a:t>1. Analysis of Mode Conversion in Magnetized Plasma(x to O)</a:t>
             </a:r>
           </a:p>
           <a:p>
             <a:r>
               <a:rPr lang="en-US" dirty="0"/>
-              <a:t>2.Numerical Simulation for plasma diagnose </a:t>
+              <a:t>2. Numerical Simulation for Plasma Diagnostics </a:t>
             </a:r>
           </a:p>
           <a:p>
             <a:r>
               <a:rPr lang="en-US" dirty="0"/>
-              <a:t>3.More efficient and available compared to 3D </a:t>
-            </a:r>
-            <a:r>
-              <a:rPr lang="en-US" dirty="0" err="1"/>
-              <a:t>fdtd</a:t>
-            </a:r>
-            <a:r>
-              <a:rPr lang="en-US" dirty="0"/>
-              <a:t> simulation in magnetic confined plasma  </a:t>
+              <a:t>3. More Efficient and Accessible Compared to 3D FDTD Simulation in Magnetically Confined Plasma</a:t>
             </a:r>
           </a:p>
         </p:txBody>
@@ -7625,7 +8943,7 @@
 </p:sld>
 </file>
 
-<file path=ppt/slides/slide3.xml><?xml version="1.0" encoding="utf-8"?>
+<file path=ppt/slides/slide4.xml><?xml version="1.0" encoding="utf-8"?>
 <p:sld xmlns:a="http://schemas.openxmlformats.org/drawingml/2006/main" xmlns:r="http://schemas.openxmlformats.org/officeDocument/2006/relationships" xmlns:p="http://schemas.openxmlformats.org/presentationml/2006/main">
   <p:cSld>
     <p:spTree>
@@ -7661,7 +8979,7 @@
         <p:spPr>
           <a:xfrm>
             <a:off x="228600" y="85725"/>
-            <a:ext cx="10515600" cy="1325563"/>
+            <a:ext cx="11361420" cy="1325563"/>
           </a:xfrm>
         </p:spPr>
         <p:txBody>
@@ -7691,8 +9009,8 @@
             </p:nvSpPr>
             <p:spPr>
               <a:xfrm>
-                <a:off x="567526" y="1218650"/>
-                <a:ext cx="3378200" cy="3104183"/>
+                <a:off x="1002225" y="1193048"/>
+                <a:ext cx="3378200" cy="2827184"/>
               </a:xfrm>
               <a:prstGeom prst="rect">
                 <a:avLst/>
@@ -7709,9 +9027,6 @@
                   <a:rPr lang="en-US" dirty="0"/>
                   <a:t>Original method :</a:t>
                 </a:r>
-              </a:p>
-              <a:p>
-                <a:endParaRPr lang="en-US" dirty="0"/>
               </a:p>
               <a:p>
                 <a:pPr marL="0" marR="0">
@@ -8492,8 +9807,8 @@
             </p:nvSpPr>
             <p:spPr>
               <a:xfrm>
-                <a:off x="567526" y="1218650"/>
-                <a:ext cx="3378200" cy="3104183"/>
+                <a:off x="1002225" y="1193048"/>
+                <a:ext cx="3378200" cy="2827184"/>
               </a:xfrm>
               <a:prstGeom prst="rect">
                 <a:avLst/>
@@ -8501,7 +9816,7 @@
               <a:blipFill>
                 <a:blip r:embed="rId2"/>
                 <a:stretch>
-                  <a:fillRect l="-1444" t="-982"/>
+                  <a:fillRect l="-1441" t="-1296"/>
                 </a:stretch>
               </a:blipFill>
             </p:spPr>
@@ -8534,7 +9849,7 @@
         </p:nvSpPr>
         <p:spPr>
           <a:xfrm rot="16200000">
-            <a:off x="4953146" y="2637329"/>
+            <a:off x="4870596" y="2637329"/>
             <a:ext cx="215900" cy="886624"/>
           </a:xfrm>
           <a:prstGeom prst="downArrow">
@@ -8582,7 +9897,7 @@
             </p:nvSpPr>
             <p:spPr>
               <a:xfrm>
-                <a:off x="6176466" y="1475490"/>
+                <a:off x="6096000" y="1171776"/>
                 <a:ext cx="3434157" cy="3210302"/>
               </a:xfrm>
               <a:prstGeom prst="rect">
@@ -9786,7 +11101,7 @@
             </p:nvSpPr>
             <p:spPr>
               <a:xfrm>
-                <a:off x="6176466" y="1475490"/>
+                <a:off x="6096000" y="1171776"/>
                 <a:ext cx="3434157" cy="3210302"/>
               </a:xfrm>
               <a:prstGeom prst="rect">
@@ -9828,7 +11143,7 @@
         </p:nvSpPr>
         <p:spPr>
           <a:xfrm>
-            <a:off x="453573" y="4279720"/>
+            <a:off x="453573" y="3709886"/>
             <a:ext cx="8163322" cy="2308324"/>
           </a:xfrm>
           <a:prstGeom prst="rect">
@@ -9843,50 +11158,76 @@
           <a:lstStyle/>
           <a:p>
             <a:r>
+              <a:rPr lang="en-US" b="1" dirty="0"/>
+              <a:t>Advantages:</a:t>
+            </a:r>
+            <a:endParaRPr lang="en-US" dirty="0"/>
+          </a:p>
+          <a:p>
+            <a:pPr>
+              <a:buFont typeface="+mj-lt"/>
+              <a:buAutoNum type="arabicPeriod"/>
+            </a:pPr>
+            <a:r>
               <a:rPr lang="en-US" dirty="0"/>
-              <a:t>Advantage:</a:t>
+              <a:t>Quick mode conversion analysis</a:t>
+            </a:r>
+          </a:p>
+          <a:p>
+            <a:pPr>
+              <a:buFont typeface="+mj-lt"/>
+              <a:buAutoNum type="arabicPeriod"/>
+            </a:pPr>
+            <a:r>
+              <a:rPr lang="en-US" dirty="0"/>
+              <a:t>Easy to write code</a:t>
             </a:r>
           </a:p>
           <a:p>
             <a:r>
+              <a:rPr lang="en-US" b="1" dirty="0"/>
+              <a:t>Disadvantages:</a:t>
+            </a:r>
+            <a:endParaRPr lang="en-US" dirty="0"/>
+          </a:p>
+          <a:p>
+            <a:pPr>
+              <a:buFont typeface="+mj-lt"/>
+              <a:buAutoNum type="arabicPeriod"/>
+            </a:pPr>
+            <a:r>
               <a:rPr lang="en-US" dirty="0"/>
-              <a:t>1.Quick mode conversion analysis</a:t>
+              <a:t>Limited to a single frequency during simulation</a:t>
             </a:r>
           </a:p>
           <a:p>
+            <a:pPr>
+              <a:buFont typeface="+mj-lt"/>
+              <a:buAutoNum type="arabicPeriod"/>
+            </a:pPr>
             <a:r>
               <a:rPr lang="en-US" dirty="0"/>
-              <a:t>2.easy to write code</a:t>
+              <a:t>Cannot be applied to many diagnostic analyses, such as DBS and USPR</a:t>
             </a:r>
           </a:p>
           <a:p>
+            <a:pPr>
+              <a:buFont typeface="+mj-lt"/>
+              <a:buAutoNum type="arabicPeriod"/>
+            </a:pPr>
             <a:r>
               <a:rPr lang="en-US" dirty="0"/>
-              <a:t>Disadvantage:</a:t>
+              <a:t>Difficult to analyze reflected signals from the cutoff layer</a:t>
             </a:r>
           </a:p>
           <a:p>
+            <a:pPr>
+              <a:buFont typeface="+mj-lt"/>
+              <a:buAutoNum type="arabicPeriod"/>
+            </a:pPr>
             <a:r>
               <a:rPr lang="en-US" dirty="0"/>
-              <a:t>1.Only one frequency during the simulation</a:t>
-            </a:r>
-          </a:p>
-          <a:p>
-            <a:r>
-              <a:rPr lang="en-US" dirty="0"/>
-              <a:t>2.Can’t apply to many diagnose analysis such as DBS and USPR</a:t>
-            </a:r>
-          </a:p>
-          <a:p>
-            <a:r>
-              <a:rPr lang="en-US" dirty="0"/>
-              <a:t>2.Hard to analysis reflect signal from cutoff layer.</a:t>
-            </a:r>
-          </a:p>
-          <a:p>
-            <a:r>
-              <a:rPr lang="en-US" dirty="0"/>
-              <a:t>3.No time resolution</a:t>
+              <a:t>Lacks time resolution</a:t>
             </a:r>
           </a:p>
         </p:txBody>
@@ -9939,7 +11280,7 @@
 </p:sld>
 </file>
 
-<file path=ppt/slides/slide4.xml><?xml version="1.0" encoding="utf-8"?>
+<file path=ppt/slides/slide5.xml><?xml version="1.0" encoding="utf-8"?>
 <p:sld xmlns:a="http://schemas.openxmlformats.org/drawingml/2006/main" xmlns:r="http://schemas.openxmlformats.org/officeDocument/2006/relationships" xmlns:p="http://schemas.openxmlformats.org/presentationml/2006/main">
   <p:cSld>
     <p:spTree>
@@ -9970,7 +11311,7 @@
         </p:nvSpPr>
         <p:spPr>
           <a:xfrm>
-            <a:off x="209550" y="431284"/>
+            <a:off x="246743" y="338836"/>
             <a:ext cx="6096000" cy="369332"/>
           </a:xfrm>
           <a:prstGeom prst="rect">
@@ -10921,6 +12262,9 @@
                       </m:r>
                       <m:r>
                         <a:rPr lang="en-US" sz="1800" b="0" i="1" smtClean="0">
+                          <a:solidFill>
+                            <a:srgbClr val="FF0000"/>
+                          </a:solidFill>
                           <a:effectLst/>
                           <a:latin typeface="Cambria Math" panose="02040503050406030204" pitchFamily="18" charset="0"/>
                           <a:ea typeface="DengXian" panose="02010600030101010101" pitchFamily="2" charset="-122"/>
@@ -10930,6 +12274,9 @@
                       </m:r>
                       <m:r>
                         <a:rPr lang="en-US" sz="1800" b="0" i="1" smtClean="0">
+                          <a:solidFill>
+                            <a:srgbClr val="FF0000"/>
+                          </a:solidFill>
                           <a:effectLst/>
                           <a:latin typeface="Cambria Math" panose="02040503050406030204" pitchFamily="18" charset="0"/>
                           <a:ea typeface="DengXian" panose="02010600030101010101" pitchFamily="2" charset="-122"/>
@@ -10940,7 +12287,11 @@
                     </m:oMath>
                   </m:oMathPara>
                 </a14:m>
-                <a:endParaRPr lang="en-US" dirty="0"/>
+                <a:endParaRPr lang="en-US" dirty="0">
+                  <a:solidFill>
+                    <a:srgbClr val="FF0000"/>
+                  </a:solidFill>
+                </a:endParaRPr>
               </a:p>
               <a:p>
                 <a:pPr/>
@@ -10952,6 +12303,9 @@
                     <m:oMath xmlns:m="http://schemas.openxmlformats.org/officeDocument/2006/math">
                       <m:r>
                         <a:rPr lang="en-US" b="0" i="1" smtClean="0">
+                          <a:solidFill>
+                            <a:srgbClr val="FF0000"/>
+                          </a:solidFill>
                           <a:latin typeface="Cambria Math" panose="02040503050406030204" pitchFamily="18" charset="0"/>
                         </a:rPr>
                         <m:t>𝐽</m:t>
@@ -11079,7 +12433,7 @@
         </p:nvSpPr>
         <p:spPr>
           <a:xfrm>
-            <a:off x="209550" y="3849001"/>
+            <a:off x="246743" y="4255470"/>
             <a:ext cx="9975850" cy="1200329"/>
           </a:xfrm>
           <a:prstGeom prst="rect">
@@ -11101,19 +12455,19 @@
           <a:p>
             <a:r>
               <a:rPr lang="en-US" dirty="0"/>
-              <a:t>1. Time evolution analysis </a:t>
+              <a:t>1. Capable of time evolution analysis</a:t>
             </a:r>
           </a:p>
           <a:p>
             <a:r>
               <a:rPr lang="en-US" dirty="0"/>
-              <a:t>2. Closer to real physics problem</a:t>
+              <a:t>2. Closer to real physics problem compared with Frequency region method.</a:t>
             </a:r>
           </a:p>
           <a:p>
             <a:r>
               <a:rPr lang="en-US" dirty="0"/>
-              <a:t>3. This mode is capable of numerically simulating diagnostic physics such as USPR and DBS.</a:t>
+              <a:t>3. Can numerically simulate diagnostic physics, such as USPR and DBS</a:t>
             </a:r>
           </a:p>
         </p:txBody>
@@ -11132,7 +12486,7 @@
         </p:nvSpPr>
         <p:spPr>
           <a:xfrm>
-            <a:off x="209550" y="2089535"/>
+            <a:off x="402269" y="3379644"/>
             <a:ext cx="3136900" cy="369332"/>
           </a:xfrm>
           <a:prstGeom prst="rect">
@@ -11148,7 +12502,446 @@
           <a:p>
             <a:r>
               <a:rPr lang="en-US" dirty="0"/>
-              <a:t>Electron velocity equation:</a:t>
+              <a:t>Electron velocity equation</a:t>
+            </a:r>
+          </a:p>
+        </p:txBody>
+      </p:sp>
+      <p:cxnSp>
+        <p:nvCxnSpPr>
+          <p:cNvPr id="3" name="Straight Arrow Connector 2">
+            <a:extLst>
+              <a:ext uri="{FF2B5EF4-FFF2-40B4-BE49-F238E27FC236}">
+                <a16:creationId xmlns:a16="http://schemas.microsoft.com/office/drawing/2014/main" id="{61ADD690-1A40-43EF-A3CF-0E094E1ED3FA}"/>
+              </a:ext>
+            </a:extLst>
+          </p:cNvPr>
+          <p:cNvCxnSpPr>
+            <a:cxnSpLocks/>
+          </p:cNvCxnSpPr>
+          <p:nvPr/>
+        </p:nvCxnSpPr>
+        <p:spPr>
+          <a:xfrm flipV="1">
+            <a:off x="5415915" y="3238500"/>
+            <a:ext cx="123825" cy="315253"/>
+          </a:xfrm>
+          <a:prstGeom prst="straightConnector1">
+            <a:avLst/>
+          </a:prstGeom>
+          <a:ln>
+            <a:tailEnd type="triangle"/>
+          </a:ln>
+        </p:spPr>
+        <p:style>
+          <a:lnRef idx="2">
+            <a:schemeClr val="accent1"/>
+          </a:lnRef>
+          <a:fillRef idx="0">
+            <a:schemeClr val="accent1"/>
+          </a:fillRef>
+          <a:effectRef idx="1">
+            <a:schemeClr val="accent1"/>
+          </a:effectRef>
+          <a:fontRef idx="minor">
+            <a:schemeClr val="tx1"/>
+          </a:fontRef>
+        </p:style>
+      </p:cxnSp>
+      <p:sp>
+        <p:nvSpPr>
+          <p:cNvPr id="4" name="TextBox 3">
+            <a:extLst>
+              <a:ext uri="{FF2B5EF4-FFF2-40B4-BE49-F238E27FC236}">
+                <a16:creationId xmlns:a16="http://schemas.microsoft.com/office/drawing/2014/main" id="{BD102F04-3825-45F6-9E31-E3D56A086C73}"/>
+              </a:ext>
+            </a:extLst>
+          </p:cNvPr>
+          <p:cNvSpPr txBox="1"/>
+          <p:nvPr/>
+        </p:nvSpPr>
+        <p:spPr>
+          <a:xfrm>
+            <a:off x="4583430" y="3543844"/>
+            <a:ext cx="1664970" cy="646331"/>
+          </a:xfrm>
+          <a:prstGeom prst="rect">
+            <a:avLst/>
+          </a:prstGeom>
+          <a:noFill/>
+          <a:ln>
+            <a:solidFill>
+              <a:schemeClr val="tx1"/>
+            </a:solidFill>
+          </a:ln>
+        </p:spPr>
+        <p:txBody>
+          <a:bodyPr wrap="square" rtlCol="0">
+            <a:spAutoFit/>
+          </a:bodyPr>
+          <a:lstStyle/>
+          <a:p>
+            <a:r>
+              <a:rPr lang="en-US" dirty="0"/>
+              <a:t>Tokamak Magnetic Field</a:t>
+            </a:r>
+          </a:p>
+        </p:txBody>
+      </p:sp>
+      <p:cxnSp>
+        <p:nvCxnSpPr>
+          <p:cNvPr id="8" name="Straight Arrow Connector 7">
+            <a:extLst>
+              <a:ext uri="{FF2B5EF4-FFF2-40B4-BE49-F238E27FC236}">
+                <a16:creationId xmlns:a16="http://schemas.microsoft.com/office/drawing/2014/main" id="{C5924EBB-2B88-4FE2-AF92-0E3238C3E1A3}"/>
+              </a:ext>
+            </a:extLst>
+          </p:cNvPr>
+          <p:cNvCxnSpPr/>
+          <p:nvPr/>
+        </p:nvCxnSpPr>
+        <p:spPr>
+          <a:xfrm flipH="1" flipV="1">
+            <a:off x="6096000" y="3238500"/>
+            <a:ext cx="678180" cy="315253"/>
+          </a:xfrm>
+          <a:prstGeom prst="straightConnector1">
+            <a:avLst/>
+          </a:prstGeom>
+          <a:ln>
+            <a:tailEnd type="triangle"/>
+          </a:ln>
+        </p:spPr>
+        <p:style>
+          <a:lnRef idx="2">
+            <a:schemeClr val="accent1"/>
+          </a:lnRef>
+          <a:fillRef idx="0">
+            <a:schemeClr val="accent1"/>
+          </a:fillRef>
+          <a:effectRef idx="1">
+            <a:schemeClr val="accent1"/>
+          </a:effectRef>
+          <a:fontRef idx="minor">
+            <a:schemeClr val="tx1"/>
+          </a:fontRef>
+        </p:style>
+      </p:cxnSp>
+      <p:sp>
+        <p:nvSpPr>
+          <p:cNvPr id="10" name="TextBox 9">
+            <a:extLst>
+              <a:ext uri="{FF2B5EF4-FFF2-40B4-BE49-F238E27FC236}">
+                <a16:creationId xmlns:a16="http://schemas.microsoft.com/office/drawing/2014/main" id="{40F93293-9ABB-4AAC-9372-0C3E762A8991}"/>
+              </a:ext>
+            </a:extLst>
+          </p:cNvPr>
+          <p:cNvSpPr txBox="1"/>
+          <p:nvPr/>
+        </p:nvSpPr>
+        <p:spPr>
+          <a:xfrm>
+            <a:off x="6305550" y="3563682"/>
+            <a:ext cx="1831975" cy="646331"/>
+          </a:xfrm>
+          <a:prstGeom prst="rect">
+            <a:avLst/>
+          </a:prstGeom>
+          <a:noFill/>
+          <a:ln>
+            <a:solidFill>
+              <a:schemeClr val="tx1"/>
+            </a:solidFill>
+          </a:ln>
+        </p:spPr>
+        <p:txBody>
+          <a:bodyPr wrap="square" rtlCol="0">
+            <a:spAutoFit/>
+          </a:bodyPr>
+          <a:lstStyle/>
+          <a:p>
+            <a:r>
+              <a:rPr lang="en-US" dirty="0"/>
+              <a:t>Current induced by EMW</a:t>
+            </a:r>
+          </a:p>
+        </p:txBody>
+      </p:sp>
+      <p:cxnSp>
+        <p:nvCxnSpPr>
+          <p:cNvPr id="15" name="Straight Arrow Connector 14">
+            <a:extLst>
+              <a:ext uri="{FF2B5EF4-FFF2-40B4-BE49-F238E27FC236}">
+                <a16:creationId xmlns:a16="http://schemas.microsoft.com/office/drawing/2014/main" id="{A21B9579-1AB9-47EC-962D-2A3CA5A8CE0A}"/>
+              </a:ext>
+            </a:extLst>
+          </p:cNvPr>
+          <p:cNvCxnSpPr>
+            <a:cxnSpLocks/>
+          </p:cNvCxnSpPr>
+          <p:nvPr/>
+        </p:nvCxnSpPr>
+        <p:spPr>
+          <a:xfrm flipH="1">
+            <a:off x="6833873" y="2545346"/>
+            <a:ext cx="544827" cy="351898"/>
+          </a:xfrm>
+          <a:prstGeom prst="straightConnector1">
+            <a:avLst/>
+          </a:prstGeom>
+          <a:ln>
+            <a:tailEnd type="triangle"/>
+          </a:ln>
+        </p:spPr>
+        <p:style>
+          <a:lnRef idx="2">
+            <a:schemeClr val="accent1"/>
+          </a:lnRef>
+          <a:fillRef idx="0">
+            <a:schemeClr val="accent1"/>
+          </a:fillRef>
+          <a:effectRef idx="1">
+            <a:schemeClr val="accent1"/>
+          </a:effectRef>
+          <a:fontRef idx="minor">
+            <a:schemeClr val="tx1"/>
+          </a:fontRef>
+        </p:style>
+      </p:cxnSp>
+      <p:sp>
+        <p:nvSpPr>
+          <p:cNvPr id="17" name="TextBox 16">
+            <a:extLst>
+              <a:ext uri="{FF2B5EF4-FFF2-40B4-BE49-F238E27FC236}">
+                <a16:creationId xmlns:a16="http://schemas.microsoft.com/office/drawing/2014/main" id="{1AC105B2-5E0B-4632-AB05-8C245A3CBC44}"/>
+              </a:ext>
+            </a:extLst>
+          </p:cNvPr>
+          <p:cNvSpPr txBox="1"/>
+          <p:nvPr/>
+        </p:nvSpPr>
+        <p:spPr>
+          <a:xfrm>
+            <a:off x="7310755" y="2171050"/>
+            <a:ext cx="1653540" cy="369332"/>
+          </a:xfrm>
+          <a:prstGeom prst="rect">
+            <a:avLst/>
+          </a:prstGeom>
+          <a:noFill/>
+          <a:ln>
+            <a:solidFill>
+              <a:schemeClr val="tx1"/>
+            </a:solidFill>
+          </a:ln>
+        </p:spPr>
+        <p:txBody>
+          <a:bodyPr wrap="square" rtlCol="0">
+            <a:spAutoFit/>
+          </a:bodyPr>
+          <a:lstStyle/>
+          <a:p>
+            <a:r>
+              <a:rPr lang="en-US" dirty="0"/>
+              <a:t>Plasma density </a:t>
+            </a:r>
+          </a:p>
+        </p:txBody>
+      </p:sp>
+      <p:sp>
+        <p:nvSpPr>
+          <p:cNvPr id="19" name="TextBox 18">
+            <a:extLst>
+              <a:ext uri="{FF2B5EF4-FFF2-40B4-BE49-F238E27FC236}">
+                <a16:creationId xmlns:a16="http://schemas.microsoft.com/office/drawing/2014/main" id="{98ACF261-C4CD-475B-A5A4-67AC13E39608}"/>
+              </a:ext>
+            </a:extLst>
+          </p:cNvPr>
+          <p:cNvSpPr txBox="1"/>
+          <p:nvPr/>
+        </p:nvSpPr>
+        <p:spPr>
+          <a:xfrm>
+            <a:off x="7846060" y="2614468"/>
+            <a:ext cx="1653540" cy="369332"/>
+          </a:xfrm>
+          <a:prstGeom prst="rect">
+            <a:avLst/>
+          </a:prstGeom>
+          <a:noFill/>
+          <a:ln>
+            <a:solidFill>
+              <a:schemeClr val="tx1"/>
+            </a:solidFill>
+          </a:ln>
+        </p:spPr>
+        <p:txBody>
+          <a:bodyPr wrap="square" rtlCol="0">
+            <a:spAutoFit/>
+          </a:bodyPr>
+          <a:lstStyle/>
+          <a:p>
+            <a:r>
+              <a:rPr lang="en-US" dirty="0"/>
+              <a:t>E field of EMW </a:t>
+            </a:r>
+          </a:p>
+        </p:txBody>
+      </p:sp>
+      <p:cxnSp>
+        <p:nvCxnSpPr>
+          <p:cNvPr id="20" name="Straight Arrow Connector 19">
+            <a:extLst>
+              <a:ext uri="{FF2B5EF4-FFF2-40B4-BE49-F238E27FC236}">
+                <a16:creationId xmlns:a16="http://schemas.microsoft.com/office/drawing/2014/main" id="{035CDACB-D7A1-4D36-8146-CDC482BCC76E}"/>
+              </a:ext>
+            </a:extLst>
+          </p:cNvPr>
+          <p:cNvCxnSpPr>
+            <a:cxnSpLocks/>
+            <a:stCxn id="19" idx="1"/>
+          </p:cNvCxnSpPr>
+          <p:nvPr/>
+        </p:nvCxnSpPr>
+        <p:spPr>
+          <a:xfrm flipH="1">
+            <a:off x="7067554" y="2799134"/>
+            <a:ext cx="778506" cy="175949"/>
+          </a:xfrm>
+          <a:prstGeom prst="straightConnector1">
+            <a:avLst/>
+          </a:prstGeom>
+          <a:ln>
+            <a:tailEnd type="triangle"/>
+          </a:ln>
+        </p:spPr>
+        <p:style>
+          <a:lnRef idx="2">
+            <a:schemeClr val="accent1"/>
+          </a:lnRef>
+          <a:fillRef idx="0">
+            <a:schemeClr val="accent1"/>
+          </a:fillRef>
+          <a:effectRef idx="1">
+            <a:schemeClr val="accent1"/>
+          </a:effectRef>
+          <a:fontRef idx="minor">
+            <a:schemeClr val="tx1"/>
+          </a:fontRef>
+        </p:style>
+      </p:cxnSp>
+      <p:cxnSp>
+        <p:nvCxnSpPr>
+          <p:cNvPr id="22" name="Straight Arrow Connector 21">
+            <a:extLst>
+              <a:ext uri="{FF2B5EF4-FFF2-40B4-BE49-F238E27FC236}">
+                <a16:creationId xmlns:a16="http://schemas.microsoft.com/office/drawing/2014/main" id="{DFFF31A9-E10A-44A5-9EE5-1090A0151594}"/>
+              </a:ext>
+            </a:extLst>
+          </p:cNvPr>
+          <p:cNvCxnSpPr>
+            <a:cxnSpLocks/>
+          </p:cNvCxnSpPr>
+          <p:nvPr/>
+        </p:nvCxnSpPr>
+        <p:spPr>
+          <a:xfrm flipH="1" flipV="1">
+            <a:off x="7412363" y="3130087"/>
+            <a:ext cx="1000117" cy="430867"/>
+          </a:xfrm>
+          <a:prstGeom prst="straightConnector1">
+            <a:avLst/>
+          </a:prstGeom>
+          <a:ln>
+            <a:tailEnd type="triangle"/>
+          </a:ln>
+        </p:spPr>
+        <p:style>
+          <a:lnRef idx="2">
+            <a:schemeClr val="accent1"/>
+          </a:lnRef>
+          <a:fillRef idx="0">
+            <a:schemeClr val="accent1"/>
+          </a:fillRef>
+          <a:effectRef idx="1">
+            <a:schemeClr val="accent1"/>
+          </a:effectRef>
+          <a:fontRef idx="minor">
+            <a:schemeClr val="tx1"/>
+          </a:fontRef>
+        </p:style>
+      </p:cxnSp>
+      <p:sp>
+        <p:nvSpPr>
+          <p:cNvPr id="24" name="TextBox 23">
+            <a:extLst>
+              <a:ext uri="{FF2B5EF4-FFF2-40B4-BE49-F238E27FC236}">
+                <a16:creationId xmlns:a16="http://schemas.microsoft.com/office/drawing/2014/main" id="{9EB4FC0D-A1C9-41FD-8EAD-FFB90F90C9C2}"/>
+              </a:ext>
+            </a:extLst>
+          </p:cNvPr>
+          <p:cNvSpPr txBox="1"/>
+          <p:nvPr/>
+        </p:nvSpPr>
+        <p:spPr>
+          <a:xfrm>
+            <a:off x="8444230" y="3615704"/>
+            <a:ext cx="2581910" cy="646331"/>
+          </a:xfrm>
+          <a:prstGeom prst="rect">
+            <a:avLst/>
+          </a:prstGeom>
+          <a:noFill/>
+          <a:ln>
+            <a:solidFill>
+              <a:schemeClr val="tx1"/>
+            </a:solidFill>
+          </a:ln>
+        </p:spPr>
+        <p:txBody>
+          <a:bodyPr wrap="square" rtlCol="0">
+            <a:spAutoFit/>
+          </a:bodyPr>
+          <a:lstStyle/>
+          <a:p>
+            <a:r>
+              <a:rPr lang="en-US" dirty="0"/>
+              <a:t>electron-electron collision frequency</a:t>
+            </a:r>
+          </a:p>
+        </p:txBody>
+      </p:sp>
+      <p:sp>
+        <p:nvSpPr>
+          <p:cNvPr id="25" name="TextBox 24">
+            <a:extLst>
+              <a:ext uri="{FF2B5EF4-FFF2-40B4-BE49-F238E27FC236}">
+                <a16:creationId xmlns:a16="http://schemas.microsoft.com/office/drawing/2014/main" id="{9C0AE037-15FD-4506-9642-113FFA0DD0F2}"/>
+              </a:ext>
+            </a:extLst>
+          </p:cNvPr>
+          <p:cNvSpPr txBox="1"/>
+          <p:nvPr/>
+        </p:nvSpPr>
+        <p:spPr>
+          <a:xfrm>
+            <a:off x="199390" y="685859"/>
+            <a:ext cx="6294120" cy="369332"/>
+          </a:xfrm>
+          <a:prstGeom prst="rect">
+            <a:avLst/>
+          </a:prstGeom>
+          <a:noFill/>
+        </p:spPr>
+        <p:txBody>
+          <a:bodyPr wrap="square" rtlCol="0">
+            <a:spAutoFit/>
+          </a:bodyPr>
+          <a:lstStyle/>
+          <a:p>
+            <a:r>
+              <a:rPr lang="en-US" dirty="0"/>
+              <a:t>Background: Magnetically plasma without plasma current</a:t>
             </a:r>
           </a:p>
         </p:txBody>
@@ -11166,7 +12959,7 @@
 </p:sld>
 </file>
 
-<file path=ppt/slides/slide5.xml><?xml version="1.0" encoding="utf-8"?>
+<file path=ppt/slides/slide6.xml><?xml version="1.0" encoding="utf-8"?>
 <p:sld xmlns:a="http://schemas.openxmlformats.org/drawingml/2006/main" xmlns:r="http://schemas.openxmlformats.org/officeDocument/2006/relationships" xmlns:p="http://schemas.openxmlformats.org/presentationml/2006/main">
   <p:cSld>
     <p:spTree>
@@ -15009,7 +16802,7 @@
 </p:sld>
 </file>
 
-<file path=ppt/slides/slide6.xml><?xml version="1.0" encoding="utf-8"?>
+<file path=ppt/slides/slide7.xml><?xml version="1.0" encoding="utf-8"?>
 <p:sld xmlns:a="http://schemas.openxmlformats.org/drawingml/2006/main" xmlns:r="http://schemas.openxmlformats.org/officeDocument/2006/relationships" xmlns:p="http://schemas.openxmlformats.org/presentationml/2006/main">
   <p:cSld>
     <p:spTree>
@@ -18016,1008 +19809,7 @@
 </p:sld>
 </file>
 
-<file path=ppt/slides/slide7.xml><?xml version="1.0" encoding="utf-8"?>
-<p:sld xmlns:a="http://schemas.openxmlformats.org/drawingml/2006/main" xmlns:r="http://schemas.openxmlformats.org/officeDocument/2006/relationships" xmlns:p="http://schemas.openxmlformats.org/presentationml/2006/main">
-  <p:cSld>
-    <p:spTree>
-      <p:nvGrpSpPr>
-        <p:cNvPr id="1" name=""/>
-        <p:cNvGrpSpPr/>
-        <p:nvPr/>
-      </p:nvGrpSpPr>
-      <p:grpSpPr>
-        <a:xfrm>
-          <a:off x="0" y="0"/>
-          <a:ext cx="0" cy="0"/>
-          <a:chOff x="0" y="0"/>
-          <a:chExt cx="0" cy="0"/>
-        </a:xfrm>
-      </p:grpSpPr>
-      <p:sp>
-        <p:nvSpPr>
-          <p:cNvPr id="5" name="TextBox 4">
-            <a:extLst>
-              <a:ext uri="{FF2B5EF4-FFF2-40B4-BE49-F238E27FC236}">
-                <a16:creationId xmlns:a16="http://schemas.microsoft.com/office/drawing/2014/main" id="{282B9B30-7FE0-C4AD-98B0-219B69C35727}"/>
-              </a:ext>
-            </a:extLst>
-          </p:cNvPr>
-          <p:cNvSpPr txBox="1"/>
-          <p:nvPr/>
-        </p:nvSpPr>
-        <p:spPr>
-          <a:xfrm>
-            <a:off x="148695" y="161291"/>
-            <a:ext cx="2806700" cy="368300"/>
-          </a:xfrm>
-          <a:prstGeom prst="rect">
-            <a:avLst/>
-          </a:prstGeom>
-          <a:noFill/>
-        </p:spPr>
-        <p:txBody>
-          <a:bodyPr wrap="square" rtlCol="0">
-            <a:spAutoFit/>
-          </a:bodyPr>
-          <a:lstStyle/>
-          <a:p>
-            <a:r>
-              <a:rPr lang="en-US" dirty="0"/>
-              <a:t>Numerical  Test</a:t>
-            </a:r>
-          </a:p>
-        </p:txBody>
-      </p:sp>
-      <p:sp>
-        <p:nvSpPr>
-          <p:cNvPr id="6" name="TextBox 5">
-            <a:extLst>
-              <a:ext uri="{FF2B5EF4-FFF2-40B4-BE49-F238E27FC236}">
-                <a16:creationId xmlns:a16="http://schemas.microsoft.com/office/drawing/2014/main" id="{0962E79D-8CAE-AE0A-5F56-DA57E7E22D08}"/>
-              </a:ext>
-            </a:extLst>
-          </p:cNvPr>
-          <p:cNvSpPr txBox="1"/>
-          <p:nvPr/>
-        </p:nvSpPr>
-        <p:spPr>
-          <a:xfrm>
-            <a:off x="158750" y="582096"/>
-            <a:ext cx="5363852" cy="646331"/>
-          </a:xfrm>
-          <a:prstGeom prst="rect">
-            <a:avLst/>
-          </a:prstGeom>
-          <a:noFill/>
-        </p:spPr>
-        <p:txBody>
-          <a:bodyPr wrap="square" rtlCol="0">
-            <a:spAutoFit/>
-          </a:bodyPr>
-          <a:lstStyle/>
-          <a:p>
-            <a:r>
-              <a:rPr lang="en-US" dirty="0"/>
-              <a:t>X mode Cutoff Test</a:t>
-            </a:r>
-          </a:p>
-          <a:p>
-            <a:r>
-              <a:rPr lang="en-US" dirty="0"/>
-              <a:t>Source frequency :30GHz</a:t>
-            </a:r>
-          </a:p>
-        </p:txBody>
-      </p:sp>
-      <p:sp>
-        <p:nvSpPr>
-          <p:cNvPr id="8" name="TextBox 7">
-            <a:extLst>
-              <a:ext uri="{FF2B5EF4-FFF2-40B4-BE49-F238E27FC236}">
-                <a16:creationId xmlns:a16="http://schemas.microsoft.com/office/drawing/2014/main" id="{E8D993FE-C042-C03B-CC29-4F757B2DAB89}"/>
-              </a:ext>
-            </a:extLst>
-          </p:cNvPr>
-          <p:cNvSpPr txBox="1"/>
-          <p:nvPr/>
-        </p:nvSpPr>
-        <p:spPr>
-          <a:xfrm>
-            <a:off x="2053850" y="5671142"/>
-            <a:ext cx="2090393" cy="369332"/>
-          </a:xfrm>
-          <a:prstGeom prst="rect">
-            <a:avLst/>
-          </a:prstGeom>
-          <a:noFill/>
-        </p:spPr>
-        <p:txBody>
-          <a:bodyPr wrap="square">
-            <a:spAutoFit/>
-          </a:bodyPr>
-          <a:lstStyle/>
-          <a:p>
-            <a:r>
-              <a:rPr lang="en-US" dirty="0"/>
-              <a:t>ne ,B distribution</a:t>
-            </a:r>
-          </a:p>
-        </p:txBody>
-      </p:sp>
-      <p:pic>
-        <p:nvPicPr>
-          <p:cNvPr id="10" name="Picture 9">
-            <a:extLst>
-              <a:ext uri="{FF2B5EF4-FFF2-40B4-BE49-F238E27FC236}">
-                <a16:creationId xmlns:a16="http://schemas.microsoft.com/office/drawing/2014/main" id="{9DEC7F1A-7335-AF8B-F6EA-0E6188AEDD46}"/>
-              </a:ext>
-            </a:extLst>
-          </p:cNvPr>
-          <p:cNvPicPr>
-            <a:picLocks noChangeAspect="1"/>
-          </p:cNvPicPr>
-          <p:nvPr/>
-        </p:nvPicPr>
-        <p:blipFill>
-          <a:blip r:embed="rId2"/>
-          <a:stretch>
-            <a:fillRect/>
-          </a:stretch>
-        </p:blipFill>
-        <p:spPr>
-          <a:xfrm>
-            <a:off x="273469" y="1374089"/>
-            <a:ext cx="5363851" cy="4022888"/>
-          </a:xfrm>
-          <a:prstGeom prst="rect">
-            <a:avLst/>
-          </a:prstGeom>
-        </p:spPr>
-      </p:pic>
-      <p:grpSp>
-        <p:nvGrpSpPr>
-          <p:cNvPr id="18" name="Group 17">
-            <a:extLst>
-              <a:ext uri="{FF2B5EF4-FFF2-40B4-BE49-F238E27FC236}">
-                <a16:creationId xmlns:a16="http://schemas.microsoft.com/office/drawing/2014/main" id="{9C0F4926-5FEC-81B7-96FA-918BCE82DFC4}"/>
-              </a:ext>
-            </a:extLst>
-          </p:cNvPr>
-          <p:cNvGrpSpPr/>
-          <p:nvPr/>
-        </p:nvGrpSpPr>
-        <p:grpSpPr>
-          <a:xfrm>
-            <a:off x="5798634" y="1396391"/>
-            <a:ext cx="5687122" cy="3890233"/>
-            <a:chOff x="6096000" y="1788661"/>
-            <a:chExt cx="5334000" cy="4000500"/>
-          </a:xfrm>
-        </p:grpSpPr>
-        <p:pic>
-          <p:nvPicPr>
-            <p:cNvPr id="12" name="Picture 11">
-              <a:extLst>
-                <a:ext uri="{FF2B5EF4-FFF2-40B4-BE49-F238E27FC236}">
-                  <a16:creationId xmlns:a16="http://schemas.microsoft.com/office/drawing/2014/main" id="{2916DC2E-9617-EB04-A2F3-707E386C316B}"/>
-                </a:ext>
-              </a:extLst>
-            </p:cNvPr>
-            <p:cNvPicPr>
-              <a:picLocks noChangeAspect="1"/>
-            </p:cNvPicPr>
-            <p:nvPr/>
-          </p:nvPicPr>
-          <p:blipFill>
-            <a:blip r:embed="rId3"/>
-            <a:stretch>
-              <a:fillRect/>
-            </a:stretch>
-          </p:blipFill>
-          <p:spPr>
-            <a:xfrm>
-              <a:off x="6096000" y="1788661"/>
-              <a:ext cx="5334000" cy="4000500"/>
-            </a:xfrm>
-            <a:prstGeom prst="rect">
-              <a:avLst/>
-            </a:prstGeom>
-          </p:spPr>
-        </p:pic>
-        <p:cxnSp>
-          <p:nvCxnSpPr>
-            <p:cNvPr id="14" name="Straight Connector 13">
-              <a:extLst>
-                <a:ext uri="{FF2B5EF4-FFF2-40B4-BE49-F238E27FC236}">
-                  <a16:creationId xmlns:a16="http://schemas.microsoft.com/office/drawing/2014/main" id="{567C89A8-29CB-929D-5E84-50ACB15CA227}"/>
-                </a:ext>
-              </a:extLst>
-            </p:cNvPr>
-            <p:cNvCxnSpPr>
-              <a:cxnSpLocks/>
-            </p:cNvCxnSpPr>
-            <p:nvPr/>
-          </p:nvCxnSpPr>
-          <p:spPr>
-            <a:xfrm>
-              <a:off x="8531257" y="2092751"/>
-              <a:ext cx="0" cy="3205113"/>
-            </a:xfrm>
-            <a:prstGeom prst="line">
-              <a:avLst/>
-            </a:prstGeom>
-            <a:ln>
-              <a:prstDash val="dash"/>
-            </a:ln>
-          </p:spPr>
-          <p:style>
-            <a:lnRef idx="2">
-              <a:schemeClr val="dk1"/>
-            </a:lnRef>
-            <a:fillRef idx="0">
-              <a:schemeClr val="dk1"/>
-            </a:fillRef>
-            <a:effectRef idx="1">
-              <a:schemeClr val="dk1"/>
-            </a:effectRef>
-            <a:fontRef idx="minor">
-              <a:schemeClr val="tx1"/>
-            </a:fontRef>
-          </p:style>
-        </p:cxnSp>
-        <p:sp>
-          <p:nvSpPr>
-            <p:cNvPr id="17" name="TextBox 16">
-              <a:extLst>
-                <a:ext uri="{FF2B5EF4-FFF2-40B4-BE49-F238E27FC236}">
-                  <a16:creationId xmlns:a16="http://schemas.microsoft.com/office/drawing/2014/main" id="{51A7815D-137D-66CE-D5FA-75AA1B9FE4EB}"/>
-                </a:ext>
-              </a:extLst>
-            </p:cNvPr>
-            <p:cNvSpPr txBox="1"/>
-            <p:nvPr/>
-          </p:nvSpPr>
-          <p:spPr>
-            <a:xfrm>
-              <a:off x="8491256" y="2248888"/>
-              <a:ext cx="1699995" cy="436195"/>
-            </a:xfrm>
-            <a:prstGeom prst="rect">
-              <a:avLst/>
-            </a:prstGeom>
-            <a:noFill/>
-          </p:spPr>
-          <p:txBody>
-            <a:bodyPr wrap="square" rtlCol="0">
-              <a:spAutoFit/>
-            </a:bodyPr>
-            <a:lstStyle/>
-            <a:p>
-              <a:r>
-                <a:rPr lang="en-US" sz="1400" dirty="0"/>
-                <a:t>Cutoff layer</a:t>
-              </a:r>
-            </a:p>
-          </p:txBody>
-        </p:sp>
-      </p:grpSp>
-      <p:sp>
-        <p:nvSpPr>
-          <p:cNvPr id="21" name="TextBox 20">
-            <a:extLst>
-              <a:ext uri="{FF2B5EF4-FFF2-40B4-BE49-F238E27FC236}">
-                <a16:creationId xmlns:a16="http://schemas.microsoft.com/office/drawing/2014/main" id="{3869BF1E-1B65-6C42-244A-80B425267E35}"/>
-              </a:ext>
-            </a:extLst>
-          </p:cNvPr>
-          <p:cNvSpPr txBox="1"/>
-          <p:nvPr/>
-        </p:nvSpPr>
-        <p:spPr>
-          <a:xfrm>
-            <a:off x="6989457" y="5671142"/>
-            <a:ext cx="3713356" cy="369332"/>
-          </a:xfrm>
-          <a:prstGeom prst="rect">
-            <a:avLst/>
-          </a:prstGeom>
-          <a:noFill/>
-        </p:spPr>
-        <p:txBody>
-          <a:bodyPr wrap="square" rtlCol="0">
-            <a:spAutoFit/>
-          </a:bodyPr>
-          <a:lstStyle/>
-          <a:p>
-            <a:r>
-              <a:rPr lang="en-US" dirty="0"/>
-              <a:t>Characteristic frequency</a:t>
-            </a:r>
-          </a:p>
-        </p:txBody>
-      </p:sp>
-    </p:spTree>
-    <p:extLst>
-      <p:ext uri="{BB962C8B-B14F-4D97-AF65-F5344CB8AC3E}">
-        <p14:creationId xmlns:p14="http://schemas.microsoft.com/office/powerpoint/2010/main" val="266226785"/>
-      </p:ext>
-    </p:extLst>
-  </p:cSld>
-  <p:clrMapOvr>
-    <a:masterClrMapping/>
-  </p:clrMapOvr>
-</p:sld>
-</file>
-
 <file path=ppt/slides/slide8.xml><?xml version="1.0" encoding="utf-8"?>
-<p:sld xmlns:a="http://schemas.openxmlformats.org/drawingml/2006/main" xmlns:r="http://schemas.openxmlformats.org/officeDocument/2006/relationships" xmlns:p="http://schemas.openxmlformats.org/presentationml/2006/main">
-  <p:cSld>
-    <p:spTree>
-      <p:nvGrpSpPr>
-        <p:cNvPr id="1" name=""/>
-        <p:cNvGrpSpPr/>
-        <p:nvPr/>
-      </p:nvGrpSpPr>
-      <p:grpSpPr>
-        <a:xfrm>
-          <a:off x="0" y="0"/>
-          <a:ext cx="0" cy="0"/>
-          <a:chOff x="0" y="0"/>
-          <a:chExt cx="0" cy="0"/>
-        </a:xfrm>
-      </p:grpSpPr>
-      <p:pic>
-        <p:nvPicPr>
-          <p:cNvPr id="20" name="Picture 19">
-            <a:extLst>
-              <a:ext uri="{FF2B5EF4-FFF2-40B4-BE49-F238E27FC236}">
-                <a16:creationId xmlns:a16="http://schemas.microsoft.com/office/drawing/2014/main" id="{9883D34E-60B8-0C5D-1D03-565A6B6D2D76}"/>
-              </a:ext>
-            </a:extLst>
-          </p:cNvPr>
-          <p:cNvPicPr>
-            <a:picLocks noChangeAspect="1"/>
-          </p:cNvPicPr>
-          <p:nvPr/>
-        </p:nvPicPr>
-        <p:blipFill>
-          <a:blip r:embed="rId2"/>
-          <a:stretch>
-            <a:fillRect/>
-          </a:stretch>
-        </p:blipFill>
-        <p:spPr>
-          <a:xfrm>
-            <a:off x="2163419" y="1064268"/>
-            <a:ext cx="6880219" cy="5160164"/>
-          </a:xfrm>
-          <a:prstGeom prst="rect">
-            <a:avLst/>
-          </a:prstGeom>
-        </p:spPr>
-      </p:pic>
-      <p:sp>
-        <p:nvSpPr>
-          <p:cNvPr id="4" name="TextBox 3">
-            <a:extLst>
-              <a:ext uri="{FF2B5EF4-FFF2-40B4-BE49-F238E27FC236}">
-                <a16:creationId xmlns:a16="http://schemas.microsoft.com/office/drawing/2014/main" id="{C8A1F661-0108-7560-3C64-550C004CE7C1}"/>
-              </a:ext>
-            </a:extLst>
-          </p:cNvPr>
-          <p:cNvSpPr txBox="1"/>
-          <p:nvPr/>
-        </p:nvSpPr>
-        <p:spPr>
-          <a:xfrm>
-            <a:off x="278780" y="356839"/>
-            <a:ext cx="3300761" cy="369332"/>
-          </a:xfrm>
-          <a:prstGeom prst="rect">
-            <a:avLst/>
-          </a:prstGeom>
-          <a:noFill/>
-        </p:spPr>
-        <p:txBody>
-          <a:bodyPr wrap="square" rtlCol="0">
-            <a:spAutoFit/>
-          </a:bodyPr>
-          <a:lstStyle/>
-          <a:p>
-            <a:r>
-              <a:rPr lang="en-US" dirty="0"/>
-              <a:t>Simulation Results</a:t>
-            </a:r>
-          </a:p>
-        </p:txBody>
-      </p:sp>
-      <p:sp>
-        <p:nvSpPr>
-          <p:cNvPr id="5" name="TextBox 4">
-            <a:extLst>
-              <a:ext uri="{FF2B5EF4-FFF2-40B4-BE49-F238E27FC236}">
-                <a16:creationId xmlns:a16="http://schemas.microsoft.com/office/drawing/2014/main" id="{6C4445A2-285D-9340-D761-F4DE0978029A}"/>
-              </a:ext>
-            </a:extLst>
-          </p:cNvPr>
-          <p:cNvSpPr txBox="1"/>
-          <p:nvPr/>
-        </p:nvSpPr>
-        <p:spPr>
-          <a:xfrm>
-            <a:off x="8817395" y="3321184"/>
-            <a:ext cx="2145978" cy="646331"/>
-          </a:xfrm>
-          <a:prstGeom prst="rect">
-            <a:avLst/>
-          </a:prstGeom>
-          <a:noFill/>
-        </p:spPr>
-        <p:txBody>
-          <a:bodyPr wrap="square" rtlCol="0">
-            <a:spAutoFit/>
-          </a:bodyPr>
-          <a:lstStyle/>
-          <a:p>
-            <a:r>
-              <a:rPr lang="en-US" dirty="0"/>
-              <a:t>The EMW is blocked at the cutoff layer</a:t>
-            </a:r>
-          </a:p>
-        </p:txBody>
-      </p:sp>
-      <p:grpSp>
-        <p:nvGrpSpPr>
-          <p:cNvPr id="2" name="Group 1">
-            <a:extLst>
-              <a:ext uri="{FF2B5EF4-FFF2-40B4-BE49-F238E27FC236}">
-                <a16:creationId xmlns:a16="http://schemas.microsoft.com/office/drawing/2014/main" id="{44E356FC-71D1-0241-5A88-F0E61651CDC8}"/>
-              </a:ext>
-            </a:extLst>
-          </p:cNvPr>
-          <p:cNvGrpSpPr/>
-          <p:nvPr/>
-        </p:nvGrpSpPr>
-        <p:grpSpPr>
-          <a:xfrm>
-            <a:off x="8375650" y="356839"/>
-            <a:ext cx="2300287" cy="965450"/>
-            <a:chOff x="6540500" y="388977"/>
-            <a:chExt cx="2300287" cy="965450"/>
-          </a:xfrm>
-        </p:grpSpPr>
-        <p:cxnSp>
-          <p:nvCxnSpPr>
-            <p:cNvPr id="3" name="Straight Arrow Connector 2">
-              <a:extLst>
-                <a:ext uri="{FF2B5EF4-FFF2-40B4-BE49-F238E27FC236}">
-                  <a16:creationId xmlns:a16="http://schemas.microsoft.com/office/drawing/2014/main" id="{38747108-90BF-273B-67EA-C8B668E3A89A}"/>
-                </a:ext>
-              </a:extLst>
-            </p:cNvPr>
-            <p:cNvCxnSpPr/>
-            <p:nvPr/>
-          </p:nvCxnSpPr>
-          <p:spPr>
-            <a:xfrm flipV="1">
-              <a:off x="7569200" y="698500"/>
-              <a:ext cx="0" cy="234950"/>
-            </a:xfrm>
-            <a:prstGeom prst="straightConnector1">
-              <a:avLst/>
-            </a:prstGeom>
-            <a:ln>
-              <a:tailEnd type="triangle"/>
-            </a:ln>
-          </p:spPr>
-          <p:style>
-            <a:lnRef idx="2">
-              <a:schemeClr val="dk1"/>
-            </a:lnRef>
-            <a:fillRef idx="0">
-              <a:schemeClr val="dk1"/>
-            </a:fillRef>
-            <a:effectRef idx="1">
-              <a:schemeClr val="dk1"/>
-            </a:effectRef>
-            <a:fontRef idx="minor">
-              <a:schemeClr val="tx1"/>
-            </a:fontRef>
-          </p:style>
-        </p:cxnSp>
-        <p:cxnSp>
-          <p:nvCxnSpPr>
-            <p:cNvPr id="6" name="Straight Arrow Connector 5">
-              <a:extLst>
-                <a:ext uri="{FF2B5EF4-FFF2-40B4-BE49-F238E27FC236}">
-                  <a16:creationId xmlns:a16="http://schemas.microsoft.com/office/drawing/2014/main" id="{AE42DE88-BEB6-832A-07AB-2DE8D3BDCE11}"/>
-                </a:ext>
-              </a:extLst>
-            </p:cNvPr>
-            <p:cNvCxnSpPr>
-              <a:cxnSpLocks/>
-            </p:cNvCxnSpPr>
-            <p:nvPr/>
-          </p:nvCxnSpPr>
-          <p:spPr>
-            <a:xfrm>
-              <a:off x="6540500" y="952500"/>
-              <a:ext cx="2070100" cy="210"/>
-            </a:xfrm>
-            <a:prstGeom prst="straightConnector1">
-              <a:avLst/>
-            </a:prstGeom>
-            <a:ln>
-              <a:tailEnd type="triangle"/>
-            </a:ln>
-          </p:spPr>
-          <p:style>
-            <a:lnRef idx="2">
-              <a:schemeClr val="accent1"/>
-            </a:lnRef>
-            <a:fillRef idx="0">
-              <a:schemeClr val="accent1"/>
-            </a:fillRef>
-            <a:effectRef idx="1">
-              <a:schemeClr val="accent1"/>
-            </a:effectRef>
-            <a:fontRef idx="minor">
-              <a:schemeClr val="tx1"/>
-            </a:fontRef>
-          </p:style>
-        </p:cxnSp>
-        <mc:AlternateContent xmlns:mc="http://schemas.openxmlformats.org/markup-compatibility/2006">
-          <mc:Choice xmlns:a14="http://schemas.microsoft.com/office/drawing/2010/main" Requires="a14">
-            <p:sp>
-              <p:nvSpPr>
-                <p:cNvPr id="7" name="TextBox 6">
-                  <a:extLst>
-                    <a:ext uri="{FF2B5EF4-FFF2-40B4-BE49-F238E27FC236}">
-                      <a16:creationId xmlns:a16="http://schemas.microsoft.com/office/drawing/2014/main" id="{A28E9434-8284-EE27-CC9C-AA7E8989DD1C}"/>
-                    </a:ext>
-                  </a:extLst>
-                </p:cNvPr>
-                <p:cNvSpPr txBox="1"/>
-                <p:nvPr/>
-              </p:nvSpPr>
-              <p:spPr>
-                <a:xfrm>
-                  <a:off x="8535988" y="712561"/>
-                  <a:ext cx="304799" cy="369332"/>
-                </a:xfrm>
-                <a:prstGeom prst="rect">
-                  <a:avLst/>
-                </a:prstGeom>
-                <a:noFill/>
-              </p:spPr>
-              <p:txBody>
-                <a:bodyPr wrap="square" rtlCol="0">
-                  <a:spAutoFit/>
-                </a:bodyPr>
-                <a:lstStyle/>
-                <a:p>
-                  <a14:m>
-                    <m:oMathPara xmlns:m="http://schemas.openxmlformats.org/officeDocument/2006/math">
-                      <m:oMathParaPr>
-                        <m:jc m:val="centerGroup"/>
-                      </m:oMathParaPr>
-                      <m:oMath xmlns:m="http://schemas.openxmlformats.org/officeDocument/2006/math">
-                        <m:r>
-                          <a:rPr lang="en-US" b="0" i="1" smtClean="0">
-                            <a:latin typeface="Cambria Math" panose="02040503050406030204" pitchFamily="18" charset="0"/>
-                          </a:rPr>
-                          <m:t>𝑧</m:t>
-                        </m:r>
-                      </m:oMath>
-                    </m:oMathPara>
-                  </a14:m>
-                  <a:endParaRPr lang="en-US" dirty="0"/>
-                </a:p>
-              </p:txBody>
-            </p:sp>
-          </mc:Choice>
-          <mc:Fallback>
-            <p:sp>
-              <p:nvSpPr>
-                <p:cNvPr id="7" name="TextBox 6">
-                  <a:extLst>
-                    <a:ext uri="{FF2B5EF4-FFF2-40B4-BE49-F238E27FC236}">
-                      <a16:creationId xmlns:a16="http://schemas.microsoft.com/office/drawing/2014/main" id="{A28E9434-8284-EE27-CC9C-AA7E8989DD1C}"/>
-                    </a:ext>
-                  </a:extLst>
-                </p:cNvPr>
-                <p:cNvSpPr txBox="1">
-                  <a:spLocks noRot="1" noChangeAspect="1" noMove="1" noResize="1" noEditPoints="1" noAdjustHandles="1" noChangeArrowheads="1" noChangeShapeType="1" noTextEdit="1"/>
-                </p:cNvSpPr>
-                <p:nvPr/>
-              </p:nvSpPr>
-              <p:spPr>
-                <a:xfrm>
-                  <a:off x="8535988" y="712561"/>
-                  <a:ext cx="304799" cy="369332"/>
-                </a:xfrm>
-                <a:prstGeom prst="rect">
-                  <a:avLst/>
-                </a:prstGeom>
-                <a:blipFill>
-                  <a:blip r:embed="rId3"/>
-                  <a:stretch>
-                    <a:fillRect/>
-                  </a:stretch>
-                </a:blipFill>
-              </p:spPr>
-              <p:txBody>
-                <a:bodyPr/>
-                <a:lstStyle/>
-                <a:p>
-                  <a:r>
-                    <a:rPr lang="en-US">
-                      <a:noFill/>
-                    </a:rPr>
-                    <a:t> </a:t>
-                  </a:r>
-                </a:p>
-              </p:txBody>
-            </p:sp>
-          </mc:Fallback>
-        </mc:AlternateContent>
-        <mc:AlternateContent xmlns:mc="http://schemas.openxmlformats.org/markup-compatibility/2006">
-          <mc:Choice xmlns:a14="http://schemas.microsoft.com/office/drawing/2010/main" Requires="a14">
-            <p:sp>
-              <p:nvSpPr>
-                <p:cNvPr id="8" name="TextBox 7">
-                  <a:extLst>
-                    <a:ext uri="{FF2B5EF4-FFF2-40B4-BE49-F238E27FC236}">
-                      <a16:creationId xmlns:a16="http://schemas.microsoft.com/office/drawing/2014/main" id="{27CCA5BD-AC4A-0C0E-47A7-127428640293}"/>
-                    </a:ext>
-                  </a:extLst>
-                </p:cNvPr>
-                <p:cNvSpPr txBox="1"/>
-                <p:nvPr/>
-              </p:nvSpPr>
-              <p:spPr>
-                <a:xfrm>
-                  <a:off x="7413624" y="388977"/>
-                  <a:ext cx="311150" cy="369332"/>
-                </a:xfrm>
-                <a:prstGeom prst="rect">
-                  <a:avLst/>
-                </a:prstGeom>
-                <a:noFill/>
-              </p:spPr>
-              <p:txBody>
-                <a:bodyPr wrap="square" rtlCol="0">
-                  <a:spAutoFit/>
-                </a:bodyPr>
-                <a:lstStyle/>
-                <a:p>
-                  <a14:m>
-                    <m:oMathPara xmlns:m="http://schemas.openxmlformats.org/officeDocument/2006/math">
-                      <m:oMathParaPr>
-                        <m:jc m:val="centerGroup"/>
-                      </m:oMathParaPr>
-                      <m:oMath xmlns:m="http://schemas.openxmlformats.org/officeDocument/2006/math">
-                        <m:sSub>
-                          <m:sSubPr>
-                            <m:ctrlPr>
-                              <a:rPr lang="en-US" b="0" i="1" smtClean="0">
-                                <a:latin typeface="Cambria Math" panose="02040503050406030204" pitchFamily="18" charset="0"/>
-                              </a:rPr>
-                            </m:ctrlPr>
-                          </m:sSubPr>
-                          <m:e>
-                            <m:r>
-                              <a:rPr lang="en-US" b="0" i="1" smtClean="0">
-                                <a:latin typeface="Cambria Math" panose="02040503050406030204" pitchFamily="18" charset="0"/>
-                              </a:rPr>
-                              <m:t>𝐵</m:t>
-                            </m:r>
-                          </m:e>
-                          <m:sub>
-                            <m:r>
-                              <a:rPr lang="en-US" b="0" i="1" smtClean="0">
-                                <a:latin typeface="Cambria Math" panose="02040503050406030204" pitchFamily="18" charset="0"/>
-                              </a:rPr>
-                              <m:t>0</m:t>
-                            </m:r>
-                          </m:sub>
-                        </m:sSub>
-                      </m:oMath>
-                    </m:oMathPara>
-                  </a14:m>
-                  <a:endParaRPr lang="en-US" dirty="0"/>
-                </a:p>
-              </p:txBody>
-            </p:sp>
-          </mc:Choice>
-          <mc:Fallback>
-            <p:sp>
-              <p:nvSpPr>
-                <p:cNvPr id="8" name="TextBox 7">
-                  <a:extLst>
-                    <a:ext uri="{FF2B5EF4-FFF2-40B4-BE49-F238E27FC236}">
-                      <a16:creationId xmlns:a16="http://schemas.microsoft.com/office/drawing/2014/main" id="{27CCA5BD-AC4A-0C0E-47A7-127428640293}"/>
-                    </a:ext>
-                  </a:extLst>
-                </p:cNvPr>
-                <p:cNvSpPr txBox="1">
-                  <a:spLocks noRot="1" noChangeAspect="1" noMove="1" noResize="1" noEditPoints="1" noAdjustHandles="1" noChangeArrowheads="1" noChangeShapeType="1" noTextEdit="1"/>
-                </p:cNvSpPr>
-                <p:nvPr/>
-              </p:nvSpPr>
-              <p:spPr>
-                <a:xfrm>
-                  <a:off x="7413624" y="388977"/>
-                  <a:ext cx="311150" cy="369332"/>
-                </a:xfrm>
-                <a:prstGeom prst="rect">
-                  <a:avLst/>
-                </a:prstGeom>
-                <a:blipFill>
-                  <a:blip r:embed="rId4"/>
-                  <a:stretch>
-                    <a:fillRect r="-25490"/>
-                  </a:stretch>
-                </a:blipFill>
-              </p:spPr>
-              <p:txBody>
-                <a:bodyPr/>
-                <a:lstStyle/>
-                <a:p>
-                  <a:r>
-                    <a:rPr lang="en-US">
-                      <a:noFill/>
-                    </a:rPr>
-                    <a:t> </a:t>
-                  </a:r>
-                </a:p>
-              </p:txBody>
-            </p:sp>
-          </mc:Fallback>
-        </mc:AlternateContent>
-        <p:grpSp>
-          <p:nvGrpSpPr>
-            <p:cNvPr id="9" name="Group 8">
-              <a:extLst>
-                <a:ext uri="{FF2B5EF4-FFF2-40B4-BE49-F238E27FC236}">
-                  <a16:creationId xmlns:a16="http://schemas.microsoft.com/office/drawing/2014/main" id="{8480D9FA-D98E-3F49-D7BA-2682083F102A}"/>
-                </a:ext>
-              </a:extLst>
-            </p:cNvPr>
-            <p:cNvGrpSpPr/>
-            <p:nvPr/>
-          </p:nvGrpSpPr>
-          <p:grpSpPr>
-            <a:xfrm>
-              <a:off x="7364412" y="887911"/>
-              <a:ext cx="127000" cy="129600"/>
-              <a:chOff x="6673850" y="1160249"/>
-              <a:chExt cx="127000" cy="129600"/>
-            </a:xfrm>
-          </p:grpSpPr>
-          <p:sp>
-            <p:nvSpPr>
-              <p:cNvPr id="11" name="Oval 10">
-                <a:extLst>
-                  <a:ext uri="{FF2B5EF4-FFF2-40B4-BE49-F238E27FC236}">
-                    <a16:creationId xmlns:a16="http://schemas.microsoft.com/office/drawing/2014/main" id="{C37DA6DF-1C0A-11C3-C8BF-6CA2DCFC0482}"/>
-                  </a:ext>
-                </a:extLst>
-              </p:cNvPr>
-              <p:cNvSpPr/>
-              <p:nvPr/>
-            </p:nvSpPr>
-            <p:spPr>
-              <a:xfrm>
-                <a:off x="6673850" y="1160249"/>
-                <a:ext cx="127000" cy="129600"/>
-              </a:xfrm>
-              <a:prstGeom prst="ellipse">
-                <a:avLst/>
-              </a:prstGeom>
-              <a:noFill/>
-            </p:spPr>
-            <p:style>
-              <a:lnRef idx="2">
-                <a:schemeClr val="accent1">
-                  <a:shade val="15000"/>
-                </a:schemeClr>
-              </a:lnRef>
-              <a:fillRef idx="1">
-                <a:schemeClr val="accent1"/>
-              </a:fillRef>
-              <a:effectRef idx="0">
-                <a:schemeClr val="accent1"/>
-              </a:effectRef>
-              <a:fontRef idx="minor">
-                <a:schemeClr val="lt1"/>
-              </a:fontRef>
-            </p:style>
-            <p:txBody>
-              <a:bodyPr rtlCol="0" anchor="ctr"/>
-              <a:lstStyle/>
-              <a:p>
-                <a:pPr algn="ctr"/>
-                <a:endParaRPr lang="en-US"/>
-              </a:p>
-            </p:txBody>
-          </p:sp>
-          <p:sp>
-            <p:nvSpPr>
-              <p:cNvPr id="12" name="Oval 11">
-                <a:extLst>
-                  <a:ext uri="{FF2B5EF4-FFF2-40B4-BE49-F238E27FC236}">
-                    <a16:creationId xmlns:a16="http://schemas.microsoft.com/office/drawing/2014/main" id="{42B8D4DC-D67C-6ECB-A9DA-2081D30EFA92}"/>
-                  </a:ext>
-                </a:extLst>
-              </p:cNvPr>
-              <p:cNvSpPr/>
-              <p:nvPr/>
-            </p:nvSpPr>
-            <p:spPr>
-              <a:xfrm>
-                <a:off x="6718300" y="1202189"/>
-                <a:ext cx="45719" cy="45719"/>
-              </a:xfrm>
-              <a:prstGeom prst="ellipse">
-                <a:avLst/>
-              </a:prstGeom>
-            </p:spPr>
-            <p:style>
-              <a:lnRef idx="2">
-                <a:schemeClr val="accent1">
-                  <a:shade val="15000"/>
-                </a:schemeClr>
-              </a:lnRef>
-              <a:fillRef idx="1">
-                <a:schemeClr val="accent1"/>
-              </a:fillRef>
-              <a:effectRef idx="0">
-                <a:schemeClr val="accent1"/>
-              </a:effectRef>
-              <a:fontRef idx="minor">
-                <a:schemeClr val="lt1"/>
-              </a:fontRef>
-            </p:style>
-            <p:txBody>
-              <a:bodyPr rtlCol="0" anchor="ctr"/>
-              <a:lstStyle/>
-              <a:p>
-                <a:pPr algn="ctr"/>
-                <a:endParaRPr lang="en-US"/>
-              </a:p>
-            </p:txBody>
-          </p:sp>
-        </p:grpSp>
-        <mc:AlternateContent xmlns:mc="http://schemas.openxmlformats.org/markup-compatibility/2006">
-          <mc:Choice xmlns:a14="http://schemas.microsoft.com/office/drawing/2010/main" Requires="a14">
-            <p:sp>
-              <p:nvSpPr>
-                <p:cNvPr id="10" name="TextBox 9">
-                  <a:extLst>
-                    <a:ext uri="{FF2B5EF4-FFF2-40B4-BE49-F238E27FC236}">
-                      <a16:creationId xmlns:a16="http://schemas.microsoft.com/office/drawing/2014/main" id="{E7BF1EFF-F760-49CD-875A-BDD7E36BD129}"/>
-                    </a:ext>
-                  </a:extLst>
-                </p:cNvPr>
-                <p:cNvSpPr txBox="1"/>
-                <p:nvPr/>
-              </p:nvSpPr>
-              <p:spPr>
-                <a:xfrm>
-                  <a:off x="7156449" y="985095"/>
-                  <a:ext cx="260350" cy="369332"/>
-                </a:xfrm>
-                <a:prstGeom prst="rect">
-                  <a:avLst/>
-                </a:prstGeom>
-                <a:noFill/>
-              </p:spPr>
-              <p:txBody>
-                <a:bodyPr wrap="square" rtlCol="0">
-                  <a:spAutoFit/>
-                </a:bodyPr>
-                <a:lstStyle/>
-                <a:p>
-                  <a14:m>
-                    <m:oMathPara xmlns:m="http://schemas.openxmlformats.org/officeDocument/2006/math">
-                      <m:oMathParaPr>
-                        <m:jc m:val="centerGroup"/>
-                      </m:oMathParaPr>
-                      <m:oMath xmlns:m="http://schemas.openxmlformats.org/officeDocument/2006/math">
-                        <m:sSub>
-                          <m:sSubPr>
-                            <m:ctrlPr>
-                              <a:rPr lang="en-US" b="0" i="1" smtClean="0">
-                                <a:latin typeface="Cambria Math" panose="02040503050406030204" pitchFamily="18" charset="0"/>
-                              </a:rPr>
-                            </m:ctrlPr>
-                          </m:sSubPr>
-                          <m:e>
-                            <m:r>
-                              <a:rPr lang="en-US" b="0" i="1" smtClean="0">
-                                <a:latin typeface="Cambria Math" panose="02040503050406030204" pitchFamily="18" charset="0"/>
-                              </a:rPr>
-                              <m:t>𝐸</m:t>
-                            </m:r>
-                          </m:e>
-                          <m:sub>
-                            <m:r>
-                              <a:rPr lang="en-US" b="0" i="1" smtClean="0">
-                                <a:latin typeface="Cambria Math" panose="02040503050406030204" pitchFamily="18" charset="0"/>
-                              </a:rPr>
-                              <m:t>𝑥</m:t>
-                            </m:r>
-                          </m:sub>
-                        </m:sSub>
-                      </m:oMath>
-                    </m:oMathPara>
-                  </a14:m>
-                  <a:endParaRPr lang="en-US" dirty="0"/>
-                </a:p>
-              </p:txBody>
-            </p:sp>
-          </mc:Choice>
-          <mc:Fallback>
-            <p:sp>
-              <p:nvSpPr>
-                <p:cNvPr id="10" name="TextBox 9">
-                  <a:extLst>
-                    <a:ext uri="{FF2B5EF4-FFF2-40B4-BE49-F238E27FC236}">
-                      <a16:creationId xmlns:a16="http://schemas.microsoft.com/office/drawing/2014/main" id="{E7BF1EFF-F760-49CD-875A-BDD7E36BD129}"/>
-                    </a:ext>
-                  </a:extLst>
-                </p:cNvPr>
-                <p:cNvSpPr txBox="1">
-                  <a:spLocks noRot="1" noChangeAspect="1" noMove="1" noResize="1" noEditPoints="1" noAdjustHandles="1" noChangeArrowheads="1" noChangeShapeType="1" noTextEdit="1"/>
-                </p:cNvSpPr>
-                <p:nvPr/>
-              </p:nvSpPr>
-              <p:spPr>
-                <a:xfrm>
-                  <a:off x="7156449" y="985095"/>
-                  <a:ext cx="260350" cy="369332"/>
-                </a:xfrm>
-                <a:prstGeom prst="rect">
-                  <a:avLst/>
-                </a:prstGeom>
-                <a:blipFill>
-                  <a:blip r:embed="rId5"/>
-                  <a:stretch>
-                    <a:fillRect r="-41860"/>
-                  </a:stretch>
-                </a:blipFill>
-              </p:spPr>
-              <p:txBody>
-                <a:bodyPr/>
-                <a:lstStyle/>
-                <a:p>
-                  <a:r>
-                    <a:rPr lang="en-US">
-                      <a:noFill/>
-                    </a:rPr>
-                    <a:t> </a:t>
-                  </a:r>
-                </a:p>
-              </p:txBody>
-            </p:sp>
-          </mc:Fallback>
-        </mc:AlternateContent>
-      </p:grpSp>
-    </p:spTree>
-    <p:extLst>
-      <p:ext uri="{BB962C8B-B14F-4D97-AF65-F5344CB8AC3E}">
-        <p14:creationId xmlns:p14="http://schemas.microsoft.com/office/powerpoint/2010/main" val="925342017"/>
-      </p:ext>
-    </p:extLst>
-  </p:cSld>
-  <p:clrMapOvr>
-    <a:masterClrMapping/>
-  </p:clrMapOvr>
-</p:sld>
-</file>
-
-<file path=ppt/slides/slide9.xml><?xml version="1.0" encoding="utf-8"?>
 <p:sld xmlns:a="http://schemas.openxmlformats.org/drawingml/2006/main" xmlns:r="http://schemas.openxmlformats.org/officeDocument/2006/relationships" xmlns:p="http://schemas.openxmlformats.org/presentationml/2006/main">
   <p:cSld>
     <p:spTree>
@@ -19139,6 +19931,383 @@
     <p:extLst>
       <p:ext uri="{BB962C8B-B14F-4D97-AF65-F5344CB8AC3E}">
         <p14:creationId xmlns:p14="http://schemas.microsoft.com/office/powerpoint/2010/main" val="1549738819"/>
+      </p:ext>
+    </p:extLst>
+  </p:cSld>
+  <p:clrMapOvr>
+    <a:masterClrMapping/>
+  </p:clrMapOvr>
+</p:sld>
+</file>
+
+<file path=ppt/slides/slide9.xml><?xml version="1.0" encoding="utf-8"?>
+<p:sld xmlns:a="http://schemas.openxmlformats.org/drawingml/2006/main" xmlns:r="http://schemas.openxmlformats.org/officeDocument/2006/relationships" xmlns:p="http://schemas.openxmlformats.org/presentationml/2006/main">
+  <p:cSld>
+    <p:spTree>
+      <p:nvGrpSpPr>
+        <p:cNvPr id="1" name=""/>
+        <p:cNvGrpSpPr/>
+        <p:nvPr/>
+      </p:nvGrpSpPr>
+      <p:grpSpPr>
+        <a:xfrm>
+          <a:off x="0" y="0"/>
+          <a:ext cx="0" cy="0"/>
+          <a:chOff x="0" y="0"/>
+          <a:chExt cx="0" cy="0"/>
+        </a:xfrm>
+      </p:grpSpPr>
+      <p:sp>
+        <p:nvSpPr>
+          <p:cNvPr id="2" name="TextBox 1">
+            <a:extLst>
+              <a:ext uri="{FF2B5EF4-FFF2-40B4-BE49-F238E27FC236}">
+                <a16:creationId xmlns:a16="http://schemas.microsoft.com/office/drawing/2014/main" id="{0B6BDF37-49A0-EA3D-1956-68C4F7655A2C}"/>
+              </a:ext>
+            </a:extLst>
+          </p:cNvPr>
+          <p:cNvSpPr txBox="1"/>
+          <p:nvPr/>
+        </p:nvSpPr>
+        <p:spPr>
+          <a:xfrm>
+            <a:off x="2593959" y="333979"/>
+            <a:ext cx="3300761" cy="369332"/>
+          </a:xfrm>
+          <a:prstGeom prst="rect">
+            <a:avLst/>
+          </a:prstGeom>
+          <a:noFill/>
+        </p:spPr>
+        <p:txBody>
+          <a:bodyPr wrap="square" rtlCol="0">
+            <a:spAutoFit/>
+          </a:bodyPr>
+          <a:lstStyle/>
+          <a:p>
+            <a:r>
+              <a:rPr lang="en-US" dirty="0"/>
+              <a:t>Simulation Results</a:t>
+            </a:r>
+          </a:p>
+        </p:txBody>
+      </p:sp>
+      <p:grpSp>
+        <p:nvGrpSpPr>
+          <p:cNvPr id="12" name="Group 11">
+            <a:extLst>
+              <a:ext uri="{FF2B5EF4-FFF2-40B4-BE49-F238E27FC236}">
+                <a16:creationId xmlns:a16="http://schemas.microsoft.com/office/drawing/2014/main" id="{61C5760E-64AE-47F6-89EF-F7D624E70049}"/>
+              </a:ext>
+            </a:extLst>
+          </p:cNvPr>
+          <p:cNvGrpSpPr/>
+          <p:nvPr/>
+        </p:nvGrpSpPr>
+        <p:grpSpPr>
+          <a:xfrm>
+            <a:off x="2593959" y="977026"/>
+            <a:ext cx="5334000" cy="4109324"/>
+            <a:chOff x="3109869" y="1319926"/>
+            <a:chExt cx="5334000" cy="4109324"/>
+          </a:xfrm>
+        </p:grpSpPr>
+        <p:pic>
+          <p:nvPicPr>
+            <p:cNvPr id="7" name="Picture 6">
+              <a:extLst>
+                <a:ext uri="{FF2B5EF4-FFF2-40B4-BE49-F238E27FC236}">
+                  <a16:creationId xmlns:a16="http://schemas.microsoft.com/office/drawing/2014/main" id="{D4C034DE-F339-3D6F-42AB-380045695EF1}"/>
+                </a:ext>
+              </a:extLst>
+            </p:cNvPr>
+            <p:cNvPicPr>
+              <a:picLocks noChangeAspect="1"/>
+            </p:cNvPicPr>
+            <p:nvPr/>
+          </p:nvPicPr>
+          <p:blipFill>
+            <a:blip r:embed="rId2"/>
+            <a:stretch>
+              <a:fillRect/>
+            </a:stretch>
+          </p:blipFill>
+          <p:spPr>
+            <a:xfrm>
+              <a:off x="3109869" y="1428750"/>
+              <a:ext cx="5334000" cy="4000500"/>
+            </a:xfrm>
+            <a:prstGeom prst="rect">
+              <a:avLst/>
+            </a:prstGeom>
+          </p:spPr>
+        </p:pic>
+        <p:sp>
+          <p:nvSpPr>
+            <p:cNvPr id="3" name="Rectangle 2">
+              <a:extLst>
+                <a:ext uri="{FF2B5EF4-FFF2-40B4-BE49-F238E27FC236}">
+                  <a16:creationId xmlns:a16="http://schemas.microsoft.com/office/drawing/2014/main" id="{C6F9F113-6E28-46C0-880A-20EDC1CAF3DF}"/>
+                </a:ext>
+              </a:extLst>
+            </p:cNvPr>
+            <p:cNvSpPr/>
+            <p:nvPr/>
+          </p:nvSpPr>
+          <p:spPr>
+            <a:xfrm>
+              <a:off x="3810000" y="1722120"/>
+              <a:ext cx="434340" cy="3230880"/>
+            </a:xfrm>
+            <a:prstGeom prst="rect">
+              <a:avLst/>
+            </a:prstGeom>
+            <a:solidFill>
+              <a:srgbClr val="FFC000">
+                <a:alpha val="18000"/>
+              </a:srgbClr>
+            </a:solidFill>
+            <a:ln>
+              <a:noFill/>
+            </a:ln>
+          </p:spPr>
+          <p:style>
+            <a:lnRef idx="2">
+              <a:schemeClr val="accent1">
+                <a:shade val="50000"/>
+              </a:schemeClr>
+            </a:lnRef>
+            <a:fillRef idx="1">
+              <a:schemeClr val="accent1"/>
+            </a:fillRef>
+            <a:effectRef idx="0">
+              <a:schemeClr val="accent1"/>
+            </a:effectRef>
+            <a:fontRef idx="minor">
+              <a:schemeClr val="lt1"/>
+            </a:fontRef>
+          </p:style>
+          <p:txBody>
+            <a:bodyPr rtlCol="0" anchor="ctr"/>
+            <a:lstStyle/>
+            <a:p>
+              <a:pPr algn="ctr"/>
+              <a:endParaRPr lang="en-US"/>
+            </a:p>
+          </p:txBody>
+        </p:sp>
+        <p:sp>
+          <p:nvSpPr>
+            <p:cNvPr id="5" name="Rectangle 4">
+              <a:extLst>
+                <a:ext uri="{FF2B5EF4-FFF2-40B4-BE49-F238E27FC236}">
+                  <a16:creationId xmlns:a16="http://schemas.microsoft.com/office/drawing/2014/main" id="{273029FC-8773-49A9-8B3D-D256DB279931}"/>
+                </a:ext>
+              </a:extLst>
+            </p:cNvPr>
+            <p:cNvSpPr/>
+            <p:nvPr/>
+          </p:nvSpPr>
+          <p:spPr>
+            <a:xfrm>
+              <a:off x="4244340" y="1722120"/>
+              <a:ext cx="3703322" cy="3230880"/>
+            </a:xfrm>
+            <a:prstGeom prst="rect">
+              <a:avLst/>
+            </a:prstGeom>
+            <a:solidFill>
+              <a:schemeClr val="accent6">
+                <a:lumMod val="75000"/>
+                <a:alpha val="18000"/>
+              </a:schemeClr>
+            </a:solidFill>
+            <a:ln>
+              <a:noFill/>
+            </a:ln>
+          </p:spPr>
+          <p:style>
+            <a:lnRef idx="2">
+              <a:schemeClr val="accent1">
+                <a:shade val="50000"/>
+              </a:schemeClr>
+            </a:lnRef>
+            <a:fillRef idx="1">
+              <a:schemeClr val="accent1"/>
+            </a:fillRef>
+            <a:effectRef idx="0">
+              <a:schemeClr val="accent1"/>
+            </a:effectRef>
+            <a:fontRef idx="minor">
+              <a:schemeClr val="lt1"/>
+            </a:fontRef>
+          </p:style>
+          <p:txBody>
+            <a:bodyPr rtlCol="0" anchor="ctr"/>
+            <a:lstStyle/>
+            <a:p>
+              <a:pPr algn="ctr"/>
+              <a:endParaRPr lang="en-US"/>
+            </a:p>
+          </p:txBody>
+        </p:sp>
+        <p:cxnSp>
+          <p:nvCxnSpPr>
+            <p:cNvPr id="6" name="Straight Arrow Connector 5">
+              <a:extLst>
+                <a:ext uri="{FF2B5EF4-FFF2-40B4-BE49-F238E27FC236}">
+                  <a16:creationId xmlns:a16="http://schemas.microsoft.com/office/drawing/2014/main" id="{79D72EE5-F3BC-40E8-AC28-AC965EBDF344}"/>
+                </a:ext>
+              </a:extLst>
+            </p:cNvPr>
+            <p:cNvCxnSpPr/>
+            <p:nvPr/>
+          </p:nvCxnSpPr>
+          <p:spPr>
+            <a:xfrm>
+              <a:off x="3810000" y="1844040"/>
+              <a:ext cx="434340" cy="0"/>
+            </a:xfrm>
+            <a:prstGeom prst="straightConnector1">
+              <a:avLst/>
+            </a:prstGeom>
+            <a:ln>
+              <a:headEnd type="triangle"/>
+              <a:tailEnd type="triangle"/>
+            </a:ln>
+          </p:spPr>
+          <p:style>
+            <a:lnRef idx="2">
+              <a:schemeClr val="dk1"/>
+            </a:lnRef>
+            <a:fillRef idx="0">
+              <a:schemeClr val="dk1"/>
+            </a:fillRef>
+            <a:effectRef idx="1">
+              <a:schemeClr val="dk1"/>
+            </a:effectRef>
+            <a:fontRef idx="minor">
+              <a:schemeClr val="tx1"/>
+            </a:fontRef>
+          </p:style>
+        </p:cxnSp>
+        <p:cxnSp>
+          <p:nvCxnSpPr>
+            <p:cNvPr id="8" name="Straight Arrow Connector 7">
+              <a:extLst>
+                <a:ext uri="{FF2B5EF4-FFF2-40B4-BE49-F238E27FC236}">
+                  <a16:creationId xmlns:a16="http://schemas.microsoft.com/office/drawing/2014/main" id="{3CA456EB-591D-4A34-9AA1-46E283D2D4DC}"/>
+                </a:ext>
+              </a:extLst>
+            </p:cNvPr>
+            <p:cNvCxnSpPr>
+              <a:cxnSpLocks/>
+            </p:cNvCxnSpPr>
+            <p:nvPr/>
+          </p:nvCxnSpPr>
+          <p:spPr>
+            <a:xfrm>
+              <a:off x="4244340" y="1844040"/>
+              <a:ext cx="3703322" cy="0"/>
+            </a:xfrm>
+            <a:prstGeom prst="straightConnector1">
+              <a:avLst/>
+            </a:prstGeom>
+            <a:ln>
+              <a:headEnd type="triangle"/>
+              <a:tailEnd type="triangle"/>
+            </a:ln>
+          </p:spPr>
+          <p:style>
+            <a:lnRef idx="3">
+              <a:schemeClr val="dk1"/>
+            </a:lnRef>
+            <a:fillRef idx="0">
+              <a:schemeClr val="dk1"/>
+            </a:fillRef>
+            <a:effectRef idx="2">
+              <a:schemeClr val="dk1"/>
+            </a:effectRef>
+            <a:fontRef idx="minor">
+              <a:schemeClr val="tx1"/>
+            </a:fontRef>
+          </p:style>
+        </p:cxnSp>
+        <p:sp>
+          <p:nvSpPr>
+            <p:cNvPr id="10" name="TextBox 9">
+              <a:extLst>
+                <a:ext uri="{FF2B5EF4-FFF2-40B4-BE49-F238E27FC236}">
+                  <a16:creationId xmlns:a16="http://schemas.microsoft.com/office/drawing/2014/main" id="{D7B8C9EF-6DFA-434A-86EA-A8531AFEA8D1}"/>
+                </a:ext>
+              </a:extLst>
+            </p:cNvPr>
+            <p:cNvSpPr txBox="1"/>
+            <p:nvPr/>
+          </p:nvSpPr>
+          <p:spPr>
+            <a:xfrm>
+              <a:off x="3375660" y="1319926"/>
+              <a:ext cx="1303020" cy="307777"/>
+            </a:xfrm>
+            <a:prstGeom prst="rect">
+              <a:avLst/>
+            </a:prstGeom>
+            <a:noFill/>
+          </p:spPr>
+          <p:txBody>
+            <a:bodyPr wrap="square" rtlCol="0">
+              <a:spAutoFit/>
+            </a:bodyPr>
+            <a:lstStyle/>
+            <a:p>
+              <a:r>
+                <a:rPr lang="en-US" sz="1400" dirty="0"/>
+                <a:t>Scattering field</a:t>
+              </a:r>
+            </a:p>
+          </p:txBody>
+        </p:sp>
+        <p:sp>
+          <p:nvSpPr>
+            <p:cNvPr id="11" name="TextBox 10">
+              <a:extLst>
+                <a:ext uri="{FF2B5EF4-FFF2-40B4-BE49-F238E27FC236}">
+                  <a16:creationId xmlns:a16="http://schemas.microsoft.com/office/drawing/2014/main" id="{95AD38C7-F4DD-453A-802D-A8288B489BD9}"/>
+                </a:ext>
+              </a:extLst>
+            </p:cNvPr>
+            <p:cNvSpPr txBox="1"/>
+            <p:nvPr/>
+          </p:nvSpPr>
+          <p:spPr>
+            <a:xfrm>
+              <a:off x="6012180" y="1319927"/>
+              <a:ext cx="914400" cy="307777"/>
+            </a:xfrm>
+            <a:prstGeom prst="rect">
+              <a:avLst/>
+            </a:prstGeom>
+            <a:noFill/>
+          </p:spPr>
+          <p:txBody>
+            <a:bodyPr wrap="square" rtlCol="0">
+              <a:spAutoFit/>
+            </a:bodyPr>
+            <a:lstStyle/>
+            <a:p>
+              <a:r>
+                <a:rPr lang="en-US" sz="1400" dirty="0"/>
+                <a:t>Total field</a:t>
+              </a:r>
+            </a:p>
+          </p:txBody>
+        </p:sp>
+      </p:grpSp>
+    </p:spTree>
+    <p:extLst>
+      <p:ext uri="{BB962C8B-B14F-4D97-AF65-F5344CB8AC3E}">
+        <p14:creationId xmlns:p14="http://schemas.microsoft.com/office/powerpoint/2010/main" val="3969964063"/>
       </p:ext>
     </p:extLst>
   </p:cSld>

--- a/1D full wave simulation in magnetic plasma.pptx
+++ b/1D full wave simulation in magnetic plasma.pptx
@@ -216,7 +216,7 @@
           <a:p>
             <a:fld id="{C5DE7E22-804B-4E26-B4A3-C691BFFD7AE1}" type="datetimeFigureOut">
               <a:rPr lang="en-US" smtClean="0"/>
-              <a:t>9/9/2024</a:t>
+              <a:t>9/12/2024</a:t>
             </a:fld>
             <a:endParaRPr lang="en-US"/>
           </a:p>
@@ -740,7 +740,7 @@
           <a:p>
             <a:fld id="{C671B4A3-1C98-445D-9979-D615F6EB5AA5}" type="datetimeFigureOut">
               <a:rPr lang="en-US" smtClean="0"/>
-              <a:t>9/9/2024</a:t>
+              <a:t>9/12/2024</a:t>
             </a:fld>
             <a:endParaRPr lang="en-US"/>
           </a:p>
@@ -938,7 +938,7 @@
           <a:p>
             <a:fld id="{C671B4A3-1C98-445D-9979-D615F6EB5AA5}" type="datetimeFigureOut">
               <a:rPr lang="en-US" smtClean="0"/>
-              <a:t>9/9/2024</a:t>
+              <a:t>9/12/2024</a:t>
             </a:fld>
             <a:endParaRPr lang="en-US"/>
           </a:p>
@@ -1146,7 +1146,7 @@
           <a:p>
             <a:fld id="{C671B4A3-1C98-445D-9979-D615F6EB5AA5}" type="datetimeFigureOut">
               <a:rPr lang="en-US" smtClean="0"/>
-              <a:t>9/9/2024</a:t>
+              <a:t>9/12/2024</a:t>
             </a:fld>
             <a:endParaRPr lang="en-US"/>
           </a:p>
@@ -1344,7 +1344,7 @@
           <a:p>
             <a:fld id="{C671B4A3-1C98-445D-9979-D615F6EB5AA5}" type="datetimeFigureOut">
               <a:rPr lang="en-US" smtClean="0"/>
-              <a:t>9/9/2024</a:t>
+              <a:t>9/12/2024</a:t>
             </a:fld>
             <a:endParaRPr lang="en-US"/>
           </a:p>
@@ -1619,7 +1619,7 @@
           <a:p>
             <a:fld id="{C671B4A3-1C98-445D-9979-D615F6EB5AA5}" type="datetimeFigureOut">
               <a:rPr lang="en-US" smtClean="0"/>
-              <a:t>9/9/2024</a:t>
+              <a:t>9/12/2024</a:t>
             </a:fld>
             <a:endParaRPr lang="en-US"/>
           </a:p>
@@ -1884,7 +1884,7 @@
           <a:p>
             <a:fld id="{C671B4A3-1C98-445D-9979-D615F6EB5AA5}" type="datetimeFigureOut">
               <a:rPr lang="en-US" smtClean="0"/>
-              <a:t>9/9/2024</a:t>
+              <a:t>9/12/2024</a:t>
             </a:fld>
             <a:endParaRPr lang="en-US"/>
           </a:p>
@@ -2296,7 +2296,7 @@
           <a:p>
             <a:fld id="{C671B4A3-1C98-445D-9979-D615F6EB5AA5}" type="datetimeFigureOut">
               <a:rPr lang="en-US" smtClean="0"/>
-              <a:t>9/9/2024</a:t>
+              <a:t>9/12/2024</a:t>
             </a:fld>
             <a:endParaRPr lang="en-US"/>
           </a:p>
@@ -2437,7 +2437,7 @@
           <a:p>
             <a:fld id="{C671B4A3-1C98-445D-9979-D615F6EB5AA5}" type="datetimeFigureOut">
               <a:rPr lang="en-US" smtClean="0"/>
-              <a:t>9/9/2024</a:t>
+              <a:t>9/12/2024</a:t>
             </a:fld>
             <a:endParaRPr lang="en-US"/>
           </a:p>
@@ -2550,7 +2550,7 @@
           <a:p>
             <a:fld id="{C671B4A3-1C98-445D-9979-D615F6EB5AA5}" type="datetimeFigureOut">
               <a:rPr lang="en-US" smtClean="0"/>
-              <a:t>9/9/2024</a:t>
+              <a:t>9/12/2024</a:t>
             </a:fld>
             <a:endParaRPr lang="en-US"/>
           </a:p>
@@ -2861,7 +2861,7 @@
           <a:p>
             <a:fld id="{C671B4A3-1C98-445D-9979-D615F6EB5AA5}" type="datetimeFigureOut">
               <a:rPr lang="en-US" smtClean="0"/>
-              <a:t>9/9/2024</a:t>
+              <a:t>9/12/2024</a:t>
             </a:fld>
             <a:endParaRPr lang="en-US"/>
           </a:p>
@@ -3149,7 +3149,7 @@
           <a:p>
             <a:fld id="{C671B4A3-1C98-445D-9979-D615F6EB5AA5}" type="datetimeFigureOut">
               <a:rPr lang="en-US" smtClean="0"/>
-              <a:t>9/9/2024</a:t>
+              <a:t>9/12/2024</a:t>
             </a:fld>
             <a:endParaRPr lang="en-US"/>
           </a:p>
@@ -3390,7 +3390,7 @@
           <a:p>
             <a:fld id="{C671B4A3-1C98-445D-9979-D615F6EB5AA5}" type="datetimeFigureOut">
               <a:rPr lang="en-US" smtClean="0"/>
-              <a:t>9/9/2024</a:t>
+              <a:t>9/12/2024</a:t>
             </a:fld>
             <a:endParaRPr lang="en-US"/>
           </a:p>
@@ -4207,6 +4207,547 @@
           </a:p>
         </p:txBody>
       </p:sp>
+      <p:grpSp>
+        <p:nvGrpSpPr>
+          <p:cNvPr id="11" name="Group 10">
+            <a:extLst>
+              <a:ext uri="{FF2B5EF4-FFF2-40B4-BE49-F238E27FC236}">
+                <a16:creationId xmlns:a16="http://schemas.microsoft.com/office/drawing/2014/main" id="{BC2D79A5-F61A-49EA-A7FD-270ED8D189CC}"/>
+              </a:ext>
+            </a:extLst>
+          </p:cNvPr>
+          <p:cNvGrpSpPr/>
+          <p:nvPr/>
+        </p:nvGrpSpPr>
+        <p:grpSpPr>
+          <a:xfrm>
+            <a:off x="7283450" y="433427"/>
+            <a:ext cx="2300287" cy="965450"/>
+            <a:chOff x="6540500" y="388977"/>
+            <a:chExt cx="2300287" cy="965450"/>
+          </a:xfrm>
+        </p:grpSpPr>
+        <p:cxnSp>
+          <p:nvCxnSpPr>
+            <p:cNvPr id="13" name="Straight Arrow Connector 12">
+              <a:extLst>
+                <a:ext uri="{FF2B5EF4-FFF2-40B4-BE49-F238E27FC236}">
+                  <a16:creationId xmlns:a16="http://schemas.microsoft.com/office/drawing/2014/main" id="{6FCF056C-4823-4E3E-B2D6-73F9B300C49D}"/>
+                </a:ext>
+              </a:extLst>
+            </p:cNvPr>
+            <p:cNvCxnSpPr/>
+            <p:nvPr/>
+          </p:nvCxnSpPr>
+          <p:spPr>
+            <a:xfrm flipV="1">
+              <a:off x="7569200" y="698500"/>
+              <a:ext cx="0" cy="234950"/>
+            </a:xfrm>
+            <a:prstGeom prst="straightConnector1">
+              <a:avLst/>
+            </a:prstGeom>
+            <a:ln>
+              <a:tailEnd type="triangle"/>
+            </a:ln>
+          </p:spPr>
+          <p:style>
+            <a:lnRef idx="2">
+              <a:schemeClr val="dk1"/>
+            </a:lnRef>
+            <a:fillRef idx="0">
+              <a:schemeClr val="dk1"/>
+            </a:fillRef>
+            <a:effectRef idx="1">
+              <a:schemeClr val="dk1"/>
+            </a:effectRef>
+            <a:fontRef idx="minor">
+              <a:schemeClr val="tx1"/>
+            </a:fontRef>
+          </p:style>
+        </p:cxnSp>
+        <p:cxnSp>
+          <p:nvCxnSpPr>
+            <p:cNvPr id="15" name="Straight Arrow Connector 14">
+              <a:extLst>
+                <a:ext uri="{FF2B5EF4-FFF2-40B4-BE49-F238E27FC236}">
+                  <a16:creationId xmlns:a16="http://schemas.microsoft.com/office/drawing/2014/main" id="{C938792E-10F9-42C8-A5B4-DF0808895C17}"/>
+                </a:ext>
+              </a:extLst>
+            </p:cNvPr>
+            <p:cNvCxnSpPr>
+              <a:cxnSpLocks/>
+            </p:cNvCxnSpPr>
+            <p:nvPr/>
+          </p:nvCxnSpPr>
+          <p:spPr>
+            <a:xfrm>
+              <a:off x="6540500" y="952500"/>
+              <a:ext cx="2070100" cy="210"/>
+            </a:xfrm>
+            <a:prstGeom prst="straightConnector1">
+              <a:avLst/>
+            </a:prstGeom>
+            <a:ln>
+              <a:tailEnd type="triangle"/>
+            </a:ln>
+          </p:spPr>
+          <p:style>
+            <a:lnRef idx="2">
+              <a:schemeClr val="accent1"/>
+            </a:lnRef>
+            <a:fillRef idx="0">
+              <a:schemeClr val="accent1"/>
+            </a:fillRef>
+            <a:effectRef idx="1">
+              <a:schemeClr val="accent1"/>
+            </a:effectRef>
+            <a:fontRef idx="minor">
+              <a:schemeClr val="tx1"/>
+            </a:fontRef>
+          </p:style>
+        </p:cxnSp>
+        <mc:AlternateContent xmlns:mc="http://schemas.openxmlformats.org/markup-compatibility/2006" xmlns:a14="http://schemas.microsoft.com/office/drawing/2010/main">
+          <mc:Choice Requires="a14">
+            <p:sp>
+              <p:nvSpPr>
+                <p:cNvPr id="16" name="TextBox 15">
+                  <a:extLst>
+                    <a:ext uri="{FF2B5EF4-FFF2-40B4-BE49-F238E27FC236}">
+                      <a16:creationId xmlns:a16="http://schemas.microsoft.com/office/drawing/2014/main" id="{87ACE5DC-700A-418F-B49F-550695D9237B}"/>
+                    </a:ext>
+                  </a:extLst>
+                </p:cNvPr>
+                <p:cNvSpPr txBox="1"/>
+                <p:nvPr/>
+              </p:nvSpPr>
+              <p:spPr>
+                <a:xfrm>
+                  <a:off x="8535988" y="712561"/>
+                  <a:ext cx="304799" cy="369332"/>
+                </a:xfrm>
+                <a:prstGeom prst="rect">
+                  <a:avLst/>
+                </a:prstGeom>
+                <a:noFill/>
+              </p:spPr>
+              <p:txBody>
+                <a:bodyPr wrap="square" rtlCol="0">
+                  <a:spAutoFit/>
+                </a:bodyPr>
+                <a:lstStyle/>
+                <a:p>
+                  <a:pPr/>
+                  <a14:m>
+                    <m:oMathPara xmlns:m="http://schemas.openxmlformats.org/officeDocument/2006/math">
+                      <m:oMathParaPr>
+                        <m:jc m:val="centerGroup"/>
+                      </m:oMathParaPr>
+                      <m:oMath xmlns:m="http://schemas.openxmlformats.org/officeDocument/2006/math">
+                        <m:r>
+                          <a:rPr lang="en-US" b="0" i="1" smtClean="0">
+                            <a:latin typeface="Cambria Math" panose="02040503050406030204" pitchFamily="18" charset="0"/>
+                          </a:rPr>
+                          <m:t>𝑧</m:t>
+                        </m:r>
+                      </m:oMath>
+                    </m:oMathPara>
+                  </a14:m>
+                  <a:endParaRPr lang="en-US" dirty="0"/>
+                </a:p>
+              </p:txBody>
+            </p:sp>
+          </mc:Choice>
+          <mc:Fallback xmlns="">
+            <p:sp>
+              <p:nvSpPr>
+                <p:cNvPr id="14" name="TextBox 13">
+                  <a:extLst>
+                    <a:ext uri="{FF2B5EF4-FFF2-40B4-BE49-F238E27FC236}">
+                      <a16:creationId xmlns:a16="http://schemas.microsoft.com/office/drawing/2014/main" id="{C20EB5DE-7B92-085C-2513-7E6642F94BBA}"/>
+                    </a:ext>
+                  </a:extLst>
+                </p:cNvPr>
+                <p:cNvSpPr txBox="1">
+                  <a:spLocks noRot="1" noChangeAspect="1" noMove="1" noResize="1" noEditPoints="1" noAdjustHandles="1" noChangeArrowheads="1" noChangeShapeType="1" noTextEdit="1"/>
+                </p:cNvSpPr>
+                <p:nvPr/>
+              </p:nvSpPr>
+              <p:spPr>
+                <a:xfrm>
+                  <a:off x="8535988" y="712561"/>
+                  <a:ext cx="304799" cy="369332"/>
+                </a:xfrm>
+                <a:prstGeom prst="rect">
+                  <a:avLst/>
+                </a:prstGeom>
+                <a:blipFill>
+                  <a:blip r:embed="rId6"/>
+                  <a:stretch>
+                    <a:fillRect/>
+                  </a:stretch>
+                </a:blipFill>
+              </p:spPr>
+              <p:txBody>
+                <a:bodyPr/>
+                <a:lstStyle/>
+                <a:p>
+                  <a:r>
+                    <a:rPr lang="en-US">
+                      <a:noFill/>
+                    </a:rPr>
+                    <a:t> </a:t>
+                  </a:r>
+                </a:p>
+              </p:txBody>
+            </p:sp>
+          </mc:Fallback>
+        </mc:AlternateContent>
+        <mc:AlternateContent xmlns:mc="http://schemas.openxmlformats.org/markup-compatibility/2006" xmlns:a14="http://schemas.microsoft.com/office/drawing/2010/main">
+          <mc:Choice Requires="a14">
+            <p:sp>
+              <p:nvSpPr>
+                <p:cNvPr id="19" name="TextBox 18">
+                  <a:extLst>
+                    <a:ext uri="{FF2B5EF4-FFF2-40B4-BE49-F238E27FC236}">
+                      <a16:creationId xmlns:a16="http://schemas.microsoft.com/office/drawing/2014/main" id="{C08F2ED5-36F0-4B4B-B6E5-877106E1DFB8}"/>
+                    </a:ext>
+                  </a:extLst>
+                </p:cNvPr>
+                <p:cNvSpPr txBox="1"/>
+                <p:nvPr/>
+              </p:nvSpPr>
+              <p:spPr>
+                <a:xfrm>
+                  <a:off x="7413624" y="388977"/>
+                  <a:ext cx="311150" cy="369332"/>
+                </a:xfrm>
+                <a:prstGeom prst="rect">
+                  <a:avLst/>
+                </a:prstGeom>
+                <a:noFill/>
+              </p:spPr>
+              <p:txBody>
+                <a:bodyPr wrap="square" rtlCol="0">
+                  <a:spAutoFit/>
+                </a:bodyPr>
+                <a:lstStyle/>
+                <a:p>
+                  <a:pPr/>
+                  <a14:m>
+                    <m:oMathPara xmlns:m="http://schemas.openxmlformats.org/officeDocument/2006/math">
+                      <m:oMathParaPr>
+                        <m:jc m:val="centerGroup"/>
+                      </m:oMathParaPr>
+                      <m:oMath xmlns:m="http://schemas.openxmlformats.org/officeDocument/2006/math">
+                        <m:sSub>
+                          <m:sSubPr>
+                            <m:ctrlPr>
+                              <a:rPr lang="en-US" b="0" i="1" smtClean="0">
+                                <a:latin typeface="Cambria Math" panose="02040503050406030204" pitchFamily="18" charset="0"/>
+                              </a:rPr>
+                            </m:ctrlPr>
+                          </m:sSubPr>
+                          <m:e>
+                            <m:r>
+                              <a:rPr lang="en-US" b="0" i="1" smtClean="0">
+                                <a:latin typeface="Cambria Math" panose="02040503050406030204" pitchFamily="18" charset="0"/>
+                              </a:rPr>
+                              <m:t>𝐵</m:t>
+                            </m:r>
+                          </m:e>
+                          <m:sub>
+                            <m:r>
+                              <a:rPr lang="en-US" b="0" i="1" smtClean="0">
+                                <a:latin typeface="Cambria Math" panose="02040503050406030204" pitchFamily="18" charset="0"/>
+                              </a:rPr>
+                              <m:t>0</m:t>
+                            </m:r>
+                          </m:sub>
+                        </m:sSub>
+                      </m:oMath>
+                    </m:oMathPara>
+                  </a14:m>
+                  <a:endParaRPr lang="en-US" dirty="0"/>
+                </a:p>
+              </p:txBody>
+            </p:sp>
+          </mc:Choice>
+          <mc:Fallback xmlns="">
+            <p:sp>
+              <p:nvSpPr>
+                <p:cNvPr id="15" name="TextBox 14">
+                  <a:extLst>
+                    <a:ext uri="{FF2B5EF4-FFF2-40B4-BE49-F238E27FC236}">
+                      <a16:creationId xmlns:a16="http://schemas.microsoft.com/office/drawing/2014/main" id="{4881336C-66D0-5F06-5A0B-7F00CDA63E18}"/>
+                    </a:ext>
+                  </a:extLst>
+                </p:cNvPr>
+                <p:cNvSpPr txBox="1">
+                  <a:spLocks noRot="1" noChangeAspect="1" noMove="1" noResize="1" noEditPoints="1" noAdjustHandles="1" noChangeArrowheads="1" noChangeShapeType="1" noTextEdit="1"/>
+                </p:cNvSpPr>
+                <p:nvPr/>
+              </p:nvSpPr>
+              <p:spPr>
+                <a:xfrm>
+                  <a:off x="7413624" y="388977"/>
+                  <a:ext cx="311150" cy="369332"/>
+                </a:xfrm>
+                <a:prstGeom prst="rect">
+                  <a:avLst/>
+                </a:prstGeom>
+                <a:blipFill>
+                  <a:blip r:embed="rId7"/>
+                  <a:stretch>
+                    <a:fillRect r="-25490"/>
+                  </a:stretch>
+                </a:blipFill>
+              </p:spPr>
+              <p:txBody>
+                <a:bodyPr/>
+                <a:lstStyle/>
+                <a:p>
+                  <a:r>
+                    <a:rPr lang="en-US">
+                      <a:noFill/>
+                    </a:rPr>
+                    <a:t> </a:t>
+                  </a:r>
+                </a:p>
+              </p:txBody>
+            </p:sp>
+          </mc:Fallback>
+        </mc:AlternateContent>
+        <p:grpSp>
+          <p:nvGrpSpPr>
+            <p:cNvPr id="20" name="Group 19">
+              <a:extLst>
+                <a:ext uri="{FF2B5EF4-FFF2-40B4-BE49-F238E27FC236}">
+                  <a16:creationId xmlns:a16="http://schemas.microsoft.com/office/drawing/2014/main" id="{6936A2DA-0FAB-4245-9840-C2C953C3A189}"/>
+                </a:ext>
+              </a:extLst>
+            </p:cNvPr>
+            <p:cNvGrpSpPr/>
+            <p:nvPr/>
+          </p:nvGrpSpPr>
+          <p:grpSpPr>
+            <a:xfrm>
+              <a:off x="7364412" y="887911"/>
+              <a:ext cx="127000" cy="129600"/>
+              <a:chOff x="6673850" y="1160249"/>
+              <a:chExt cx="127000" cy="129600"/>
+            </a:xfrm>
+          </p:grpSpPr>
+          <p:sp>
+            <p:nvSpPr>
+              <p:cNvPr id="23" name="Oval 22">
+                <a:extLst>
+                  <a:ext uri="{FF2B5EF4-FFF2-40B4-BE49-F238E27FC236}">
+                    <a16:creationId xmlns:a16="http://schemas.microsoft.com/office/drawing/2014/main" id="{ED61D3A4-0180-4476-B7E5-20AC7FF0CEF3}"/>
+                  </a:ext>
+                </a:extLst>
+              </p:cNvPr>
+              <p:cNvSpPr/>
+              <p:nvPr/>
+            </p:nvSpPr>
+            <p:spPr>
+              <a:xfrm>
+                <a:off x="6673850" y="1160249"/>
+                <a:ext cx="127000" cy="129600"/>
+              </a:xfrm>
+              <a:prstGeom prst="ellipse">
+                <a:avLst/>
+              </a:prstGeom>
+              <a:noFill/>
+            </p:spPr>
+            <p:style>
+              <a:lnRef idx="2">
+                <a:schemeClr val="accent1">
+                  <a:shade val="15000"/>
+                </a:schemeClr>
+              </a:lnRef>
+              <a:fillRef idx="1">
+                <a:schemeClr val="accent1"/>
+              </a:fillRef>
+              <a:effectRef idx="0">
+                <a:schemeClr val="accent1"/>
+              </a:effectRef>
+              <a:fontRef idx="minor">
+                <a:schemeClr val="lt1"/>
+              </a:fontRef>
+            </p:style>
+            <p:txBody>
+              <a:bodyPr rtlCol="0" anchor="ctr"/>
+              <a:lstStyle/>
+              <a:p>
+                <a:pPr algn="ctr"/>
+                <a:endParaRPr lang="en-US"/>
+              </a:p>
+            </p:txBody>
+          </p:sp>
+          <p:sp>
+            <p:nvSpPr>
+              <p:cNvPr id="24" name="Oval 23">
+                <a:extLst>
+                  <a:ext uri="{FF2B5EF4-FFF2-40B4-BE49-F238E27FC236}">
+                    <a16:creationId xmlns:a16="http://schemas.microsoft.com/office/drawing/2014/main" id="{EFFBC6F8-E675-4429-A8CF-E1140394C792}"/>
+                  </a:ext>
+                </a:extLst>
+              </p:cNvPr>
+              <p:cNvSpPr/>
+              <p:nvPr/>
+            </p:nvSpPr>
+            <p:spPr>
+              <a:xfrm>
+                <a:off x="6718300" y="1202189"/>
+                <a:ext cx="45719" cy="45719"/>
+              </a:xfrm>
+              <a:prstGeom prst="ellipse">
+                <a:avLst/>
+              </a:prstGeom>
+            </p:spPr>
+            <p:style>
+              <a:lnRef idx="2">
+                <a:schemeClr val="accent1">
+                  <a:shade val="15000"/>
+                </a:schemeClr>
+              </a:lnRef>
+              <a:fillRef idx="1">
+                <a:schemeClr val="accent1"/>
+              </a:fillRef>
+              <a:effectRef idx="0">
+                <a:schemeClr val="accent1"/>
+              </a:effectRef>
+              <a:fontRef idx="minor">
+                <a:schemeClr val="lt1"/>
+              </a:fontRef>
+            </p:style>
+            <p:txBody>
+              <a:bodyPr rtlCol="0" anchor="ctr"/>
+              <a:lstStyle/>
+              <a:p>
+                <a:pPr algn="ctr"/>
+                <a:endParaRPr lang="en-US"/>
+              </a:p>
+            </p:txBody>
+          </p:sp>
+        </p:grpSp>
+        <mc:AlternateContent xmlns:mc="http://schemas.openxmlformats.org/markup-compatibility/2006" xmlns:a14="http://schemas.microsoft.com/office/drawing/2010/main">
+          <mc:Choice Requires="a14">
+            <p:sp>
+              <p:nvSpPr>
+                <p:cNvPr id="22" name="TextBox 21">
+                  <a:extLst>
+                    <a:ext uri="{FF2B5EF4-FFF2-40B4-BE49-F238E27FC236}">
+                      <a16:creationId xmlns:a16="http://schemas.microsoft.com/office/drawing/2014/main" id="{44C9375C-6912-4B83-AB67-EEEE80031C2B}"/>
+                    </a:ext>
+                  </a:extLst>
+                </p:cNvPr>
+                <p:cNvSpPr txBox="1"/>
+                <p:nvPr/>
+              </p:nvSpPr>
+              <p:spPr>
+                <a:xfrm>
+                  <a:off x="7156449" y="985095"/>
+                  <a:ext cx="260350" cy="369332"/>
+                </a:xfrm>
+                <a:prstGeom prst="rect">
+                  <a:avLst/>
+                </a:prstGeom>
+                <a:noFill/>
+              </p:spPr>
+              <p:txBody>
+                <a:bodyPr wrap="square" rtlCol="0">
+                  <a:spAutoFit/>
+                </a:bodyPr>
+                <a:lstStyle/>
+                <a:p>
+                  <a:pPr/>
+                  <a14:m>
+                    <m:oMathPara xmlns:m="http://schemas.openxmlformats.org/officeDocument/2006/math">
+                      <m:oMathParaPr>
+                        <m:jc m:val="centerGroup"/>
+                      </m:oMathParaPr>
+                      <m:oMath xmlns:m="http://schemas.openxmlformats.org/officeDocument/2006/math">
+                        <m:sSub>
+                          <m:sSubPr>
+                            <m:ctrlPr>
+                              <a:rPr lang="en-US" b="0" i="1" smtClean="0">
+                                <a:latin typeface="Cambria Math" panose="02040503050406030204" pitchFamily="18" charset="0"/>
+                              </a:rPr>
+                            </m:ctrlPr>
+                          </m:sSubPr>
+                          <m:e>
+                            <m:r>
+                              <a:rPr lang="en-US" b="0" i="1" smtClean="0">
+                                <a:latin typeface="Cambria Math" panose="02040503050406030204" pitchFamily="18" charset="0"/>
+                              </a:rPr>
+                              <m:t>𝐸</m:t>
+                            </m:r>
+                          </m:e>
+                          <m:sub>
+                            <m:r>
+                              <a:rPr lang="en-US" b="0" i="1" smtClean="0">
+                                <a:latin typeface="Cambria Math" panose="02040503050406030204" pitchFamily="18" charset="0"/>
+                              </a:rPr>
+                              <m:t>𝑥</m:t>
+                            </m:r>
+                          </m:sub>
+                        </m:sSub>
+                      </m:oMath>
+                    </m:oMathPara>
+                  </a14:m>
+                  <a:endParaRPr lang="en-US" dirty="0"/>
+                </a:p>
+              </p:txBody>
+            </p:sp>
+          </mc:Choice>
+          <mc:Fallback xmlns="">
+            <p:sp>
+              <p:nvSpPr>
+                <p:cNvPr id="19" name="TextBox 18">
+                  <a:extLst>
+                    <a:ext uri="{FF2B5EF4-FFF2-40B4-BE49-F238E27FC236}">
+                      <a16:creationId xmlns:a16="http://schemas.microsoft.com/office/drawing/2014/main" id="{6EB71BBB-833B-B934-688E-CA50D342B455}"/>
+                    </a:ext>
+                  </a:extLst>
+                </p:cNvPr>
+                <p:cNvSpPr txBox="1">
+                  <a:spLocks noRot="1" noChangeAspect="1" noMove="1" noResize="1" noEditPoints="1" noAdjustHandles="1" noChangeArrowheads="1" noChangeShapeType="1" noTextEdit="1"/>
+                </p:cNvSpPr>
+                <p:nvPr/>
+              </p:nvSpPr>
+              <p:spPr>
+                <a:xfrm>
+                  <a:off x="7156449" y="985095"/>
+                  <a:ext cx="260350" cy="369332"/>
+                </a:xfrm>
+                <a:prstGeom prst="rect">
+                  <a:avLst/>
+                </a:prstGeom>
+                <a:blipFill>
+                  <a:blip r:embed="rId8"/>
+                  <a:stretch>
+                    <a:fillRect r="-41860"/>
+                  </a:stretch>
+                </a:blipFill>
+              </p:spPr>
+              <p:txBody>
+                <a:bodyPr/>
+                <a:lstStyle/>
+                <a:p>
+                  <a:r>
+                    <a:rPr lang="en-US">
+                      <a:noFill/>
+                    </a:rPr>
+                    <a:t> </a:t>
+                  </a:r>
+                </a:p>
+              </p:txBody>
+            </p:sp>
+          </mc:Fallback>
+        </mc:AlternateContent>
+      </p:grpSp>
     </p:spTree>
     <p:extLst>
       <p:ext uri="{BB962C8B-B14F-4D97-AF65-F5344CB8AC3E}">
@@ -4848,7 +5389,7 @@
         </p:blipFill>
         <p:spPr>
           <a:xfrm>
-            <a:off x="3357480" y="1702127"/>
+            <a:off x="3357480" y="1720789"/>
             <a:ext cx="5334000" cy="4000500"/>
           </a:xfrm>
           <a:prstGeom prst="rect">
@@ -19927,6 +20468,393 @@
           </a:prstGeom>
         </p:spPr>
       </p:pic>
+      <p:grpSp>
+        <p:nvGrpSpPr>
+          <p:cNvPr id="5" name="Group 4">
+            <a:extLst>
+              <a:ext uri="{FF2B5EF4-FFF2-40B4-BE49-F238E27FC236}">
+                <a16:creationId xmlns:a16="http://schemas.microsoft.com/office/drawing/2014/main" id="{3ED8B8CB-5F22-4F9B-8065-AC8187430D85}"/>
+              </a:ext>
+            </a:extLst>
+          </p:cNvPr>
+          <p:cNvGrpSpPr/>
+          <p:nvPr/>
+        </p:nvGrpSpPr>
+        <p:grpSpPr>
+          <a:xfrm>
+            <a:off x="6810484" y="472597"/>
+            <a:ext cx="2300287" cy="641866"/>
+            <a:chOff x="6540500" y="712561"/>
+            <a:chExt cx="2300287" cy="641866"/>
+          </a:xfrm>
+        </p:grpSpPr>
+        <p:cxnSp>
+          <p:nvCxnSpPr>
+            <p:cNvPr id="6" name="Straight Arrow Connector 5">
+              <a:extLst>
+                <a:ext uri="{FF2B5EF4-FFF2-40B4-BE49-F238E27FC236}">
+                  <a16:creationId xmlns:a16="http://schemas.microsoft.com/office/drawing/2014/main" id="{61377647-4D3C-40F4-9AC2-D734C2AF6D58}"/>
+                </a:ext>
+              </a:extLst>
+            </p:cNvPr>
+            <p:cNvCxnSpPr>
+              <a:cxnSpLocks/>
+            </p:cNvCxnSpPr>
+            <p:nvPr/>
+          </p:nvCxnSpPr>
+          <p:spPr>
+            <a:xfrm>
+              <a:off x="6540500" y="952500"/>
+              <a:ext cx="2070100" cy="210"/>
+            </a:xfrm>
+            <a:prstGeom prst="straightConnector1">
+              <a:avLst/>
+            </a:prstGeom>
+            <a:ln>
+              <a:tailEnd type="triangle"/>
+            </a:ln>
+          </p:spPr>
+          <p:style>
+            <a:lnRef idx="2">
+              <a:schemeClr val="accent1"/>
+            </a:lnRef>
+            <a:fillRef idx="0">
+              <a:schemeClr val="accent1"/>
+            </a:fillRef>
+            <a:effectRef idx="1">
+              <a:schemeClr val="accent1"/>
+            </a:effectRef>
+            <a:fontRef idx="minor">
+              <a:schemeClr val="tx1"/>
+            </a:fontRef>
+          </p:style>
+        </p:cxnSp>
+        <mc:AlternateContent xmlns:mc="http://schemas.openxmlformats.org/markup-compatibility/2006" xmlns:a14="http://schemas.microsoft.com/office/drawing/2010/main">
+          <mc:Choice Requires="a14">
+            <p:sp>
+              <p:nvSpPr>
+                <p:cNvPr id="7" name="TextBox 6">
+                  <a:extLst>
+                    <a:ext uri="{FF2B5EF4-FFF2-40B4-BE49-F238E27FC236}">
+                      <a16:creationId xmlns:a16="http://schemas.microsoft.com/office/drawing/2014/main" id="{9E60C024-2B13-4553-BA0F-BADE1AC39295}"/>
+                    </a:ext>
+                  </a:extLst>
+                </p:cNvPr>
+                <p:cNvSpPr txBox="1"/>
+                <p:nvPr/>
+              </p:nvSpPr>
+              <p:spPr>
+                <a:xfrm>
+                  <a:off x="8535988" y="712561"/>
+                  <a:ext cx="304799" cy="369332"/>
+                </a:xfrm>
+                <a:prstGeom prst="rect">
+                  <a:avLst/>
+                </a:prstGeom>
+                <a:noFill/>
+              </p:spPr>
+              <p:txBody>
+                <a:bodyPr wrap="square" rtlCol="0">
+                  <a:spAutoFit/>
+                </a:bodyPr>
+                <a:lstStyle/>
+                <a:p>
+                  <a:pPr/>
+                  <a14:m>
+                    <m:oMathPara xmlns:m="http://schemas.openxmlformats.org/officeDocument/2006/math">
+                      <m:oMathParaPr>
+                        <m:jc m:val="centerGroup"/>
+                      </m:oMathParaPr>
+                      <m:oMath xmlns:m="http://schemas.openxmlformats.org/officeDocument/2006/math">
+                        <m:r>
+                          <a:rPr lang="en-US" b="0" i="1" smtClean="0">
+                            <a:latin typeface="Cambria Math" panose="02040503050406030204" pitchFamily="18" charset="0"/>
+                          </a:rPr>
+                          <m:t>𝑧</m:t>
+                        </m:r>
+                      </m:oMath>
+                    </m:oMathPara>
+                  </a14:m>
+                  <a:endParaRPr lang="en-US" dirty="0"/>
+                </a:p>
+              </p:txBody>
+            </p:sp>
+          </mc:Choice>
+          <mc:Fallback xmlns="">
+            <p:sp>
+              <p:nvSpPr>
+                <p:cNvPr id="25" name="TextBox 24">
+                  <a:extLst>
+                    <a:ext uri="{FF2B5EF4-FFF2-40B4-BE49-F238E27FC236}">
+                      <a16:creationId xmlns:a16="http://schemas.microsoft.com/office/drawing/2014/main" id="{B353868D-0C2C-5D11-8B32-A0AA8270AA85}"/>
+                    </a:ext>
+                  </a:extLst>
+                </p:cNvPr>
+                <p:cNvSpPr txBox="1">
+                  <a:spLocks noRot="1" noChangeAspect="1" noMove="1" noResize="1" noEditPoints="1" noAdjustHandles="1" noChangeArrowheads="1" noChangeShapeType="1" noTextEdit="1"/>
+                </p:cNvSpPr>
+                <p:nvPr/>
+              </p:nvSpPr>
+              <p:spPr>
+                <a:xfrm>
+                  <a:off x="8535988" y="712561"/>
+                  <a:ext cx="304799" cy="369332"/>
+                </a:xfrm>
+                <a:prstGeom prst="rect">
+                  <a:avLst/>
+                </a:prstGeom>
+                <a:blipFill>
+                  <a:blip r:embed="rId9"/>
+                  <a:stretch>
+                    <a:fillRect/>
+                  </a:stretch>
+                </a:blipFill>
+              </p:spPr>
+              <p:txBody>
+                <a:bodyPr/>
+                <a:lstStyle/>
+                <a:p>
+                  <a:r>
+                    <a:rPr lang="en-US">
+                      <a:noFill/>
+                    </a:rPr>
+                    <a:t> </a:t>
+                  </a:r>
+                </a:p>
+              </p:txBody>
+            </p:sp>
+          </mc:Fallback>
+        </mc:AlternateContent>
+        <p:grpSp>
+          <p:nvGrpSpPr>
+            <p:cNvPr id="8" name="Group 7">
+              <a:extLst>
+                <a:ext uri="{FF2B5EF4-FFF2-40B4-BE49-F238E27FC236}">
+                  <a16:creationId xmlns:a16="http://schemas.microsoft.com/office/drawing/2014/main" id="{F0B97451-7AF9-4A2D-AA10-DBE056783B28}"/>
+                </a:ext>
+              </a:extLst>
+            </p:cNvPr>
+            <p:cNvGrpSpPr/>
+            <p:nvPr/>
+          </p:nvGrpSpPr>
+          <p:grpSpPr>
+            <a:xfrm>
+              <a:off x="7364412" y="887911"/>
+              <a:ext cx="127000" cy="129600"/>
+              <a:chOff x="6673850" y="1160249"/>
+              <a:chExt cx="127000" cy="129600"/>
+            </a:xfrm>
+          </p:grpSpPr>
+          <p:sp>
+            <p:nvSpPr>
+              <p:cNvPr id="12" name="Oval 11">
+                <a:extLst>
+                  <a:ext uri="{FF2B5EF4-FFF2-40B4-BE49-F238E27FC236}">
+                    <a16:creationId xmlns:a16="http://schemas.microsoft.com/office/drawing/2014/main" id="{5D65F515-DB57-47EE-B780-875721781A6F}"/>
+                  </a:ext>
+                </a:extLst>
+              </p:cNvPr>
+              <p:cNvSpPr/>
+              <p:nvPr/>
+            </p:nvSpPr>
+            <p:spPr>
+              <a:xfrm>
+                <a:off x="6673850" y="1160249"/>
+                <a:ext cx="127000" cy="129600"/>
+              </a:xfrm>
+              <a:prstGeom prst="ellipse">
+                <a:avLst/>
+              </a:prstGeom>
+              <a:noFill/>
+            </p:spPr>
+            <p:style>
+              <a:lnRef idx="2">
+                <a:schemeClr val="accent1">
+                  <a:shade val="15000"/>
+                </a:schemeClr>
+              </a:lnRef>
+              <a:fillRef idx="1">
+                <a:schemeClr val="accent1"/>
+              </a:fillRef>
+              <a:effectRef idx="0">
+                <a:schemeClr val="accent1"/>
+              </a:effectRef>
+              <a:fontRef idx="minor">
+                <a:schemeClr val="lt1"/>
+              </a:fontRef>
+            </p:style>
+            <p:txBody>
+              <a:bodyPr rtlCol="0" anchor="ctr"/>
+              <a:lstStyle/>
+              <a:p>
+                <a:pPr algn="ctr"/>
+                <a:endParaRPr lang="en-US"/>
+              </a:p>
+            </p:txBody>
+          </p:sp>
+          <p:sp>
+            <p:nvSpPr>
+              <p:cNvPr id="14" name="Oval 13">
+                <a:extLst>
+                  <a:ext uri="{FF2B5EF4-FFF2-40B4-BE49-F238E27FC236}">
+                    <a16:creationId xmlns:a16="http://schemas.microsoft.com/office/drawing/2014/main" id="{0F8472AA-C8FF-4D17-83C2-0956E4717694}"/>
+                  </a:ext>
+                </a:extLst>
+              </p:cNvPr>
+              <p:cNvSpPr/>
+              <p:nvPr/>
+            </p:nvSpPr>
+            <p:spPr>
+              <a:xfrm>
+                <a:off x="6718300" y="1202189"/>
+                <a:ext cx="45719" cy="45719"/>
+              </a:xfrm>
+              <a:prstGeom prst="ellipse">
+                <a:avLst/>
+              </a:prstGeom>
+            </p:spPr>
+            <p:style>
+              <a:lnRef idx="2">
+                <a:schemeClr val="accent1">
+                  <a:shade val="15000"/>
+                </a:schemeClr>
+              </a:lnRef>
+              <a:fillRef idx="1">
+                <a:schemeClr val="accent1"/>
+              </a:fillRef>
+              <a:effectRef idx="0">
+                <a:schemeClr val="accent1"/>
+              </a:effectRef>
+              <a:fontRef idx="minor">
+                <a:schemeClr val="lt1"/>
+              </a:fontRef>
+            </p:style>
+            <p:txBody>
+              <a:bodyPr rtlCol="0" anchor="ctr"/>
+              <a:lstStyle/>
+              <a:p>
+                <a:pPr algn="ctr"/>
+                <a:endParaRPr lang="en-US"/>
+              </a:p>
+            </p:txBody>
+          </p:sp>
+        </p:grpSp>
+        <mc:AlternateContent xmlns:mc="http://schemas.openxmlformats.org/markup-compatibility/2006" xmlns:a14="http://schemas.microsoft.com/office/drawing/2010/main">
+          <mc:Choice Requires="a14">
+            <p:sp>
+              <p:nvSpPr>
+                <p:cNvPr id="11" name="TextBox 10">
+                  <a:extLst>
+                    <a:ext uri="{FF2B5EF4-FFF2-40B4-BE49-F238E27FC236}">
+                      <a16:creationId xmlns:a16="http://schemas.microsoft.com/office/drawing/2014/main" id="{45F74CC3-E425-44AE-A11A-24B997FE4D2A}"/>
+                    </a:ext>
+                  </a:extLst>
+                </p:cNvPr>
+                <p:cNvSpPr txBox="1"/>
+                <p:nvPr/>
+              </p:nvSpPr>
+              <p:spPr>
+                <a:xfrm>
+                  <a:off x="7156449" y="985095"/>
+                  <a:ext cx="260350" cy="369332"/>
+                </a:xfrm>
+                <a:prstGeom prst="rect">
+                  <a:avLst/>
+                </a:prstGeom>
+                <a:noFill/>
+              </p:spPr>
+              <p:txBody>
+                <a:bodyPr wrap="square" rtlCol="0">
+                  <a:spAutoFit/>
+                </a:bodyPr>
+                <a:lstStyle/>
+                <a:p>
+                  <a:pPr/>
+                  <a14:m>
+                    <m:oMathPara xmlns:m="http://schemas.openxmlformats.org/officeDocument/2006/math">
+                      <m:oMathParaPr>
+                        <m:jc m:val="centerGroup"/>
+                      </m:oMathParaPr>
+                      <m:oMath xmlns:m="http://schemas.openxmlformats.org/officeDocument/2006/math">
+                        <m:sSub>
+                          <m:sSubPr>
+                            <m:ctrlPr>
+                              <a:rPr lang="en-US" b="0" i="1" smtClean="0">
+                                <a:latin typeface="Cambria Math" panose="02040503050406030204" pitchFamily="18" charset="0"/>
+                              </a:rPr>
+                            </m:ctrlPr>
+                          </m:sSubPr>
+                          <m:e>
+                            <m:r>
+                              <a:rPr lang="en-US" b="0" i="1" smtClean="0">
+                                <a:latin typeface="Cambria Math" panose="02040503050406030204" pitchFamily="18" charset="0"/>
+                              </a:rPr>
+                              <m:t>𝐸</m:t>
+                            </m:r>
+                          </m:e>
+                          <m:sub>
+                            <m:r>
+                              <a:rPr lang="en-US" b="0" i="1" smtClean="0">
+                                <a:latin typeface="Cambria Math" panose="02040503050406030204" pitchFamily="18" charset="0"/>
+                              </a:rPr>
+                              <m:t>𝑥</m:t>
+                            </m:r>
+                          </m:sub>
+                        </m:sSub>
+                      </m:oMath>
+                    </m:oMathPara>
+                  </a14:m>
+                  <a:endParaRPr lang="en-US" dirty="0"/>
+                </a:p>
+              </p:txBody>
+            </p:sp>
+          </mc:Choice>
+          <mc:Fallback xmlns="">
+            <p:sp>
+              <p:nvSpPr>
+                <p:cNvPr id="28" name="TextBox 27">
+                  <a:extLst>
+                    <a:ext uri="{FF2B5EF4-FFF2-40B4-BE49-F238E27FC236}">
+                      <a16:creationId xmlns:a16="http://schemas.microsoft.com/office/drawing/2014/main" id="{CE8F27B3-6950-D83F-6A05-BF066CB3B8A3}"/>
+                    </a:ext>
+                  </a:extLst>
+                </p:cNvPr>
+                <p:cNvSpPr txBox="1">
+                  <a:spLocks noRot="1" noChangeAspect="1" noMove="1" noResize="1" noEditPoints="1" noAdjustHandles="1" noChangeArrowheads="1" noChangeShapeType="1" noTextEdit="1"/>
+                </p:cNvSpPr>
+                <p:nvPr/>
+              </p:nvSpPr>
+              <p:spPr>
+                <a:xfrm>
+                  <a:off x="7156449" y="985095"/>
+                  <a:ext cx="260350" cy="369332"/>
+                </a:xfrm>
+                <a:prstGeom prst="rect">
+                  <a:avLst/>
+                </a:prstGeom>
+                <a:blipFill>
+                  <a:blip r:embed="rId10"/>
+                  <a:stretch>
+                    <a:fillRect r="-44186"/>
+                  </a:stretch>
+                </a:blipFill>
+              </p:spPr>
+              <p:txBody>
+                <a:bodyPr/>
+                <a:lstStyle/>
+                <a:p>
+                  <a:r>
+                    <a:rPr lang="en-US">
+                      <a:noFill/>
+                    </a:rPr>
+                    <a:t> </a:t>
+                  </a:r>
+                </a:p>
+              </p:txBody>
+            </p:sp>
+          </mc:Fallback>
+        </mc:AlternateContent>
+      </p:grpSp>
     </p:spTree>
     <p:extLst>
       <p:ext uri="{BB962C8B-B14F-4D97-AF65-F5344CB8AC3E}">
